--- a/Neurograph Project Presentation/Neurograph Presentation Jiashu Wu.pptx
+++ b/Neurograph Project Presentation/Neurograph Presentation Jiashu Wu.pptx
@@ -2,10 +2,15 @@
 <file path=ppt/presentation.xml><?xml version="1.0" encoding="utf-8"?>
 <p:presentation xmlns:a="http://schemas.openxmlformats.org/drawingml/2006/main" xmlns:r="http://schemas.openxmlformats.org/officeDocument/2006/relationships" xmlns:p="http://schemas.openxmlformats.org/presentationml/2006/main" saveSubsetFonts="1">
   <p:sldMasterIdLst>
-    <p:sldMasterId id="2147483648" r:id="rId1"/>
+    <p:sldMasterId id="2147483762" r:id="rId1"/>
   </p:sldMasterIdLst>
   <p:sldIdLst>
     <p:sldId id="256" r:id="rId2"/>
+    <p:sldId id="258" r:id="rId3"/>
+    <p:sldId id="259" r:id="rId4"/>
+    <p:sldId id="260" r:id="rId5"/>
+    <p:sldId id="261" r:id="rId6"/>
+    <p:sldId id="262" r:id="rId7"/>
   </p:sldIdLst>
   <p:sldSz cx="12192000" cy="6858000"/>
   <p:notesSz cx="6858000" cy="9144000"/>
@@ -13,7 +18,7 @@
     <a:defPPr>
       <a:defRPr lang="en-US"/>
     </a:defPPr>
-    <a:lvl1pPr marL="0" algn="l" defTabSz="914400" rtl="0" eaLnBrk="1" latinLnBrk="0" hangingPunct="1">
+    <a:lvl1pPr marL="0" algn="l" defTabSz="457200" rtl="0" eaLnBrk="1" latinLnBrk="0" hangingPunct="1">
       <a:defRPr sz="1800" kern="1200">
         <a:solidFill>
           <a:schemeClr val="tx1"/>
@@ -23,7 +28,7 @@
         <a:cs typeface="+mn-cs"/>
       </a:defRPr>
     </a:lvl1pPr>
-    <a:lvl2pPr marL="457200" algn="l" defTabSz="914400" rtl="0" eaLnBrk="1" latinLnBrk="0" hangingPunct="1">
+    <a:lvl2pPr marL="457200" algn="l" defTabSz="457200" rtl="0" eaLnBrk="1" latinLnBrk="0" hangingPunct="1">
       <a:defRPr sz="1800" kern="1200">
         <a:solidFill>
           <a:schemeClr val="tx1"/>
@@ -33,7 +38,7 @@
         <a:cs typeface="+mn-cs"/>
       </a:defRPr>
     </a:lvl2pPr>
-    <a:lvl3pPr marL="914400" algn="l" defTabSz="914400" rtl="0" eaLnBrk="1" latinLnBrk="0" hangingPunct="1">
+    <a:lvl3pPr marL="914400" algn="l" defTabSz="457200" rtl="0" eaLnBrk="1" latinLnBrk="0" hangingPunct="1">
       <a:defRPr sz="1800" kern="1200">
         <a:solidFill>
           <a:schemeClr val="tx1"/>
@@ -43,7 +48,7 @@
         <a:cs typeface="+mn-cs"/>
       </a:defRPr>
     </a:lvl3pPr>
-    <a:lvl4pPr marL="1371600" algn="l" defTabSz="914400" rtl="0" eaLnBrk="1" latinLnBrk="0" hangingPunct="1">
+    <a:lvl4pPr marL="1371600" algn="l" defTabSz="457200" rtl="0" eaLnBrk="1" latinLnBrk="0" hangingPunct="1">
       <a:defRPr sz="1800" kern="1200">
         <a:solidFill>
           <a:schemeClr val="tx1"/>
@@ -53,7 +58,7 @@
         <a:cs typeface="+mn-cs"/>
       </a:defRPr>
     </a:lvl4pPr>
-    <a:lvl5pPr marL="1828800" algn="l" defTabSz="914400" rtl="0" eaLnBrk="1" latinLnBrk="0" hangingPunct="1">
+    <a:lvl5pPr marL="1828800" algn="l" defTabSz="457200" rtl="0" eaLnBrk="1" latinLnBrk="0" hangingPunct="1">
       <a:defRPr sz="1800" kern="1200">
         <a:solidFill>
           <a:schemeClr val="tx1"/>
@@ -63,7 +68,7 @@
         <a:cs typeface="+mn-cs"/>
       </a:defRPr>
     </a:lvl5pPr>
-    <a:lvl6pPr marL="2286000" algn="l" defTabSz="914400" rtl="0" eaLnBrk="1" latinLnBrk="0" hangingPunct="1">
+    <a:lvl6pPr marL="2286000" algn="l" defTabSz="457200" rtl="0" eaLnBrk="1" latinLnBrk="0" hangingPunct="1">
       <a:defRPr sz="1800" kern="1200">
         <a:solidFill>
           <a:schemeClr val="tx1"/>
@@ -73,7 +78,7 @@
         <a:cs typeface="+mn-cs"/>
       </a:defRPr>
     </a:lvl6pPr>
-    <a:lvl7pPr marL="2743200" algn="l" defTabSz="914400" rtl="0" eaLnBrk="1" latinLnBrk="0" hangingPunct="1">
+    <a:lvl7pPr marL="2743200" algn="l" defTabSz="457200" rtl="0" eaLnBrk="1" latinLnBrk="0" hangingPunct="1">
       <a:defRPr sz="1800" kern="1200">
         <a:solidFill>
           <a:schemeClr val="tx1"/>
@@ -83,7 +88,7 @@
         <a:cs typeface="+mn-cs"/>
       </a:defRPr>
     </a:lvl7pPr>
-    <a:lvl8pPr marL="3200400" algn="l" defTabSz="914400" rtl="0" eaLnBrk="1" latinLnBrk="0" hangingPunct="1">
+    <a:lvl8pPr marL="3200400" algn="l" defTabSz="457200" rtl="0" eaLnBrk="1" latinLnBrk="0" hangingPunct="1">
       <a:defRPr sz="1800" kern="1200">
         <a:solidFill>
           <a:schemeClr val="tx1"/>
@@ -93,7 +98,7 @@
         <a:cs typeface="+mn-cs"/>
       </a:defRPr>
     </a:lvl8pPr>
-    <a:lvl9pPr marL="3657600" algn="l" defTabSz="914400" rtl="0" eaLnBrk="1" latinLnBrk="0" hangingPunct="1">
+    <a:lvl9pPr marL="3657600" algn="l" defTabSz="457200" rtl="0" eaLnBrk="1" latinLnBrk="0" hangingPunct="1">
       <a:defRPr sz="1800" kern="1200">
         <a:solidFill>
           <a:schemeClr val="tx1"/>
@@ -104,6 +109,11 @@
       </a:defRPr>
     </a:lvl9pPr>
   </p:defaultTextStyle>
+  <p:extLst>
+    <p:ext uri="{EFAFB233-063F-42B5-8137-9DF3F51BA10A}">
+      <p15:sldGuideLst xmlns:p15="http://schemas.microsoft.com/office/powerpoint/2012/main"/>
+    </p:ext>
+  </p:extLst>
 </p:presentation>
 </file>
 
@@ -112,7 +122,7 @@
 </file>
 
 <file path=ppt/slideLayouts/slideLayout1.xml><?xml version="1.0" encoding="utf-8"?>
-<p:sldLayout xmlns:a="http://schemas.openxmlformats.org/drawingml/2006/main" xmlns:r="http://schemas.openxmlformats.org/officeDocument/2006/relationships" xmlns:p="http://schemas.openxmlformats.org/presentationml/2006/main" type="title" preserve="1">
+<p:sldLayout xmlns:a="http://schemas.openxmlformats.org/drawingml/2006/main" xmlns:r="http://schemas.openxmlformats.org/officeDocument/2006/relationships" xmlns:p="http://schemas.openxmlformats.org/presentationml/2006/main" showMasterSp="0" type="title" preserve="1">
   <p:cSld name="Title Slide">
     <p:spTree>
       <p:nvGrpSpPr>
@@ -128,15 +138,539 @@
           <a:chExt cx="0" cy="0"/>
         </a:xfrm>
       </p:grpSpPr>
-      <p:sp>
-        <p:nvSpPr>
-          <p:cNvPr id="2" name="Title 1">
-            <a:extLst>
-              <a:ext uri="{FF2B5EF4-FFF2-40B4-BE49-F238E27FC236}">
-                <a16:creationId xmlns:a16="http://schemas.microsoft.com/office/drawing/2014/main" id="{A57AB1E7-2C5F-492E-AED9-898DBB734DD2}"/>
-              </a:ext>
-            </a:extLst>
-          </p:cNvPr>
+      <p:grpSp>
+        <p:nvGrpSpPr>
+          <p:cNvPr id="7" name="Group 6"/>
+          <p:cNvGrpSpPr/>
+          <p:nvPr/>
+        </p:nvGrpSpPr>
+        <p:grpSpPr>
+          <a:xfrm>
+            <a:off x="0" y="-8467"/>
+            <a:ext cx="12192000" cy="6866467"/>
+            <a:chOff x="0" y="-8467"/>
+            <a:chExt cx="12192000" cy="6866467"/>
+          </a:xfrm>
+        </p:grpSpPr>
+        <p:cxnSp>
+          <p:nvCxnSpPr>
+            <p:cNvPr id="32" name="Straight Connector 31"/>
+            <p:cNvCxnSpPr/>
+            <p:nvPr/>
+          </p:nvCxnSpPr>
+          <p:spPr>
+            <a:xfrm>
+              <a:off x="9371012" y="0"/>
+              <a:ext cx="1219200" cy="6858000"/>
+            </a:xfrm>
+            <a:prstGeom prst="line">
+              <a:avLst/>
+            </a:prstGeom>
+            <a:ln w="9525">
+              <a:solidFill>
+                <a:schemeClr val="bg1">
+                  <a:lumMod val="75000"/>
+                </a:schemeClr>
+              </a:solidFill>
+            </a:ln>
+          </p:spPr>
+          <p:style>
+            <a:lnRef idx="2">
+              <a:schemeClr val="accent1"/>
+            </a:lnRef>
+            <a:fillRef idx="0">
+              <a:schemeClr val="accent1"/>
+            </a:fillRef>
+            <a:effectRef idx="1">
+              <a:schemeClr val="accent1"/>
+            </a:effectRef>
+            <a:fontRef idx="minor">
+              <a:schemeClr val="tx1"/>
+            </a:fontRef>
+          </p:style>
+        </p:cxnSp>
+        <p:cxnSp>
+          <p:nvCxnSpPr>
+            <p:cNvPr id="21" name="Straight Connector 20"/>
+            <p:cNvCxnSpPr/>
+            <p:nvPr/>
+          </p:nvCxnSpPr>
+          <p:spPr>
+            <a:xfrm flipH="1">
+              <a:off x="7425267" y="3681413"/>
+              <a:ext cx="4763558" cy="3176587"/>
+            </a:xfrm>
+            <a:prstGeom prst="line">
+              <a:avLst/>
+            </a:prstGeom>
+            <a:ln w="9525">
+              <a:solidFill>
+                <a:schemeClr val="bg1">
+                  <a:lumMod val="85000"/>
+                </a:schemeClr>
+              </a:solidFill>
+            </a:ln>
+          </p:spPr>
+          <p:style>
+            <a:lnRef idx="2">
+              <a:schemeClr val="accent1"/>
+            </a:lnRef>
+            <a:fillRef idx="0">
+              <a:schemeClr val="accent1"/>
+            </a:fillRef>
+            <a:effectRef idx="1">
+              <a:schemeClr val="accent1"/>
+            </a:effectRef>
+            <a:fontRef idx="minor">
+              <a:schemeClr val="tx1"/>
+            </a:fontRef>
+          </p:style>
+        </p:cxnSp>
+        <p:sp>
+          <p:nvSpPr>
+            <p:cNvPr id="24" name="Rectangle 23"/>
+            <p:cNvSpPr/>
+            <p:nvPr/>
+          </p:nvSpPr>
+          <p:spPr>
+            <a:xfrm>
+              <a:off x="9181476" y="-8467"/>
+              <a:ext cx="3007349" cy="6866467"/>
+            </a:xfrm>
+            <a:custGeom>
+              <a:avLst/>
+              <a:gdLst/>
+              <a:ahLst/>
+              <a:cxnLst/>
+              <a:rect l="l" t="t" r="r" b="b"/>
+              <a:pathLst>
+                <a:path w="3007349" h="6866467">
+                  <a:moveTo>
+                    <a:pt x="2045532" y="0"/>
+                  </a:moveTo>
+                  <a:lnTo>
+                    <a:pt x="3007349" y="0"/>
+                  </a:lnTo>
+                  <a:lnTo>
+                    <a:pt x="3007349" y="6866467"/>
+                  </a:lnTo>
+                  <a:lnTo>
+                    <a:pt x="0" y="6866467"/>
+                  </a:lnTo>
+                  <a:lnTo>
+                    <a:pt x="2045532" y="0"/>
+                  </a:lnTo>
+                  <a:close/>
+                </a:path>
+              </a:pathLst>
+            </a:custGeom>
+            <a:solidFill>
+              <a:schemeClr val="accent1">
+                <a:alpha val="30000"/>
+              </a:schemeClr>
+            </a:solidFill>
+            <a:ln>
+              <a:noFill/>
+            </a:ln>
+            <a:effectLst/>
+          </p:spPr>
+          <p:style>
+            <a:lnRef idx="1">
+              <a:schemeClr val="accent1"/>
+            </a:lnRef>
+            <a:fillRef idx="3">
+              <a:schemeClr val="accent1"/>
+            </a:fillRef>
+            <a:effectRef idx="2">
+              <a:schemeClr val="accent1"/>
+            </a:effectRef>
+            <a:fontRef idx="minor">
+              <a:schemeClr val="lt1"/>
+            </a:fontRef>
+          </p:style>
+        </p:sp>
+        <p:sp>
+          <p:nvSpPr>
+            <p:cNvPr id="26" name="Rectangle 25"/>
+            <p:cNvSpPr/>
+            <p:nvPr/>
+          </p:nvSpPr>
+          <p:spPr>
+            <a:xfrm>
+              <a:off x="9603442" y="-8467"/>
+              <a:ext cx="2588558" cy="6866467"/>
+            </a:xfrm>
+            <a:custGeom>
+              <a:avLst/>
+              <a:gdLst/>
+              <a:ahLst/>
+              <a:cxnLst/>
+              <a:rect l="l" t="t" r="r" b="b"/>
+              <a:pathLst>
+                <a:path w="2573311" h="6866467">
+                  <a:moveTo>
+                    <a:pt x="0" y="0"/>
+                  </a:moveTo>
+                  <a:lnTo>
+                    <a:pt x="2573311" y="0"/>
+                  </a:lnTo>
+                  <a:lnTo>
+                    <a:pt x="2573311" y="6866467"/>
+                  </a:lnTo>
+                  <a:lnTo>
+                    <a:pt x="1202336" y="6866467"/>
+                  </a:lnTo>
+                  <a:lnTo>
+                    <a:pt x="0" y="0"/>
+                  </a:lnTo>
+                  <a:close/>
+                </a:path>
+              </a:pathLst>
+            </a:custGeom>
+            <a:solidFill>
+              <a:schemeClr val="accent1">
+                <a:alpha val="20000"/>
+              </a:schemeClr>
+            </a:solidFill>
+            <a:ln>
+              <a:noFill/>
+            </a:ln>
+            <a:effectLst/>
+          </p:spPr>
+          <p:style>
+            <a:lnRef idx="1">
+              <a:schemeClr val="accent1"/>
+            </a:lnRef>
+            <a:fillRef idx="3">
+              <a:schemeClr val="accent1"/>
+            </a:fillRef>
+            <a:effectRef idx="2">
+              <a:schemeClr val="accent1"/>
+            </a:effectRef>
+            <a:fontRef idx="minor">
+              <a:schemeClr val="lt1"/>
+            </a:fontRef>
+          </p:style>
+        </p:sp>
+        <p:sp>
+          <p:nvSpPr>
+            <p:cNvPr id="27" name="Isosceles Triangle 26"/>
+            <p:cNvSpPr/>
+            <p:nvPr/>
+          </p:nvSpPr>
+          <p:spPr>
+            <a:xfrm>
+              <a:off x="8932333" y="3048000"/>
+              <a:ext cx="3259667" cy="3810000"/>
+            </a:xfrm>
+            <a:prstGeom prst="triangle">
+              <a:avLst>
+                <a:gd name="adj" fmla="val 100000"/>
+              </a:avLst>
+            </a:prstGeom>
+            <a:solidFill>
+              <a:schemeClr val="accent2">
+                <a:alpha val="72000"/>
+              </a:schemeClr>
+            </a:solidFill>
+            <a:ln>
+              <a:noFill/>
+            </a:ln>
+            <a:effectLst/>
+          </p:spPr>
+          <p:style>
+            <a:lnRef idx="1">
+              <a:schemeClr val="accent1"/>
+            </a:lnRef>
+            <a:fillRef idx="3">
+              <a:schemeClr val="accent1"/>
+            </a:fillRef>
+            <a:effectRef idx="2">
+              <a:schemeClr val="accent1"/>
+            </a:effectRef>
+            <a:fontRef idx="minor">
+              <a:schemeClr val="lt1"/>
+            </a:fontRef>
+          </p:style>
+        </p:sp>
+        <p:sp>
+          <p:nvSpPr>
+            <p:cNvPr id="28" name="Rectangle 27"/>
+            <p:cNvSpPr/>
+            <p:nvPr/>
+          </p:nvSpPr>
+          <p:spPr>
+            <a:xfrm>
+              <a:off x="9334500" y="-8467"/>
+              <a:ext cx="2854326" cy="6866467"/>
+            </a:xfrm>
+            <a:custGeom>
+              <a:avLst/>
+              <a:gdLst/>
+              <a:ahLst/>
+              <a:cxnLst/>
+              <a:rect l="l" t="t" r="r" b="b"/>
+              <a:pathLst>
+                <a:path w="2858013" h="6866467">
+                  <a:moveTo>
+                    <a:pt x="0" y="0"/>
+                  </a:moveTo>
+                  <a:lnTo>
+                    <a:pt x="2858013" y="0"/>
+                  </a:lnTo>
+                  <a:lnTo>
+                    <a:pt x="2858013" y="6866467"/>
+                  </a:lnTo>
+                  <a:lnTo>
+                    <a:pt x="2473942" y="6866467"/>
+                  </a:lnTo>
+                  <a:lnTo>
+                    <a:pt x="0" y="0"/>
+                  </a:lnTo>
+                  <a:close/>
+                </a:path>
+              </a:pathLst>
+            </a:custGeom>
+            <a:solidFill>
+              <a:schemeClr val="accent2">
+                <a:lumMod val="75000"/>
+                <a:alpha val="70000"/>
+              </a:schemeClr>
+            </a:solidFill>
+            <a:ln>
+              <a:noFill/>
+            </a:ln>
+            <a:effectLst/>
+          </p:spPr>
+          <p:style>
+            <a:lnRef idx="1">
+              <a:schemeClr val="accent1"/>
+            </a:lnRef>
+            <a:fillRef idx="3">
+              <a:schemeClr val="accent1"/>
+            </a:fillRef>
+            <a:effectRef idx="2">
+              <a:schemeClr val="accent1"/>
+            </a:effectRef>
+            <a:fontRef idx="minor">
+              <a:schemeClr val="lt1"/>
+            </a:fontRef>
+          </p:style>
+        </p:sp>
+        <p:sp>
+          <p:nvSpPr>
+            <p:cNvPr id="29" name="Rectangle 28"/>
+            <p:cNvSpPr/>
+            <p:nvPr/>
+          </p:nvSpPr>
+          <p:spPr>
+            <a:xfrm>
+              <a:off x="10898730" y="-8467"/>
+              <a:ext cx="1290094" cy="6866467"/>
+            </a:xfrm>
+            <a:custGeom>
+              <a:avLst/>
+              <a:gdLst/>
+              <a:ahLst/>
+              <a:cxnLst/>
+              <a:rect l="l" t="t" r="r" b="b"/>
+              <a:pathLst>
+                <a:path w="1290094" h="6858000">
+                  <a:moveTo>
+                    <a:pt x="1019735" y="0"/>
+                  </a:moveTo>
+                  <a:lnTo>
+                    <a:pt x="1290094" y="0"/>
+                  </a:lnTo>
+                  <a:lnTo>
+                    <a:pt x="1290094" y="6858000"/>
+                  </a:lnTo>
+                  <a:lnTo>
+                    <a:pt x="0" y="6858000"/>
+                  </a:lnTo>
+                  <a:lnTo>
+                    <a:pt x="1019735" y="0"/>
+                  </a:lnTo>
+                  <a:close/>
+                </a:path>
+              </a:pathLst>
+            </a:custGeom>
+            <a:solidFill>
+              <a:schemeClr val="accent1">
+                <a:lumMod val="60000"/>
+                <a:lumOff val="40000"/>
+                <a:alpha val="70000"/>
+              </a:schemeClr>
+            </a:solidFill>
+            <a:ln>
+              <a:noFill/>
+            </a:ln>
+            <a:effectLst/>
+          </p:spPr>
+          <p:style>
+            <a:lnRef idx="1">
+              <a:schemeClr val="accent1"/>
+            </a:lnRef>
+            <a:fillRef idx="3">
+              <a:schemeClr val="accent1"/>
+            </a:fillRef>
+            <a:effectRef idx="2">
+              <a:schemeClr val="accent1"/>
+            </a:effectRef>
+            <a:fontRef idx="minor">
+              <a:schemeClr val="lt1"/>
+            </a:fontRef>
+          </p:style>
+        </p:sp>
+        <p:sp>
+          <p:nvSpPr>
+            <p:cNvPr id="30" name="Rectangle 29"/>
+            <p:cNvSpPr/>
+            <p:nvPr/>
+          </p:nvSpPr>
+          <p:spPr>
+            <a:xfrm>
+              <a:off x="10938999" y="-8467"/>
+              <a:ext cx="1249825" cy="6866467"/>
+            </a:xfrm>
+            <a:custGeom>
+              <a:avLst/>
+              <a:gdLst/>
+              <a:ahLst/>
+              <a:cxnLst/>
+              <a:rect l="l" t="t" r="r" b="b"/>
+              <a:pathLst>
+                <a:path w="1249825" h="6858000">
+                  <a:moveTo>
+                    <a:pt x="0" y="0"/>
+                  </a:moveTo>
+                  <a:lnTo>
+                    <a:pt x="1249825" y="0"/>
+                  </a:lnTo>
+                  <a:lnTo>
+                    <a:pt x="1249825" y="6858000"/>
+                  </a:lnTo>
+                  <a:lnTo>
+                    <a:pt x="1109382" y="6858000"/>
+                  </a:lnTo>
+                  <a:lnTo>
+                    <a:pt x="0" y="0"/>
+                  </a:lnTo>
+                  <a:close/>
+                </a:path>
+              </a:pathLst>
+            </a:custGeom>
+            <a:solidFill>
+              <a:schemeClr val="accent1">
+                <a:alpha val="65000"/>
+              </a:schemeClr>
+            </a:solidFill>
+            <a:ln>
+              <a:noFill/>
+            </a:ln>
+            <a:effectLst/>
+          </p:spPr>
+          <p:style>
+            <a:lnRef idx="1">
+              <a:schemeClr val="accent1"/>
+            </a:lnRef>
+            <a:fillRef idx="3">
+              <a:schemeClr val="accent1"/>
+            </a:fillRef>
+            <a:effectRef idx="2">
+              <a:schemeClr val="accent1"/>
+            </a:effectRef>
+            <a:fontRef idx="minor">
+              <a:schemeClr val="lt1"/>
+            </a:fontRef>
+          </p:style>
+        </p:sp>
+        <p:sp>
+          <p:nvSpPr>
+            <p:cNvPr id="31" name="Isosceles Triangle 30"/>
+            <p:cNvSpPr/>
+            <p:nvPr/>
+          </p:nvSpPr>
+          <p:spPr>
+            <a:xfrm>
+              <a:off x="10371666" y="3589867"/>
+              <a:ext cx="1817159" cy="3268133"/>
+            </a:xfrm>
+            <a:prstGeom prst="triangle">
+              <a:avLst>
+                <a:gd name="adj" fmla="val 100000"/>
+              </a:avLst>
+            </a:prstGeom>
+            <a:solidFill>
+              <a:schemeClr val="accent1">
+                <a:alpha val="80000"/>
+              </a:schemeClr>
+            </a:solidFill>
+            <a:ln>
+              <a:noFill/>
+            </a:ln>
+            <a:effectLst/>
+          </p:spPr>
+          <p:style>
+            <a:lnRef idx="1">
+              <a:schemeClr val="accent1"/>
+            </a:lnRef>
+            <a:fillRef idx="3">
+              <a:schemeClr val="accent1"/>
+            </a:fillRef>
+            <a:effectRef idx="2">
+              <a:schemeClr val="accent1"/>
+            </a:effectRef>
+            <a:fontRef idx="minor">
+              <a:schemeClr val="lt1"/>
+            </a:fontRef>
+          </p:style>
+        </p:sp>
+        <p:sp>
+          <p:nvSpPr>
+            <p:cNvPr id="19" name="Isosceles Triangle 18"/>
+            <p:cNvSpPr/>
+            <p:nvPr/>
+          </p:nvSpPr>
+          <p:spPr>
+            <a:xfrm rot="10800000">
+              <a:off x="0" y="0"/>
+              <a:ext cx="842596" cy="5666154"/>
+            </a:xfrm>
+            <a:prstGeom prst="triangle">
+              <a:avLst>
+                <a:gd name="adj" fmla="val 100000"/>
+              </a:avLst>
+            </a:prstGeom>
+            <a:solidFill>
+              <a:schemeClr val="accent1">
+                <a:alpha val="85000"/>
+              </a:schemeClr>
+            </a:solidFill>
+            <a:ln>
+              <a:noFill/>
+            </a:ln>
+            <a:effectLst/>
+          </p:spPr>
+          <p:style>
+            <a:lnRef idx="1">
+              <a:schemeClr val="accent1"/>
+            </a:lnRef>
+            <a:fillRef idx="3">
+              <a:schemeClr val="accent1"/>
+            </a:fillRef>
+            <a:effectRef idx="2">
+              <a:schemeClr val="accent1"/>
+            </a:effectRef>
+            <a:fontRef idx="minor">
+              <a:schemeClr val="lt1"/>
+            </a:fontRef>
+          </p:style>
+        </p:sp>
+      </p:grpSp>
+      <p:sp>
+        <p:nvSpPr>
+          <p:cNvPr id="2" name="Title 1"/>
           <p:cNvSpPr>
             <a:spLocks noGrp="1"/>
           </p:cNvSpPr>
@@ -146,15 +680,21 @@
         </p:nvSpPr>
         <p:spPr>
           <a:xfrm>
-            <a:off x="1524000" y="1122363"/>
-            <a:ext cx="9144000" cy="2387600"/>
+            <a:off x="1507067" y="2404534"/>
+            <a:ext cx="7766936" cy="1646302"/>
           </a:xfrm>
         </p:spPr>
         <p:txBody>
-          <a:bodyPr anchor="b"/>
+          <a:bodyPr anchor="b">
+            <a:noAutofit/>
+          </a:bodyPr>
           <a:lstStyle>
-            <a:lvl1pPr algn="ctr">
-              <a:defRPr sz="6000"/>
+            <a:lvl1pPr algn="r">
+              <a:defRPr sz="5400">
+                <a:solidFill>
+                  <a:schemeClr val="accent1"/>
+                </a:solidFill>
+              </a:defRPr>
             </a:lvl1pPr>
           </a:lstStyle>
           <a:p>
@@ -162,19 +702,13 @@
               <a:rPr lang="en-US"/>
               <a:t>Click to edit Master title style</a:t>
             </a:r>
-            <a:endParaRPr lang="en-AU"/>
-          </a:p>
-        </p:txBody>
-      </p:sp>
-      <p:sp>
-        <p:nvSpPr>
-          <p:cNvPr id="3" name="Subtitle 2">
-            <a:extLst>
-              <a:ext uri="{FF2B5EF4-FFF2-40B4-BE49-F238E27FC236}">
-                <a16:creationId xmlns:a16="http://schemas.microsoft.com/office/drawing/2014/main" id="{2DB41F1D-3ECB-4CE0-94A3-E8B73809219D}"/>
-              </a:ext>
-            </a:extLst>
-          </p:cNvPr>
+            <a:endParaRPr lang="en-US" dirty="0"/>
+          </a:p>
+        </p:txBody>
+      </p:sp>
+      <p:sp>
+        <p:nvSpPr>
+          <p:cNvPr id="3" name="Subtitle 2"/>
           <p:cNvSpPr>
             <a:spLocks noGrp="1"/>
           </p:cNvSpPr>
@@ -184,48 +718,103 @@
         </p:nvSpPr>
         <p:spPr>
           <a:xfrm>
-            <a:off x="1524000" y="3602038"/>
-            <a:ext cx="9144000" cy="1655762"/>
+            <a:off x="1507067" y="4050833"/>
+            <a:ext cx="7766936" cy="1096899"/>
           </a:xfrm>
         </p:spPr>
         <p:txBody>
-          <a:bodyPr/>
+          <a:bodyPr anchor="t"/>
           <a:lstStyle>
-            <a:lvl1pPr marL="0" indent="0" algn="ctr">
-              <a:buNone/>
-              <a:defRPr sz="2400"/>
+            <a:lvl1pPr marL="0" indent="0" algn="r">
+              <a:buNone/>
+              <a:defRPr>
+                <a:solidFill>
+                  <a:schemeClr val="tx1">
+                    <a:lumMod val="50000"/>
+                    <a:lumOff val="50000"/>
+                  </a:schemeClr>
+                </a:solidFill>
+              </a:defRPr>
             </a:lvl1pPr>
             <a:lvl2pPr marL="457200" indent="0" algn="ctr">
               <a:buNone/>
-              <a:defRPr sz="2000"/>
+              <a:defRPr>
+                <a:solidFill>
+                  <a:schemeClr val="tx1">
+                    <a:tint val="75000"/>
+                  </a:schemeClr>
+                </a:solidFill>
+              </a:defRPr>
             </a:lvl2pPr>
             <a:lvl3pPr marL="914400" indent="0" algn="ctr">
               <a:buNone/>
-              <a:defRPr sz="1800"/>
+              <a:defRPr>
+                <a:solidFill>
+                  <a:schemeClr val="tx1">
+                    <a:tint val="75000"/>
+                  </a:schemeClr>
+                </a:solidFill>
+              </a:defRPr>
             </a:lvl3pPr>
             <a:lvl4pPr marL="1371600" indent="0" algn="ctr">
               <a:buNone/>
-              <a:defRPr sz="1600"/>
+              <a:defRPr>
+                <a:solidFill>
+                  <a:schemeClr val="tx1">
+                    <a:tint val="75000"/>
+                  </a:schemeClr>
+                </a:solidFill>
+              </a:defRPr>
             </a:lvl4pPr>
             <a:lvl5pPr marL="1828800" indent="0" algn="ctr">
               <a:buNone/>
-              <a:defRPr sz="1600"/>
+              <a:defRPr>
+                <a:solidFill>
+                  <a:schemeClr val="tx1">
+                    <a:tint val="75000"/>
+                  </a:schemeClr>
+                </a:solidFill>
+              </a:defRPr>
             </a:lvl5pPr>
             <a:lvl6pPr marL="2286000" indent="0" algn="ctr">
               <a:buNone/>
-              <a:defRPr sz="1600"/>
+              <a:defRPr>
+                <a:solidFill>
+                  <a:schemeClr val="tx1">
+                    <a:tint val="75000"/>
+                  </a:schemeClr>
+                </a:solidFill>
+              </a:defRPr>
             </a:lvl6pPr>
             <a:lvl7pPr marL="2743200" indent="0" algn="ctr">
               <a:buNone/>
-              <a:defRPr sz="1600"/>
+              <a:defRPr>
+                <a:solidFill>
+                  <a:schemeClr val="tx1">
+                    <a:tint val="75000"/>
+                  </a:schemeClr>
+                </a:solidFill>
+              </a:defRPr>
             </a:lvl7pPr>
             <a:lvl8pPr marL="3200400" indent="0" algn="ctr">
               <a:buNone/>
-              <a:defRPr sz="1600"/>
+              <a:defRPr>
+                <a:solidFill>
+                  <a:schemeClr val="tx1">
+                    <a:tint val="75000"/>
+                  </a:schemeClr>
+                </a:solidFill>
+              </a:defRPr>
             </a:lvl8pPr>
             <a:lvl9pPr marL="3657600" indent="0" algn="ctr">
               <a:buNone/>
-              <a:defRPr sz="1600"/>
+              <a:defRPr>
+                <a:solidFill>
+                  <a:schemeClr val="tx1">
+                    <a:tint val="75000"/>
+                  </a:schemeClr>
+                </a:solidFill>
+              </a:defRPr>
             </a:lvl9pPr>
           </a:lstStyle>
           <a:p>
@@ -233,19 +822,13 @@
               <a:rPr lang="en-US"/>
               <a:t>Click to edit Master subtitle style</a:t>
             </a:r>
-            <a:endParaRPr lang="en-AU"/>
-          </a:p>
-        </p:txBody>
-      </p:sp>
-      <p:sp>
-        <p:nvSpPr>
-          <p:cNvPr id="4" name="Date Placeholder 3">
-            <a:extLst>
-              <a:ext uri="{FF2B5EF4-FFF2-40B4-BE49-F238E27FC236}">
-                <a16:creationId xmlns:a16="http://schemas.microsoft.com/office/drawing/2014/main" id="{AFED4703-C9D7-47FA-8223-76B044D06984}"/>
-              </a:ext>
-            </a:extLst>
-          </p:cNvPr>
+            <a:endParaRPr lang="en-US" dirty="0"/>
+          </a:p>
+        </p:txBody>
+      </p:sp>
+      <p:sp>
+        <p:nvSpPr>
+          <p:cNvPr id="4" name="Date Placeholder 3"/>
           <p:cNvSpPr>
             <a:spLocks noGrp="1"/>
           </p:cNvSpPr>
@@ -268,13 +851,7 @@
       </p:sp>
       <p:sp>
         <p:nvSpPr>
-          <p:cNvPr id="5" name="Footer Placeholder 4">
-            <a:extLst>
-              <a:ext uri="{FF2B5EF4-FFF2-40B4-BE49-F238E27FC236}">
-                <a16:creationId xmlns:a16="http://schemas.microsoft.com/office/drawing/2014/main" id="{2BDA4242-088B-4DD8-85F0-BA0E0E1EE2E3}"/>
-              </a:ext>
-            </a:extLst>
-          </p:cNvPr>
+          <p:cNvPr id="5" name="Footer Placeholder 4"/>
           <p:cNvSpPr>
             <a:spLocks noGrp="1"/>
           </p:cNvSpPr>
@@ -293,13 +870,7 @@
       </p:sp>
       <p:sp>
         <p:nvSpPr>
-          <p:cNvPr id="6" name="Slide Number Placeholder 5">
-            <a:extLst>
-              <a:ext uri="{FF2B5EF4-FFF2-40B4-BE49-F238E27FC236}">
-                <a16:creationId xmlns:a16="http://schemas.microsoft.com/office/drawing/2014/main" id="{79D0758B-5697-4B60-A3E9-660204B07189}"/>
-              </a:ext>
-            </a:extLst>
-          </p:cNvPr>
+          <p:cNvPr id="6" name="Slide Number Placeholder 5"/>
           <p:cNvSpPr>
             <a:spLocks noGrp="1"/>
           </p:cNvSpPr>
@@ -323,7 +894,7 @@
     </p:spTree>
     <p:extLst>
       <p:ext uri="{BB962C8B-B14F-4D97-AF65-F5344CB8AC3E}">
-        <p14:creationId xmlns:p14="http://schemas.microsoft.com/office/powerpoint/2010/main" val="902003876"/>
+        <p14:creationId xmlns:p14="http://schemas.microsoft.com/office/powerpoint/2010/main" val="1618846362"/>
       </p:ext>
     </p:extLst>
   </p:cSld>
@@ -334,6 +905,1619 @@
 </file>
 
 <file path=ppt/slideLayouts/slideLayout10.xml><?xml version="1.0" encoding="utf-8"?>
+<p:sldLayout xmlns:a="http://schemas.openxmlformats.org/drawingml/2006/main" xmlns:r="http://schemas.openxmlformats.org/officeDocument/2006/relationships" xmlns:p="http://schemas.openxmlformats.org/presentationml/2006/main" preserve="1">
+  <p:cSld name="Title and Caption">
+    <p:spTree>
+      <p:nvGrpSpPr>
+        <p:cNvPr id="1" name=""/>
+        <p:cNvGrpSpPr/>
+        <p:nvPr/>
+      </p:nvGrpSpPr>
+      <p:grpSpPr>
+        <a:xfrm>
+          <a:off x="0" y="0"/>
+          <a:ext cx="0" cy="0"/>
+          <a:chOff x="0" y="0"/>
+          <a:chExt cx="0" cy="0"/>
+        </a:xfrm>
+      </p:grpSpPr>
+      <p:sp>
+        <p:nvSpPr>
+          <p:cNvPr id="2" name="Title 1"/>
+          <p:cNvSpPr>
+            <a:spLocks noGrp="1"/>
+          </p:cNvSpPr>
+          <p:nvPr>
+            <p:ph type="title"/>
+          </p:nvPr>
+        </p:nvSpPr>
+        <p:spPr>
+          <a:xfrm>
+            <a:off x="677335" y="609600"/>
+            <a:ext cx="8596668" cy="3403600"/>
+          </a:xfrm>
+        </p:spPr>
+        <p:txBody>
+          <a:bodyPr anchor="ctr">
+            <a:normAutofit/>
+          </a:bodyPr>
+          <a:lstStyle>
+            <a:lvl1pPr algn="l">
+              <a:defRPr sz="4400" b="0" cap="none"/>
+            </a:lvl1pPr>
+          </a:lstStyle>
+          <a:p>
+            <a:r>
+              <a:rPr lang="en-US"/>
+              <a:t>Click to edit Master title style</a:t>
+            </a:r>
+            <a:endParaRPr lang="en-US" dirty="0"/>
+          </a:p>
+        </p:txBody>
+      </p:sp>
+      <p:sp>
+        <p:nvSpPr>
+          <p:cNvPr id="3" name="Text Placeholder 2"/>
+          <p:cNvSpPr>
+            <a:spLocks noGrp="1"/>
+          </p:cNvSpPr>
+          <p:nvPr>
+            <p:ph type="body" idx="1"/>
+          </p:nvPr>
+        </p:nvSpPr>
+        <p:spPr>
+          <a:xfrm>
+            <a:off x="677335" y="4470400"/>
+            <a:ext cx="8596668" cy="1570962"/>
+          </a:xfrm>
+        </p:spPr>
+        <p:txBody>
+          <a:bodyPr anchor="ctr">
+            <a:normAutofit/>
+          </a:bodyPr>
+          <a:lstStyle>
+            <a:lvl1pPr marL="0" indent="0" algn="l">
+              <a:buNone/>
+              <a:defRPr sz="1800">
+                <a:solidFill>
+                  <a:schemeClr val="tx1">
+                    <a:lumMod val="75000"/>
+                    <a:lumOff val="25000"/>
+                  </a:schemeClr>
+                </a:solidFill>
+              </a:defRPr>
+            </a:lvl1pPr>
+            <a:lvl2pPr marL="457200" indent="0">
+              <a:buNone/>
+              <a:defRPr sz="1800">
+                <a:solidFill>
+                  <a:schemeClr val="tx1">
+                    <a:tint val="75000"/>
+                  </a:schemeClr>
+                </a:solidFill>
+              </a:defRPr>
+            </a:lvl2pPr>
+            <a:lvl3pPr marL="914400" indent="0">
+              <a:buNone/>
+              <a:defRPr sz="1600">
+                <a:solidFill>
+                  <a:schemeClr val="tx1">
+                    <a:tint val="75000"/>
+                  </a:schemeClr>
+                </a:solidFill>
+              </a:defRPr>
+            </a:lvl3pPr>
+            <a:lvl4pPr marL="1371600" indent="0">
+              <a:buNone/>
+              <a:defRPr sz="1400">
+                <a:solidFill>
+                  <a:schemeClr val="tx1">
+                    <a:tint val="75000"/>
+                  </a:schemeClr>
+                </a:solidFill>
+              </a:defRPr>
+            </a:lvl4pPr>
+            <a:lvl5pPr marL="1828800" indent="0">
+              <a:buNone/>
+              <a:defRPr sz="1400">
+                <a:solidFill>
+                  <a:schemeClr val="tx1">
+                    <a:tint val="75000"/>
+                  </a:schemeClr>
+                </a:solidFill>
+              </a:defRPr>
+            </a:lvl5pPr>
+            <a:lvl6pPr marL="2286000" indent="0">
+              <a:buNone/>
+              <a:defRPr sz="1400">
+                <a:solidFill>
+                  <a:schemeClr val="tx1">
+                    <a:tint val="75000"/>
+                  </a:schemeClr>
+                </a:solidFill>
+              </a:defRPr>
+            </a:lvl6pPr>
+            <a:lvl7pPr marL="2743200" indent="0">
+              <a:buNone/>
+              <a:defRPr sz="1400">
+                <a:solidFill>
+                  <a:schemeClr val="tx1">
+                    <a:tint val="75000"/>
+                  </a:schemeClr>
+                </a:solidFill>
+              </a:defRPr>
+            </a:lvl7pPr>
+            <a:lvl8pPr marL="3200400" indent="0">
+              <a:buNone/>
+              <a:defRPr sz="1400">
+                <a:solidFill>
+                  <a:schemeClr val="tx1">
+                    <a:tint val="75000"/>
+                  </a:schemeClr>
+                </a:solidFill>
+              </a:defRPr>
+            </a:lvl8pPr>
+            <a:lvl9pPr marL="3657600" indent="0">
+              <a:buNone/>
+              <a:defRPr sz="1400">
+                <a:solidFill>
+                  <a:schemeClr val="tx1">
+                    <a:tint val="75000"/>
+                  </a:schemeClr>
+                </a:solidFill>
+              </a:defRPr>
+            </a:lvl9pPr>
+          </a:lstStyle>
+          <a:p>
+            <a:pPr lvl="0"/>
+            <a:r>
+              <a:rPr lang="en-US"/>
+              <a:t>Edit Master text styles</a:t>
+            </a:r>
+          </a:p>
+        </p:txBody>
+      </p:sp>
+      <p:sp>
+        <p:nvSpPr>
+          <p:cNvPr id="4" name="Date Placeholder 3"/>
+          <p:cNvSpPr>
+            <a:spLocks noGrp="1"/>
+          </p:cNvSpPr>
+          <p:nvPr>
+            <p:ph type="dt" sz="half" idx="10"/>
+          </p:nvPr>
+        </p:nvSpPr>
+        <p:spPr/>
+        <p:txBody>
+          <a:bodyPr/>
+          <a:lstStyle/>
+          <a:p>
+            <a:fld id="{F81B82F4-B97E-44F2-B919-90338D553904}" type="datetimeFigureOut">
+              <a:rPr lang="en-AU" smtClean="0"/>
+              <a:t>21/05/2018</a:t>
+            </a:fld>
+            <a:endParaRPr lang="en-AU"/>
+          </a:p>
+        </p:txBody>
+      </p:sp>
+      <p:sp>
+        <p:nvSpPr>
+          <p:cNvPr id="5" name="Footer Placeholder 4"/>
+          <p:cNvSpPr>
+            <a:spLocks noGrp="1"/>
+          </p:cNvSpPr>
+          <p:nvPr>
+            <p:ph type="ftr" sz="quarter" idx="11"/>
+          </p:nvPr>
+        </p:nvSpPr>
+        <p:spPr/>
+        <p:txBody>
+          <a:bodyPr/>
+          <a:lstStyle/>
+          <a:p>
+            <a:endParaRPr lang="en-AU"/>
+          </a:p>
+        </p:txBody>
+      </p:sp>
+      <p:sp>
+        <p:nvSpPr>
+          <p:cNvPr id="6" name="Slide Number Placeholder 5"/>
+          <p:cNvSpPr>
+            <a:spLocks noGrp="1"/>
+          </p:cNvSpPr>
+          <p:nvPr>
+            <p:ph type="sldNum" sz="quarter" idx="12"/>
+          </p:nvPr>
+        </p:nvSpPr>
+        <p:spPr/>
+        <p:txBody>
+          <a:bodyPr/>
+          <a:lstStyle/>
+          <a:p>
+            <a:fld id="{EFB35215-606D-4692-8664-0D65C209932F}" type="slidenum">
+              <a:rPr lang="en-AU" smtClean="0"/>
+              <a:t>‹#›</a:t>
+            </a:fld>
+            <a:endParaRPr lang="en-AU"/>
+          </a:p>
+        </p:txBody>
+      </p:sp>
+    </p:spTree>
+    <p:extLst>
+      <p:ext uri="{BB962C8B-B14F-4D97-AF65-F5344CB8AC3E}">
+        <p14:creationId xmlns:p14="http://schemas.microsoft.com/office/powerpoint/2010/main" val="3230498060"/>
+      </p:ext>
+    </p:extLst>
+  </p:cSld>
+  <p:clrMapOvr>
+    <a:masterClrMapping/>
+  </p:clrMapOvr>
+</p:sldLayout>
+</file>
+
+<file path=ppt/slideLayouts/slideLayout11.xml><?xml version="1.0" encoding="utf-8"?>
+<p:sldLayout xmlns:a="http://schemas.openxmlformats.org/drawingml/2006/main" xmlns:r="http://schemas.openxmlformats.org/officeDocument/2006/relationships" xmlns:p="http://schemas.openxmlformats.org/presentationml/2006/main" preserve="1">
+  <p:cSld name="Quote with Caption">
+    <p:spTree>
+      <p:nvGrpSpPr>
+        <p:cNvPr id="1" name=""/>
+        <p:cNvGrpSpPr/>
+        <p:nvPr/>
+      </p:nvGrpSpPr>
+      <p:grpSpPr>
+        <a:xfrm>
+          <a:off x="0" y="0"/>
+          <a:ext cx="0" cy="0"/>
+          <a:chOff x="0" y="0"/>
+          <a:chExt cx="0" cy="0"/>
+        </a:xfrm>
+      </p:grpSpPr>
+      <p:sp>
+        <p:nvSpPr>
+          <p:cNvPr id="2" name="Title 1"/>
+          <p:cNvSpPr>
+            <a:spLocks noGrp="1"/>
+          </p:cNvSpPr>
+          <p:nvPr>
+            <p:ph type="title"/>
+          </p:nvPr>
+        </p:nvSpPr>
+        <p:spPr>
+          <a:xfrm>
+            <a:off x="931334" y="609600"/>
+            <a:ext cx="8094134" cy="3022600"/>
+          </a:xfrm>
+        </p:spPr>
+        <p:txBody>
+          <a:bodyPr anchor="ctr">
+            <a:normAutofit/>
+          </a:bodyPr>
+          <a:lstStyle>
+            <a:lvl1pPr algn="l">
+              <a:defRPr sz="4400" b="0" cap="none"/>
+            </a:lvl1pPr>
+          </a:lstStyle>
+          <a:p>
+            <a:r>
+              <a:rPr lang="en-US"/>
+              <a:t>Click to edit Master title style</a:t>
+            </a:r>
+            <a:endParaRPr lang="en-US" dirty="0"/>
+          </a:p>
+        </p:txBody>
+      </p:sp>
+      <p:sp>
+        <p:nvSpPr>
+          <p:cNvPr id="23" name="Text Placeholder 9"/>
+          <p:cNvSpPr>
+            <a:spLocks noGrp="1"/>
+          </p:cNvSpPr>
+          <p:nvPr>
+            <p:ph type="body" sz="quarter" idx="13"/>
+          </p:nvPr>
+        </p:nvSpPr>
+        <p:spPr>
+          <a:xfrm>
+            <a:off x="1366139" y="3632200"/>
+            <a:ext cx="7224524" cy="381000"/>
+          </a:xfrm>
+        </p:spPr>
+        <p:txBody>
+          <a:bodyPr anchor="ctr">
+            <a:noAutofit/>
+          </a:bodyPr>
+          <a:lstStyle>
+            <a:lvl1pPr marL="0" indent="0">
+              <a:buFontTx/>
+              <a:buNone/>
+              <a:defRPr sz="1600">
+                <a:solidFill>
+                  <a:schemeClr val="tx1">
+                    <a:lumMod val="50000"/>
+                    <a:lumOff val="50000"/>
+                  </a:schemeClr>
+                </a:solidFill>
+              </a:defRPr>
+            </a:lvl1pPr>
+            <a:lvl2pPr marL="457200" indent="0">
+              <a:buFontTx/>
+              <a:buNone/>
+              <a:defRPr/>
+            </a:lvl2pPr>
+            <a:lvl3pPr marL="914400" indent="0">
+              <a:buFontTx/>
+              <a:buNone/>
+              <a:defRPr/>
+            </a:lvl3pPr>
+            <a:lvl4pPr marL="1371600" indent="0">
+              <a:buFontTx/>
+              <a:buNone/>
+              <a:defRPr/>
+            </a:lvl4pPr>
+            <a:lvl5pPr marL="1828800" indent="0">
+              <a:buFontTx/>
+              <a:buNone/>
+              <a:defRPr/>
+            </a:lvl5pPr>
+          </a:lstStyle>
+          <a:p>
+            <a:pPr lvl="0"/>
+            <a:r>
+              <a:rPr lang="en-US"/>
+              <a:t>Edit Master text styles</a:t>
+            </a:r>
+          </a:p>
+        </p:txBody>
+      </p:sp>
+      <p:sp>
+        <p:nvSpPr>
+          <p:cNvPr id="3" name="Text Placeholder 2"/>
+          <p:cNvSpPr>
+            <a:spLocks noGrp="1"/>
+          </p:cNvSpPr>
+          <p:nvPr>
+            <p:ph type="body" idx="1"/>
+          </p:nvPr>
+        </p:nvSpPr>
+        <p:spPr>
+          <a:xfrm>
+            <a:off x="677335" y="4470400"/>
+            <a:ext cx="8596668" cy="1570962"/>
+          </a:xfrm>
+        </p:spPr>
+        <p:txBody>
+          <a:bodyPr anchor="ctr">
+            <a:normAutofit/>
+          </a:bodyPr>
+          <a:lstStyle>
+            <a:lvl1pPr marL="0" indent="0" algn="l">
+              <a:buNone/>
+              <a:defRPr sz="1800">
+                <a:solidFill>
+                  <a:schemeClr val="tx1">
+                    <a:lumMod val="75000"/>
+                    <a:lumOff val="25000"/>
+                  </a:schemeClr>
+                </a:solidFill>
+              </a:defRPr>
+            </a:lvl1pPr>
+            <a:lvl2pPr marL="457200" indent="0">
+              <a:buNone/>
+              <a:defRPr sz="1800">
+                <a:solidFill>
+                  <a:schemeClr val="tx1">
+                    <a:tint val="75000"/>
+                  </a:schemeClr>
+                </a:solidFill>
+              </a:defRPr>
+            </a:lvl2pPr>
+            <a:lvl3pPr marL="914400" indent="0">
+              <a:buNone/>
+              <a:defRPr sz="1600">
+                <a:solidFill>
+                  <a:schemeClr val="tx1">
+                    <a:tint val="75000"/>
+                  </a:schemeClr>
+                </a:solidFill>
+              </a:defRPr>
+            </a:lvl3pPr>
+            <a:lvl4pPr marL="1371600" indent="0">
+              <a:buNone/>
+              <a:defRPr sz="1400">
+                <a:solidFill>
+                  <a:schemeClr val="tx1">
+                    <a:tint val="75000"/>
+                  </a:schemeClr>
+                </a:solidFill>
+              </a:defRPr>
+            </a:lvl4pPr>
+            <a:lvl5pPr marL="1828800" indent="0">
+              <a:buNone/>
+              <a:defRPr sz="1400">
+                <a:solidFill>
+                  <a:schemeClr val="tx1">
+                    <a:tint val="75000"/>
+                  </a:schemeClr>
+                </a:solidFill>
+              </a:defRPr>
+            </a:lvl5pPr>
+            <a:lvl6pPr marL="2286000" indent="0">
+              <a:buNone/>
+              <a:defRPr sz="1400">
+                <a:solidFill>
+                  <a:schemeClr val="tx1">
+                    <a:tint val="75000"/>
+                  </a:schemeClr>
+                </a:solidFill>
+              </a:defRPr>
+            </a:lvl6pPr>
+            <a:lvl7pPr marL="2743200" indent="0">
+              <a:buNone/>
+              <a:defRPr sz="1400">
+                <a:solidFill>
+                  <a:schemeClr val="tx1">
+                    <a:tint val="75000"/>
+                  </a:schemeClr>
+                </a:solidFill>
+              </a:defRPr>
+            </a:lvl7pPr>
+            <a:lvl8pPr marL="3200400" indent="0">
+              <a:buNone/>
+              <a:defRPr sz="1400">
+                <a:solidFill>
+                  <a:schemeClr val="tx1">
+                    <a:tint val="75000"/>
+                  </a:schemeClr>
+                </a:solidFill>
+              </a:defRPr>
+            </a:lvl8pPr>
+            <a:lvl9pPr marL="3657600" indent="0">
+              <a:buNone/>
+              <a:defRPr sz="1400">
+                <a:solidFill>
+                  <a:schemeClr val="tx1">
+                    <a:tint val="75000"/>
+                  </a:schemeClr>
+                </a:solidFill>
+              </a:defRPr>
+            </a:lvl9pPr>
+          </a:lstStyle>
+          <a:p>
+            <a:pPr lvl="0"/>
+            <a:r>
+              <a:rPr lang="en-US"/>
+              <a:t>Edit Master text styles</a:t>
+            </a:r>
+          </a:p>
+        </p:txBody>
+      </p:sp>
+      <p:sp>
+        <p:nvSpPr>
+          <p:cNvPr id="4" name="Date Placeholder 3"/>
+          <p:cNvSpPr>
+            <a:spLocks noGrp="1"/>
+          </p:cNvSpPr>
+          <p:nvPr>
+            <p:ph type="dt" sz="half" idx="10"/>
+          </p:nvPr>
+        </p:nvSpPr>
+        <p:spPr/>
+        <p:txBody>
+          <a:bodyPr/>
+          <a:lstStyle/>
+          <a:p>
+            <a:fld id="{F81B82F4-B97E-44F2-B919-90338D553904}" type="datetimeFigureOut">
+              <a:rPr lang="en-AU" smtClean="0"/>
+              <a:t>21/05/2018</a:t>
+            </a:fld>
+            <a:endParaRPr lang="en-AU"/>
+          </a:p>
+        </p:txBody>
+      </p:sp>
+      <p:sp>
+        <p:nvSpPr>
+          <p:cNvPr id="5" name="Footer Placeholder 4"/>
+          <p:cNvSpPr>
+            <a:spLocks noGrp="1"/>
+          </p:cNvSpPr>
+          <p:nvPr>
+            <p:ph type="ftr" sz="quarter" idx="11"/>
+          </p:nvPr>
+        </p:nvSpPr>
+        <p:spPr/>
+        <p:txBody>
+          <a:bodyPr/>
+          <a:lstStyle/>
+          <a:p>
+            <a:endParaRPr lang="en-AU"/>
+          </a:p>
+        </p:txBody>
+      </p:sp>
+      <p:sp>
+        <p:nvSpPr>
+          <p:cNvPr id="6" name="Slide Number Placeholder 5"/>
+          <p:cNvSpPr>
+            <a:spLocks noGrp="1"/>
+          </p:cNvSpPr>
+          <p:nvPr>
+            <p:ph type="sldNum" sz="quarter" idx="12"/>
+          </p:nvPr>
+        </p:nvSpPr>
+        <p:spPr/>
+        <p:txBody>
+          <a:bodyPr/>
+          <a:lstStyle/>
+          <a:p>
+            <a:fld id="{EFB35215-606D-4692-8664-0D65C209932F}" type="slidenum">
+              <a:rPr lang="en-AU" smtClean="0"/>
+              <a:t>‹#›</a:t>
+            </a:fld>
+            <a:endParaRPr lang="en-AU"/>
+          </a:p>
+        </p:txBody>
+      </p:sp>
+      <p:sp>
+        <p:nvSpPr>
+          <p:cNvPr id="20" name="TextBox 19"/>
+          <p:cNvSpPr txBox="1"/>
+          <p:nvPr/>
+        </p:nvSpPr>
+        <p:spPr>
+          <a:xfrm>
+            <a:off x="541870" y="790378"/>
+            <a:ext cx="609600" cy="584776"/>
+          </a:xfrm>
+          <a:prstGeom prst="rect">
+            <a:avLst/>
+          </a:prstGeom>
+        </p:spPr>
+        <p:txBody>
+          <a:bodyPr vert="horz" lIns="91440" tIns="45720" rIns="91440" bIns="45720" rtlCol="0" anchor="ctr">
+            <a:noAutofit/>
+          </a:bodyPr>
+          <a:lstStyle/>
+          <a:p>
+            <a:pPr lvl="0"/>
+            <a:r>
+              <a:rPr lang="en-US" sz="8000" baseline="0" dirty="0">
+                <a:ln w="3175" cmpd="sng">
+                  <a:noFill/>
+                </a:ln>
+                <a:solidFill>
+                  <a:schemeClr val="accent1">
+                    <a:lumMod val="60000"/>
+                    <a:lumOff val="40000"/>
+                  </a:schemeClr>
+                </a:solidFill>
+                <a:effectLst/>
+                <a:latin typeface="Arial"/>
+              </a:rPr>
+              <a:t>“</a:t>
+            </a:r>
+          </a:p>
+        </p:txBody>
+      </p:sp>
+      <p:sp>
+        <p:nvSpPr>
+          <p:cNvPr id="22" name="TextBox 21"/>
+          <p:cNvSpPr txBox="1"/>
+          <p:nvPr/>
+        </p:nvSpPr>
+        <p:spPr>
+          <a:xfrm>
+            <a:off x="8893011" y="2886556"/>
+            <a:ext cx="609600" cy="584776"/>
+          </a:xfrm>
+          <a:prstGeom prst="rect">
+            <a:avLst/>
+          </a:prstGeom>
+        </p:spPr>
+        <p:txBody>
+          <a:bodyPr vert="horz" lIns="91440" tIns="45720" rIns="91440" bIns="45720" rtlCol="0" anchor="ctr">
+            <a:noAutofit/>
+          </a:bodyPr>
+          <a:lstStyle/>
+          <a:p>
+            <a:pPr lvl="0"/>
+            <a:r>
+              <a:rPr lang="en-US" sz="8000" baseline="0" dirty="0">
+                <a:ln w="3175" cmpd="sng">
+                  <a:noFill/>
+                </a:ln>
+                <a:solidFill>
+                  <a:schemeClr val="accent1">
+                    <a:lumMod val="60000"/>
+                    <a:lumOff val="40000"/>
+                  </a:schemeClr>
+                </a:solidFill>
+                <a:latin typeface="Arial"/>
+              </a:rPr>
+              <a:t>”</a:t>
+            </a:r>
+            <a:endParaRPr lang="en-US" dirty="0">
+              <a:solidFill>
+                <a:schemeClr val="accent1">
+                  <a:lumMod val="60000"/>
+                  <a:lumOff val="40000"/>
+                </a:schemeClr>
+              </a:solidFill>
+              <a:latin typeface="Arial"/>
+            </a:endParaRPr>
+          </a:p>
+        </p:txBody>
+      </p:sp>
+    </p:spTree>
+    <p:extLst>
+      <p:ext uri="{BB962C8B-B14F-4D97-AF65-F5344CB8AC3E}">
+        <p14:creationId xmlns:p14="http://schemas.microsoft.com/office/powerpoint/2010/main" val="3685096709"/>
+      </p:ext>
+    </p:extLst>
+  </p:cSld>
+  <p:clrMapOvr>
+    <a:masterClrMapping/>
+  </p:clrMapOvr>
+</p:sldLayout>
+</file>
+
+<file path=ppt/slideLayouts/slideLayout12.xml><?xml version="1.0" encoding="utf-8"?>
+<p:sldLayout xmlns:a="http://schemas.openxmlformats.org/drawingml/2006/main" xmlns:r="http://schemas.openxmlformats.org/officeDocument/2006/relationships" xmlns:p="http://schemas.openxmlformats.org/presentationml/2006/main" preserve="1">
+  <p:cSld name="Name Card">
+    <p:spTree>
+      <p:nvGrpSpPr>
+        <p:cNvPr id="1" name=""/>
+        <p:cNvGrpSpPr/>
+        <p:nvPr/>
+      </p:nvGrpSpPr>
+      <p:grpSpPr>
+        <a:xfrm>
+          <a:off x="0" y="0"/>
+          <a:ext cx="0" cy="0"/>
+          <a:chOff x="0" y="0"/>
+          <a:chExt cx="0" cy="0"/>
+        </a:xfrm>
+      </p:grpSpPr>
+      <p:sp>
+        <p:nvSpPr>
+          <p:cNvPr id="2" name="Title 1"/>
+          <p:cNvSpPr>
+            <a:spLocks noGrp="1"/>
+          </p:cNvSpPr>
+          <p:nvPr>
+            <p:ph type="title"/>
+          </p:nvPr>
+        </p:nvSpPr>
+        <p:spPr>
+          <a:xfrm>
+            <a:off x="677335" y="1931988"/>
+            <a:ext cx="8596668" cy="2595460"/>
+          </a:xfrm>
+        </p:spPr>
+        <p:txBody>
+          <a:bodyPr anchor="b">
+            <a:normAutofit/>
+          </a:bodyPr>
+          <a:lstStyle>
+            <a:lvl1pPr algn="l">
+              <a:defRPr sz="4400" b="0" cap="none"/>
+            </a:lvl1pPr>
+          </a:lstStyle>
+          <a:p>
+            <a:r>
+              <a:rPr lang="en-US"/>
+              <a:t>Click to edit Master title style</a:t>
+            </a:r>
+            <a:endParaRPr lang="en-US" dirty="0"/>
+          </a:p>
+        </p:txBody>
+      </p:sp>
+      <p:sp>
+        <p:nvSpPr>
+          <p:cNvPr id="3" name="Text Placeholder 2"/>
+          <p:cNvSpPr>
+            <a:spLocks noGrp="1"/>
+          </p:cNvSpPr>
+          <p:nvPr>
+            <p:ph type="body" idx="1"/>
+          </p:nvPr>
+        </p:nvSpPr>
+        <p:spPr>
+          <a:xfrm>
+            <a:off x="677335" y="4527448"/>
+            <a:ext cx="8596668" cy="1513914"/>
+          </a:xfrm>
+        </p:spPr>
+        <p:txBody>
+          <a:bodyPr anchor="t">
+            <a:normAutofit/>
+          </a:bodyPr>
+          <a:lstStyle>
+            <a:lvl1pPr marL="0" indent="0" algn="l">
+              <a:buNone/>
+              <a:defRPr sz="1800">
+                <a:solidFill>
+                  <a:schemeClr val="tx1">
+                    <a:lumMod val="75000"/>
+                    <a:lumOff val="25000"/>
+                  </a:schemeClr>
+                </a:solidFill>
+              </a:defRPr>
+            </a:lvl1pPr>
+            <a:lvl2pPr marL="457200" indent="0">
+              <a:buNone/>
+              <a:defRPr sz="1800">
+                <a:solidFill>
+                  <a:schemeClr val="tx1">
+                    <a:tint val="75000"/>
+                  </a:schemeClr>
+                </a:solidFill>
+              </a:defRPr>
+            </a:lvl2pPr>
+            <a:lvl3pPr marL="914400" indent="0">
+              <a:buNone/>
+              <a:defRPr sz="1600">
+                <a:solidFill>
+                  <a:schemeClr val="tx1">
+                    <a:tint val="75000"/>
+                  </a:schemeClr>
+                </a:solidFill>
+              </a:defRPr>
+            </a:lvl3pPr>
+            <a:lvl4pPr marL="1371600" indent="0">
+              <a:buNone/>
+              <a:defRPr sz="1400">
+                <a:solidFill>
+                  <a:schemeClr val="tx1">
+                    <a:tint val="75000"/>
+                  </a:schemeClr>
+                </a:solidFill>
+              </a:defRPr>
+            </a:lvl4pPr>
+            <a:lvl5pPr marL="1828800" indent="0">
+              <a:buNone/>
+              <a:defRPr sz="1400">
+                <a:solidFill>
+                  <a:schemeClr val="tx1">
+                    <a:tint val="75000"/>
+                  </a:schemeClr>
+                </a:solidFill>
+              </a:defRPr>
+            </a:lvl5pPr>
+            <a:lvl6pPr marL="2286000" indent="0">
+              <a:buNone/>
+              <a:defRPr sz="1400">
+                <a:solidFill>
+                  <a:schemeClr val="tx1">
+                    <a:tint val="75000"/>
+                  </a:schemeClr>
+                </a:solidFill>
+              </a:defRPr>
+            </a:lvl6pPr>
+            <a:lvl7pPr marL="2743200" indent="0">
+              <a:buNone/>
+              <a:defRPr sz="1400">
+                <a:solidFill>
+                  <a:schemeClr val="tx1">
+                    <a:tint val="75000"/>
+                  </a:schemeClr>
+                </a:solidFill>
+              </a:defRPr>
+            </a:lvl7pPr>
+            <a:lvl8pPr marL="3200400" indent="0">
+              <a:buNone/>
+              <a:defRPr sz="1400">
+                <a:solidFill>
+                  <a:schemeClr val="tx1">
+                    <a:tint val="75000"/>
+                  </a:schemeClr>
+                </a:solidFill>
+              </a:defRPr>
+            </a:lvl8pPr>
+            <a:lvl9pPr marL="3657600" indent="0">
+              <a:buNone/>
+              <a:defRPr sz="1400">
+                <a:solidFill>
+                  <a:schemeClr val="tx1">
+                    <a:tint val="75000"/>
+                  </a:schemeClr>
+                </a:solidFill>
+              </a:defRPr>
+            </a:lvl9pPr>
+          </a:lstStyle>
+          <a:p>
+            <a:pPr lvl="0"/>
+            <a:r>
+              <a:rPr lang="en-US"/>
+              <a:t>Edit Master text styles</a:t>
+            </a:r>
+          </a:p>
+        </p:txBody>
+      </p:sp>
+      <p:sp>
+        <p:nvSpPr>
+          <p:cNvPr id="4" name="Date Placeholder 3"/>
+          <p:cNvSpPr>
+            <a:spLocks noGrp="1"/>
+          </p:cNvSpPr>
+          <p:nvPr>
+            <p:ph type="dt" sz="half" idx="10"/>
+          </p:nvPr>
+        </p:nvSpPr>
+        <p:spPr/>
+        <p:txBody>
+          <a:bodyPr/>
+          <a:lstStyle/>
+          <a:p>
+            <a:fld id="{F81B82F4-B97E-44F2-B919-90338D553904}" type="datetimeFigureOut">
+              <a:rPr lang="en-AU" smtClean="0"/>
+              <a:t>21/05/2018</a:t>
+            </a:fld>
+            <a:endParaRPr lang="en-AU"/>
+          </a:p>
+        </p:txBody>
+      </p:sp>
+      <p:sp>
+        <p:nvSpPr>
+          <p:cNvPr id="5" name="Footer Placeholder 4"/>
+          <p:cNvSpPr>
+            <a:spLocks noGrp="1"/>
+          </p:cNvSpPr>
+          <p:nvPr>
+            <p:ph type="ftr" sz="quarter" idx="11"/>
+          </p:nvPr>
+        </p:nvSpPr>
+        <p:spPr/>
+        <p:txBody>
+          <a:bodyPr/>
+          <a:lstStyle/>
+          <a:p>
+            <a:endParaRPr lang="en-AU"/>
+          </a:p>
+        </p:txBody>
+      </p:sp>
+      <p:sp>
+        <p:nvSpPr>
+          <p:cNvPr id="6" name="Slide Number Placeholder 5"/>
+          <p:cNvSpPr>
+            <a:spLocks noGrp="1"/>
+          </p:cNvSpPr>
+          <p:nvPr>
+            <p:ph type="sldNum" sz="quarter" idx="12"/>
+          </p:nvPr>
+        </p:nvSpPr>
+        <p:spPr/>
+        <p:txBody>
+          <a:bodyPr/>
+          <a:lstStyle/>
+          <a:p>
+            <a:fld id="{EFB35215-606D-4692-8664-0D65C209932F}" type="slidenum">
+              <a:rPr lang="en-AU" smtClean="0"/>
+              <a:t>‹#›</a:t>
+            </a:fld>
+            <a:endParaRPr lang="en-AU"/>
+          </a:p>
+        </p:txBody>
+      </p:sp>
+    </p:spTree>
+    <p:extLst>
+      <p:ext uri="{BB962C8B-B14F-4D97-AF65-F5344CB8AC3E}">
+        <p14:creationId xmlns:p14="http://schemas.microsoft.com/office/powerpoint/2010/main" val="2199249515"/>
+      </p:ext>
+    </p:extLst>
+  </p:cSld>
+  <p:clrMapOvr>
+    <a:masterClrMapping/>
+  </p:clrMapOvr>
+</p:sldLayout>
+</file>
+
+<file path=ppt/slideLayouts/slideLayout13.xml><?xml version="1.0" encoding="utf-8"?>
+<p:sldLayout xmlns:a="http://schemas.openxmlformats.org/drawingml/2006/main" xmlns:r="http://schemas.openxmlformats.org/officeDocument/2006/relationships" xmlns:p="http://schemas.openxmlformats.org/presentationml/2006/main" preserve="1">
+  <p:cSld name="Quote Name Card">
+    <p:spTree>
+      <p:nvGrpSpPr>
+        <p:cNvPr id="1" name=""/>
+        <p:cNvGrpSpPr/>
+        <p:nvPr/>
+      </p:nvGrpSpPr>
+      <p:grpSpPr>
+        <a:xfrm>
+          <a:off x="0" y="0"/>
+          <a:ext cx="0" cy="0"/>
+          <a:chOff x="0" y="0"/>
+          <a:chExt cx="0" cy="0"/>
+        </a:xfrm>
+      </p:grpSpPr>
+      <p:sp>
+        <p:nvSpPr>
+          <p:cNvPr id="2" name="Title 1"/>
+          <p:cNvSpPr>
+            <a:spLocks noGrp="1"/>
+          </p:cNvSpPr>
+          <p:nvPr>
+            <p:ph type="title"/>
+          </p:nvPr>
+        </p:nvSpPr>
+        <p:spPr>
+          <a:xfrm>
+            <a:off x="931334" y="609600"/>
+            <a:ext cx="8094134" cy="3022600"/>
+          </a:xfrm>
+        </p:spPr>
+        <p:txBody>
+          <a:bodyPr anchor="ctr">
+            <a:normAutofit/>
+          </a:bodyPr>
+          <a:lstStyle>
+            <a:lvl1pPr algn="l">
+              <a:defRPr sz="4400" b="0" cap="none"/>
+            </a:lvl1pPr>
+          </a:lstStyle>
+          <a:p>
+            <a:r>
+              <a:rPr lang="en-US"/>
+              <a:t>Click to edit Master title style</a:t>
+            </a:r>
+            <a:endParaRPr lang="en-US" dirty="0"/>
+          </a:p>
+        </p:txBody>
+      </p:sp>
+      <p:sp>
+        <p:nvSpPr>
+          <p:cNvPr id="23" name="Text Placeholder 9"/>
+          <p:cNvSpPr>
+            <a:spLocks noGrp="1"/>
+          </p:cNvSpPr>
+          <p:nvPr>
+            <p:ph type="body" sz="quarter" idx="13"/>
+          </p:nvPr>
+        </p:nvSpPr>
+        <p:spPr>
+          <a:xfrm>
+            <a:off x="677332" y="4013200"/>
+            <a:ext cx="8596669" cy="514248"/>
+          </a:xfrm>
+        </p:spPr>
+        <p:txBody>
+          <a:bodyPr anchor="b">
+            <a:noAutofit/>
+          </a:bodyPr>
+          <a:lstStyle>
+            <a:lvl1pPr marL="0" indent="0">
+              <a:buFontTx/>
+              <a:buNone/>
+              <a:defRPr sz="2400">
+                <a:solidFill>
+                  <a:schemeClr val="tx1">
+                    <a:lumMod val="75000"/>
+                    <a:lumOff val="25000"/>
+                  </a:schemeClr>
+                </a:solidFill>
+              </a:defRPr>
+            </a:lvl1pPr>
+            <a:lvl2pPr marL="457200" indent="0">
+              <a:buFontTx/>
+              <a:buNone/>
+              <a:defRPr/>
+            </a:lvl2pPr>
+            <a:lvl3pPr marL="914400" indent="0">
+              <a:buFontTx/>
+              <a:buNone/>
+              <a:defRPr/>
+            </a:lvl3pPr>
+            <a:lvl4pPr marL="1371600" indent="0">
+              <a:buFontTx/>
+              <a:buNone/>
+              <a:defRPr/>
+            </a:lvl4pPr>
+            <a:lvl5pPr marL="1828800" indent="0">
+              <a:buFontTx/>
+              <a:buNone/>
+              <a:defRPr/>
+            </a:lvl5pPr>
+          </a:lstStyle>
+          <a:p>
+            <a:pPr lvl="0"/>
+            <a:r>
+              <a:rPr lang="en-US"/>
+              <a:t>Edit Master text styles</a:t>
+            </a:r>
+          </a:p>
+        </p:txBody>
+      </p:sp>
+      <p:sp>
+        <p:nvSpPr>
+          <p:cNvPr id="3" name="Text Placeholder 2"/>
+          <p:cNvSpPr>
+            <a:spLocks noGrp="1"/>
+          </p:cNvSpPr>
+          <p:nvPr>
+            <p:ph type="body" idx="1"/>
+          </p:nvPr>
+        </p:nvSpPr>
+        <p:spPr>
+          <a:xfrm>
+            <a:off x="677335" y="4527448"/>
+            <a:ext cx="8596668" cy="1513914"/>
+          </a:xfrm>
+        </p:spPr>
+        <p:txBody>
+          <a:bodyPr anchor="t">
+            <a:normAutofit/>
+          </a:bodyPr>
+          <a:lstStyle>
+            <a:lvl1pPr marL="0" indent="0" algn="l">
+              <a:buNone/>
+              <a:defRPr sz="1800">
+                <a:solidFill>
+                  <a:schemeClr val="tx1">
+                    <a:lumMod val="50000"/>
+                    <a:lumOff val="50000"/>
+                  </a:schemeClr>
+                </a:solidFill>
+              </a:defRPr>
+            </a:lvl1pPr>
+            <a:lvl2pPr marL="457200" indent="0">
+              <a:buNone/>
+              <a:defRPr sz="1800">
+                <a:solidFill>
+                  <a:schemeClr val="tx1">
+                    <a:tint val="75000"/>
+                  </a:schemeClr>
+                </a:solidFill>
+              </a:defRPr>
+            </a:lvl2pPr>
+            <a:lvl3pPr marL="914400" indent="0">
+              <a:buNone/>
+              <a:defRPr sz="1600">
+                <a:solidFill>
+                  <a:schemeClr val="tx1">
+                    <a:tint val="75000"/>
+                  </a:schemeClr>
+                </a:solidFill>
+              </a:defRPr>
+            </a:lvl3pPr>
+            <a:lvl4pPr marL="1371600" indent="0">
+              <a:buNone/>
+              <a:defRPr sz="1400">
+                <a:solidFill>
+                  <a:schemeClr val="tx1">
+                    <a:tint val="75000"/>
+                  </a:schemeClr>
+                </a:solidFill>
+              </a:defRPr>
+            </a:lvl4pPr>
+            <a:lvl5pPr marL="1828800" indent="0">
+              <a:buNone/>
+              <a:defRPr sz="1400">
+                <a:solidFill>
+                  <a:schemeClr val="tx1">
+                    <a:tint val="75000"/>
+                  </a:schemeClr>
+                </a:solidFill>
+              </a:defRPr>
+            </a:lvl5pPr>
+            <a:lvl6pPr marL="2286000" indent="0">
+              <a:buNone/>
+              <a:defRPr sz="1400">
+                <a:solidFill>
+                  <a:schemeClr val="tx1">
+                    <a:tint val="75000"/>
+                  </a:schemeClr>
+                </a:solidFill>
+              </a:defRPr>
+            </a:lvl6pPr>
+            <a:lvl7pPr marL="2743200" indent="0">
+              <a:buNone/>
+              <a:defRPr sz="1400">
+                <a:solidFill>
+                  <a:schemeClr val="tx1">
+                    <a:tint val="75000"/>
+                  </a:schemeClr>
+                </a:solidFill>
+              </a:defRPr>
+            </a:lvl7pPr>
+            <a:lvl8pPr marL="3200400" indent="0">
+              <a:buNone/>
+              <a:defRPr sz="1400">
+                <a:solidFill>
+                  <a:schemeClr val="tx1">
+                    <a:tint val="75000"/>
+                  </a:schemeClr>
+                </a:solidFill>
+              </a:defRPr>
+            </a:lvl8pPr>
+            <a:lvl9pPr marL="3657600" indent="0">
+              <a:buNone/>
+              <a:defRPr sz="1400">
+                <a:solidFill>
+                  <a:schemeClr val="tx1">
+                    <a:tint val="75000"/>
+                  </a:schemeClr>
+                </a:solidFill>
+              </a:defRPr>
+            </a:lvl9pPr>
+          </a:lstStyle>
+          <a:p>
+            <a:pPr lvl="0"/>
+            <a:r>
+              <a:rPr lang="en-US"/>
+              <a:t>Edit Master text styles</a:t>
+            </a:r>
+          </a:p>
+        </p:txBody>
+      </p:sp>
+      <p:sp>
+        <p:nvSpPr>
+          <p:cNvPr id="4" name="Date Placeholder 3"/>
+          <p:cNvSpPr>
+            <a:spLocks noGrp="1"/>
+          </p:cNvSpPr>
+          <p:nvPr>
+            <p:ph type="dt" sz="half" idx="10"/>
+          </p:nvPr>
+        </p:nvSpPr>
+        <p:spPr/>
+        <p:txBody>
+          <a:bodyPr/>
+          <a:lstStyle/>
+          <a:p>
+            <a:fld id="{F81B82F4-B97E-44F2-B919-90338D553904}" type="datetimeFigureOut">
+              <a:rPr lang="en-AU" smtClean="0"/>
+              <a:t>21/05/2018</a:t>
+            </a:fld>
+            <a:endParaRPr lang="en-AU"/>
+          </a:p>
+        </p:txBody>
+      </p:sp>
+      <p:sp>
+        <p:nvSpPr>
+          <p:cNvPr id="5" name="Footer Placeholder 4"/>
+          <p:cNvSpPr>
+            <a:spLocks noGrp="1"/>
+          </p:cNvSpPr>
+          <p:nvPr>
+            <p:ph type="ftr" sz="quarter" idx="11"/>
+          </p:nvPr>
+        </p:nvSpPr>
+        <p:spPr/>
+        <p:txBody>
+          <a:bodyPr/>
+          <a:lstStyle/>
+          <a:p>
+            <a:endParaRPr lang="en-AU"/>
+          </a:p>
+        </p:txBody>
+      </p:sp>
+      <p:sp>
+        <p:nvSpPr>
+          <p:cNvPr id="6" name="Slide Number Placeholder 5"/>
+          <p:cNvSpPr>
+            <a:spLocks noGrp="1"/>
+          </p:cNvSpPr>
+          <p:nvPr>
+            <p:ph type="sldNum" sz="quarter" idx="12"/>
+          </p:nvPr>
+        </p:nvSpPr>
+        <p:spPr/>
+        <p:txBody>
+          <a:bodyPr/>
+          <a:lstStyle/>
+          <a:p>
+            <a:fld id="{EFB35215-606D-4692-8664-0D65C209932F}" type="slidenum">
+              <a:rPr lang="en-AU" smtClean="0"/>
+              <a:t>‹#›</a:t>
+            </a:fld>
+            <a:endParaRPr lang="en-AU"/>
+          </a:p>
+        </p:txBody>
+      </p:sp>
+      <p:sp>
+        <p:nvSpPr>
+          <p:cNvPr id="24" name="TextBox 23"/>
+          <p:cNvSpPr txBox="1"/>
+          <p:nvPr/>
+        </p:nvSpPr>
+        <p:spPr>
+          <a:xfrm>
+            <a:off x="541870" y="790378"/>
+            <a:ext cx="609600" cy="584776"/>
+          </a:xfrm>
+          <a:prstGeom prst="rect">
+            <a:avLst/>
+          </a:prstGeom>
+        </p:spPr>
+        <p:txBody>
+          <a:bodyPr vert="horz" lIns="91440" tIns="45720" rIns="91440" bIns="45720" rtlCol="0" anchor="ctr">
+            <a:noAutofit/>
+          </a:bodyPr>
+          <a:lstStyle/>
+          <a:p>
+            <a:pPr lvl="0"/>
+            <a:r>
+              <a:rPr lang="en-US" sz="8000" baseline="0" dirty="0">
+                <a:ln w="3175" cmpd="sng">
+                  <a:noFill/>
+                </a:ln>
+                <a:solidFill>
+                  <a:schemeClr val="accent1">
+                    <a:lumMod val="60000"/>
+                    <a:lumOff val="40000"/>
+                  </a:schemeClr>
+                </a:solidFill>
+                <a:effectLst/>
+                <a:latin typeface="Arial"/>
+              </a:rPr>
+              <a:t>“</a:t>
+            </a:r>
+          </a:p>
+        </p:txBody>
+      </p:sp>
+      <p:sp>
+        <p:nvSpPr>
+          <p:cNvPr id="25" name="TextBox 24"/>
+          <p:cNvSpPr txBox="1"/>
+          <p:nvPr/>
+        </p:nvSpPr>
+        <p:spPr>
+          <a:xfrm>
+            <a:off x="8893011" y="2886556"/>
+            <a:ext cx="609600" cy="584776"/>
+          </a:xfrm>
+          <a:prstGeom prst="rect">
+            <a:avLst/>
+          </a:prstGeom>
+        </p:spPr>
+        <p:txBody>
+          <a:bodyPr vert="horz" lIns="91440" tIns="45720" rIns="91440" bIns="45720" rtlCol="0" anchor="ctr">
+            <a:noAutofit/>
+          </a:bodyPr>
+          <a:lstStyle/>
+          <a:p>
+            <a:pPr lvl="0"/>
+            <a:r>
+              <a:rPr lang="en-US" sz="8000" baseline="0" dirty="0">
+                <a:ln w="3175" cmpd="sng">
+                  <a:noFill/>
+                </a:ln>
+                <a:solidFill>
+                  <a:schemeClr val="accent1">
+                    <a:lumMod val="60000"/>
+                    <a:lumOff val="40000"/>
+                  </a:schemeClr>
+                </a:solidFill>
+                <a:effectLst/>
+                <a:latin typeface="Arial"/>
+              </a:rPr>
+              <a:t>”</a:t>
+            </a:r>
+          </a:p>
+        </p:txBody>
+      </p:sp>
+    </p:spTree>
+    <p:extLst>
+      <p:ext uri="{BB962C8B-B14F-4D97-AF65-F5344CB8AC3E}">
+        <p14:creationId xmlns:p14="http://schemas.microsoft.com/office/powerpoint/2010/main" val="4100912927"/>
+      </p:ext>
+    </p:extLst>
+  </p:cSld>
+  <p:clrMapOvr>
+    <a:masterClrMapping/>
+  </p:clrMapOvr>
+</p:sldLayout>
+</file>
+
+<file path=ppt/slideLayouts/slideLayout14.xml><?xml version="1.0" encoding="utf-8"?>
+<p:sldLayout xmlns:a="http://schemas.openxmlformats.org/drawingml/2006/main" xmlns:r="http://schemas.openxmlformats.org/officeDocument/2006/relationships" xmlns:p="http://schemas.openxmlformats.org/presentationml/2006/main" preserve="1">
+  <p:cSld name="True or False">
+    <p:spTree>
+      <p:nvGrpSpPr>
+        <p:cNvPr id="1" name=""/>
+        <p:cNvGrpSpPr/>
+        <p:nvPr/>
+      </p:nvGrpSpPr>
+      <p:grpSpPr>
+        <a:xfrm>
+          <a:off x="0" y="0"/>
+          <a:ext cx="0" cy="0"/>
+          <a:chOff x="0" y="0"/>
+          <a:chExt cx="0" cy="0"/>
+        </a:xfrm>
+      </p:grpSpPr>
+      <p:sp>
+        <p:nvSpPr>
+          <p:cNvPr id="2" name="Title 1"/>
+          <p:cNvSpPr>
+            <a:spLocks noGrp="1"/>
+          </p:cNvSpPr>
+          <p:nvPr>
+            <p:ph type="title"/>
+          </p:nvPr>
+        </p:nvSpPr>
+        <p:spPr>
+          <a:xfrm>
+            <a:off x="685799" y="609600"/>
+            <a:ext cx="8588203" cy="3022600"/>
+          </a:xfrm>
+        </p:spPr>
+        <p:txBody>
+          <a:bodyPr anchor="ctr">
+            <a:normAutofit/>
+          </a:bodyPr>
+          <a:lstStyle>
+            <a:lvl1pPr algn="l">
+              <a:defRPr sz="4400" b="0" cap="none"/>
+            </a:lvl1pPr>
+          </a:lstStyle>
+          <a:p>
+            <a:r>
+              <a:rPr lang="en-US"/>
+              <a:t>Click to edit Master title style</a:t>
+            </a:r>
+            <a:endParaRPr lang="en-US" dirty="0"/>
+          </a:p>
+        </p:txBody>
+      </p:sp>
+      <p:sp>
+        <p:nvSpPr>
+          <p:cNvPr id="23" name="Text Placeholder 9"/>
+          <p:cNvSpPr>
+            <a:spLocks noGrp="1"/>
+          </p:cNvSpPr>
+          <p:nvPr>
+            <p:ph type="body" sz="quarter" idx="13"/>
+          </p:nvPr>
+        </p:nvSpPr>
+        <p:spPr>
+          <a:xfrm>
+            <a:off x="677332" y="4013200"/>
+            <a:ext cx="8596669" cy="514248"/>
+          </a:xfrm>
+        </p:spPr>
+        <p:txBody>
+          <a:bodyPr anchor="b">
+            <a:noAutofit/>
+          </a:bodyPr>
+          <a:lstStyle>
+            <a:lvl1pPr marL="0" indent="0">
+              <a:buFontTx/>
+              <a:buNone/>
+              <a:defRPr sz="2400">
+                <a:solidFill>
+                  <a:schemeClr val="accent1"/>
+                </a:solidFill>
+              </a:defRPr>
+            </a:lvl1pPr>
+            <a:lvl2pPr marL="457200" indent="0">
+              <a:buFontTx/>
+              <a:buNone/>
+              <a:defRPr/>
+            </a:lvl2pPr>
+            <a:lvl3pPr marL="914400" indent="0">
+              <a:buFontTx/>
+              <a:buNone/>
+              <a:defRPr/>
+            </a:lvl3pPr>
+            <a:lvl4pPr marL="1371600" indent="0">
+              <a:buFontTx/>
+              <a:buNone/>
+              <a:defRPr/>
+            </a:lvl4pPr>
+            <a:lvl5pPr marL="1828800" indent="0">
+              <a:buFontTx/>
+              <a:buNone/>
+              <a:defRPr/>
+            </a:lvl5pPr>
+          </a:lstStyle>
+          <a:p>
+            <a:pPr lvl="0"/>
+            <a:r>
+              <a:rPr lang="en-US"/>
+              <a:t>Edit Master text styles</a:t>
+            </a:r>
+          </a:p>
+        </p:txBody>
+      </p:sp>
+      <p:sp>
+        <p:nvSpPr>
+          <p:cNvPr id="3" name="Text Placeholder 2"/>
+          <p:cNvSpPr>
+            <a:spLocks noGrp="1"/>
+          </p:cNvSpPr>
+          <p:nvPr>
+            <p:ph type="body" idx="1"/>
+          </p:nvPr>
+        </p:nvSpPr>
+        <p:spPr>
+          <a:xfrm>
+            <a:off x="677335" y="4527448"/>
+            <a:ext cx="8596668" cy="1513914"/>
+          </a:xfrm>
+        </p:spPr>
+        <p:txBody>
+          <a:bodyPr anchor="t">
+            <a:normAutofit/>
+          </a:bodyPr>
+          <a:lstStyle>
+            <a:lvl1pPr marL="0" indent="0" algn="l">
+              <a:buNone/>
+              <a:defRPr sz="1800">
+                <a:solidFill>
+                  <a:schemeClr val="tx1">
+                    <a:lumMod val="50000"/>
+                    <a:lumOff val="50000"/>
+                  </a:schemeClr>
+                </a:solidFill>
+              </a:defRPr>
+            </a:lvl1pPr>
+            <a:lvl2pPr marL="457200" indent="0">
+              <a:buNone/>
+              <a:defRPr sz="1800">
+                <a:solidFill>
+                  <a:schemeClr val="tx1">
+                    <a:tint val="75000"/>
+                  </a:schemeClr>
+                </a:solidFill>
+              </a:defRPr>
+            </a:lvl2pPr>
+            <a:lvl3pPr marL="914400" indent="0">
+              <a:buNone/>
+              <a:defRPr sz="1600">
+                <a:solidFill>
+                  <a:schemeClr val="tx1">
+                    <a:tint val="75000"/>
+                  </a:schemeClr>
+                </a:solidFill>
+              </a:defRPr>
+            </a:lvl3pPr>
+            <a:lvl4pPr marL="1371600" indent="0">
+              <a:buNone/>
+              <a:defRPr sz="1400">
+                <a:solidFill>
+                  <a:schemeClr val="tx1">
+                    <a:tint val="75000"/>
+                  </a:schemeClr>
+                </a:solidFill>
+              </a:defRPr>
+            </a:lvl4pPr>
+            <a:lvl5pPr marL="1828800" indent="0">
+              <a:buNone/>
+              <a:defRPr sz="1400">
+                <a:solidFill>
+                  <a:schemeClr val="tx1">
+                    <a:tint val="75000"/>
+                  </a:schemeClr>
+                </a:solidFill>
+              </a:defRPr>
+            </a:lvl5pPr>
+            <a:lvl6pPr marL="2286000" indent="0">
+              <a:buNone/>
+              <a:defRPr sz="1400">
+                <a:solidFill>
+                  <a:schemeClr val="tx1">
+                    <a:tint val="75000"/>
+                  </a:schemeClr>
+                </a:solidFill>
+              </a:defRPr>
+            </a:lvl6pPr>
+            <a:lvl7pPr marL="2743200" indent="0">
+              <a:buNone/>
+              <a:defRPr sz="1400">
+                <a:solidFill>
+                  <a:schemeClr val="tx1">
+                    <a:tint val="75000"/>
+                  </a:schemeClr>
+                </a:solidFill>
+              </a:defRPr>
+            </a:lvl7pPr>
+            <a:lvl8pPr marL="3200400" indent="0">
+              <a:buNone/>
+              <a:defRPr sz="1400">
+                <a:solidFill>
+                  <a:schemeClr val="tx1">
+                    <a:tint val="75000"/>
+                  </a:schemeClr>
+                </a:solidFill>
+              </a:defRPr>
+            </a:lvl8pPr>
+            <a:lvl9pPr marL="3657600" indent="0">
+              <a:buNone/>
+              <a:defRPr sz="1400">
+                <a:solidFill>
+                  <a:schemeClr val="tx1">
+                    <a:tint val="75000"/>
+                  </a:schemeClr>
+                </a:solidFill>
+              </a:defRPr>
+            </a:lvl9pPr>
+          </a:lstStyle>
+          <a:p>
+            <a:pPr lvl="0"/>
+            <a:r>
+              <a:rPr lang="en-US"/>
+              <a:t>Edit Master text styles</a:t>
+            </a:r>
+          </a:p>
+        </p:txBody>
+      </p:sp>
+      <p:sp>
+        <p:nvSpPr>
+          <p:cNvPr id="4" name="Date Placeholder 3"/>
+          <p:cNvSpPr>
+            <a:spLocks noGrp="1"/>
+          </p:cNvSpPr>
+          <p:nvPr>
+            <p:ph type="dt" sz="half" idx="10"/>
+          </p:nvPr>
+        </p:nvSpPr>
+        <p:spPr/>
+        <p:txBody>
+          <a:bodyPr/>
+          <a:lstStyle/>
+          <a:p>
+            <a:fld id="{F81B82F4-B97E-44F2-B919-90338D553904}" type="datetimeFigureOut">
+              <a:rPr lang="en-AU" smtClean="0"/>
+              <a:t>21/05/2018</a:t>
+            </a:fld>
+            <a:endParaRPr lang="en-AU"/>
+          </a:p>
+        </p:txBody>
+      </p:sp>
+      <p:sp>
+        <p:nvSpPr>
+          <p:cNvPr id="5" name="Footer Placeholder 4"/>
+          <p:cNvSpPr>
+            <a:spLocks noGrp="1"/>
+          </p:cNvSpPr>
+          <p:nvPr>
+            <p:ph type="ftr" sz="quarter" idx="11"/>
+          </p:nvPr>
+        </p:nvSpPr>
+        <p:spPr/>
+        <p:txBody>
+          <a:bodyPr/>
+          <a:lstStyle/>
+          <a:p>
+            <a:endParaRPr lang="en-AU"/>
+          </a:p>
+        </p:txBody>
+      </p:sp>
+      <p:sp>
+        <p:nvSpPr>
+          <p:cNvPr id="6" name="Slide Number Placeholder 5"/>
+          <p:cNvSpPr>
+            <a:spLocks noGrp="1"/>
+          </p:cNvSpPr>
+          <p:nvPr>
+            <p:ph type="sldNum" sz="quarter" idx="12"/>
+          </p:nvPr>
+        </p:nvSpPr>
+        <p:spPr/>
+        <p:txBody>
+          <a:bodyPr/>
+          <a:lstStyle/>
+          <a:p>
+            <a:fld id="{EFB35215-606D-4692-8664-0D65C209932F}" type="slidenum">
+              <a:rPr lang="en-AU" smtClean="0"/>
+              <a:t>‹#›</a:t>
+            </a:fld>
+            <a:endParaRPr lang="en-AU"/>
+          </a:p>
+        </p:txBody>
+      </p:sp>
+    </p:spTree>
+    <p:extLst>
+      <p:ext uri="{BB962C8B-B14F-4D97-AF65-F5344CB8AC3E}">
+        <p14:creationId xmlns:p14="http://schemas.microsoft.com/office/powerpoint/2010/main" val="2309237143"/>
+      </p:ext>
+    </p:extLst>
+  </p:cSld>
+  <p:clrMapOvr>
+    <a:masterClrMapping/>
+  </p:clrMapOvr>
+</p:sldLayout>
+</file>
+
+<file path=ppt/slideLayouts/slideLayout15.xml><?xml version="1.0" encoding="utf-8"?>
 <p:sldLayout xmlns:a="http://schemas.openxmlformats.org/drawingml/2006/main" xmlns:r="http://schemas.openxmlformats.org/officeDocument/2006/relationships" xmlns:p="http://schemas.openxmlformats.org/presentationml/2006/main" type="vertTx" preserve="1">
   <p:cSld name="Title and Vertical Text">
     <p:spTree>
@@ -352,13 +2536,7 @@
       </p:grpSpPr>
       <p:sp>
         <p:nvSpPr>
-          <p:cNvPr id="2" name="Title 1">
-            <a:extLst>
-              <a:ext uri="{FF2B5EF4-FFF2-40B4-BE49-F238E27FC236}">
-                <a16:creationId xmlns:a16="http://schemas.microsoft.com/office/drawing/2014/main" id="{EC035AEA-6F7A-4564-B8E6-99FEC867A0CD}"/>
-              </a:ext>
-            </a:extLst>
-          </p:cNvPr>
+          <p:cNvPr id="2" name="Title 1"/>
           <p:cNvSpPr>
             <a:spLocks noGrp="1"/>
           </p:cNvSpPr>
@@ -375,19 +2553,13 @@
               <a:rPr lang="en-US"/>
               <a:t>Click to edit Master title style</a:t>
             </a:r>
-            <a:endParaRPr lang="en-AU"/>
-          </a:p>
-        </p:txBody>
-      </p:sp>
-      <p:sp>
-        <p:nvSpPr>
-          <p:cNvPr id="3" name="Vertical Text Placeholder 2">
-            <a:extLst>
-              <a:ext uri="{FF2B5EF4-FFF2-40B4-BE49-F238E27FC236}">
-                <a16:creationId xmlns:a16="http://schemas.microsoft.com/office/drawing/2014/main" id="{A1CB60BF-71D8-4EBC-B71D-045A5A36F775}"/>
-              </a:ext>
-            </a:extLst>
-          </p:cNvPr>
+            <a:endParaRPr lang="en-US" dirty="0"/>
+          </a:p>
+        </p:txBody>
+      </p:sp>
+      <p:sp>
+        <p:nvSpPr>
+          <p:cNvPr id="3" name="Vertical Text Placeholder 2"/>
           <p:cNvSpPr>
             <a:spLocks noGrp="1"/>
           </p:cNvSpPr>
@@ -433,19 +2605,13 @@
               <a:rPr lang="en-US"/>
               <a:t>Fifth level</a:t>
             </a:r>
-            <a:endParaRPr lang="en-AU"/>
-          </a:p>
-        </p:txBody>
-      </p:sp>
-      <p:sp>
-        <p:nvSpPr>
-          <p:cNvPr id="4" name="Date Placeholder 3">
-            <a:extLst>
-              <a:ext uri="{FF2B5EF4-FFF2-40B4-BE49-F238E27FC236}">
-                <a16:creationId xmlns:a16="http://schemas.microsoft.com/office/drawing/2014/main" id="{6483232B-0ECF-45EC-8657-301D8BD4DBFB}"/>
-              </a:ext>
-            </a:extLst>
-          </p:cNvPr>
+            <a:endParaRPr lang="en-US" dirty="0"/>
+          </a:p>
+        </p:txBody>
+      </p:sp>
+      <p:sp>
+        <p:nvSpPr>
+          <p:cNvPr id="4" name="Date Placeholder 3"/>
           <p:cNvSpPr>
             <a:spLocks noGrp="1"/>
           </p:cNvSpPr>
@@ -468,13 +2634,7 @@
       </p:sp>
       <p:sp>
         <p:nvSpPr>
-          <p:cNvPr id="5" name="Footer Placeholder 4">
-            <a:extLst>
-              <a:ext uri="{FF2B5EF4-FFF2-40B4-BE49-F238E27FC236}">
-                <a16:creationId xmlns:a16="http://schemas.microsoft.com/office/drawing/2014/main" id="{0A78C10F-A0A5-4ADC-ADA8-2458798B1047}"/>
-              </a:ext>
-            </a:extLst>
-          </p:cNvPr>
+          <p:cNvPr id="5" name="Footer Placeholder 4"/>
           <p:cNvSpPr>
             <a:spLocks noGrp="1"/>
           </p:cNvSpPr>
@@ -493,13 +2653,7 @@
       </p:sp>
       <p:sp>
         <p:nvSpPr>
-          <p:cNvPr id="6" name="Slide Number Placeholder 5">
-            <a:extLst>
-              <a:ext uri="{FF2B5EF4-FFF2-40B4-BE49-F238E27FC236}">
-                <a16:creationId xmlns:a16="http://schemas.microsoft.com/office/drawing/2014/main" id="{195FFE7E-5F4B-4DB2-97FC-459CA357643F}"/>
-              </a:ext>
-            </a:extLst>
-          </p:cNvPr>
+          <p:cNvPr id="6" name="Slide Number Placeholder 5"/>
           <p:cNvSpPr>
             <a:spLocks noGrp="1"/>
           </p:cNvSpPr>
@@ -523,7 +2677,7 @@
     </p:spTree>
     <p:extLst>
       <p:ext uri="{BB962C8B-B14F-4D97-AF65-F5344CB8AC3E}">
-        <p14:creationId xmlns:p14="http://schemas.microsoft.com/office/powerpoint/2010/main" val="605064393"/>
+        <p14:creationId xmlns:p14="http://schemas.microsoft.com/office/powerpoint/2010/main" val="1666763926"/>
       </p:ext>
     </p:extLst>
   </p:cSld>
@@ -533,7 +2687,7 @@
 </p:sldLayout>
 </file>
 
-<file path=ppt/slideLayouts/slideLayout11.xml><?xml version="1.0" encoding="utf-8"?>
+<file path=ppt/slideLayouts/slideLayout16.xml><?xml version="1.0" encoding="utf-8"?>
 <p:sldLayout xmlns:a="http://schemas.openxmlformats.org/drawingml/2006/main" xmlns:r="http://schemas.openxmlformats.org/officeDocument/2006/relationships" xmlns:p="http://schemas.openxmlformats.org/presentationml/2006/main" type="vertTitleAndTx" preserve="1">
   <p:cSld name="Vertical Title and Text">
     <p:spTree>
@@ -552,13 +2706,7 @@
       </p:grpSpPr>
       <p:sp>
         <p:nvSpPr>
-          <p:cNvPr id="2" name="Vertical Title 1">
-            <a:extLst>
-              <a:ext uri="{FF2B5EF4-FFF2-40B4-BE49-F238E27FC236}">
-                <a16:creationId xmlns:a16="http://schemas.microsoft.com/office/drawing/2014/main" id="{6B2E8190-BE68-444C-8A2A-FC417D41BC1A}"/>
-              </a:ext>
-            </a:extLst>
-          </p:cNvPr>
+          <p:cNvPr id="2" name="Vertical Title 1"/>
           <p:cNvSpPr>
             <a:spLocks noGrp="1"/>
           </p:cNvSpPr>
@@ -568,31 +2716,25 @@
         </p:nvSpPr>
         <p:spPr>
           <a:xfrm>
-            <a:off x="8724900" y="365125"/>
-            <a:ext cx="2628900" cy="5811838"/>
+            <a:off x="7967673" y="609599"/>
+            <a:ext cx="1304743" cy="5251451"/>
           </a:xfrm>
         </p:spPr>
         <p:txBody>
-          <a:bodyPr vert="eaVert"/>
+          <a:bodyPr vert="eaVert" anchor="ctr"/>
           <a:lstStyle/>
           <a:p>
             <a:r>
               <a:rPr lang="en-US"/>
               <a:t>Click to edit Master title style</a:t>
             </a:r>
-            <a:endParaRPr lang="en-AU"/>
-          </a:p>
-        </p:txBody>
-      </p:sp>
-      <p:sp>
-        <p:nvSpPr>
-          <p:cNvPr id="3" name="Vertical Text Placeholder 2">
-            <a:extLst>
-              <a:ext uri="{FF2B5EF4-FFF2-40B4-BE49-F238E27FC236}">
-                <a16:creationId xmlns:a16="http://schemas.microsoft.com/office/drawing/2014/main" id="{291B7AB8-F9DC-44B2-A68E-121482006040}"/>
-              </a:ext>
-            </a:extLst>
-          </p:cNvPr>
+            <a:endParaRPr lang="en-US" dirty="0"/>
+          </a:p>
+        </p:txBody>
+      </p:sp>
+      <p:sp>
+        <p:nvSpPr>
+          <p:cNvPr id="3" name="Vertical Text Placeholder 2"/>
           <p:cNvSpPr>
             <a:spLocks noGrp="1"/>
           </p:cNvSpPr>
@@ -602,8 +2744,8 @@
         </p:nvSpPr>
         <p:spPr>
           <a:xfrm>
-            <a:off x="838200" y="365125"/>
-            <a:ext cx="7734300" cy="5811838"/>
+            <a:off x="677335" y="609600"/>
+            <a:ext cx="7060150" cy="5251450"/>
           </a:xfrm>
         </p:spPr>
         <p:txBody>
@@ -643,19 +2785,13 @@
               <a:rPr lang="en-US"/>
               <a:t>Fifth level</a:t>
             </a:r>
-            <a:endParaRPr lang="en-AU"/>
-          </a:p>
-        </p:txBody>
-      </p:sp>
-      <p:sp>
-        <p:nvSpPr>
-          <p:cNvPr id="4" name="Date Placeholder 3">
-            <a:extLst>
-              <a:ext uri="{FF2B5EF4-FFF2-40B4-BE49-F238E27FC236}">
-                <a16:creationId xmlns:a16="http://schemas.microsoft.com/office/drawing/2014/main" id="{41376C26-FDA2-465D-9561-B088143190F5}"/>
-              </a:ext>
-            </a:extLst>
-          </p:cNvPr>
+            <a:endParaRPr lang="en-US" dirty="0"/>
+          </a:p>
+        </p:txBody>
+      </p:sp>
+      <p:sp>
+        <p:nvSpPr>
+          <p:cNvPr id="4" name="Date Placeholder 3"/>
           <p:cNvSpPr>
             <a:spLocks noGrp="1"/>
           </p:cNvSpPr>
@@ -678,13 +2814,7 @@
       </p:sp>
       <p:sp>
         <p:nvSpPr>
-          <p:cNvPr id="5" name="Footer Placeholder 4">
-            <a:extLst>
-              <a:ext uri="{FF2B5EF4-FFF2-40B4-BE49-F238E27FC236}">
-                <a16:creationId xmlns:a16="http://schemas.microsoft.com/office/drawing/2014/main" id="{40C0BBAA-C4EA-460B-BD44-8A06EED5C13E}"/>
-              </a:ext>
-            </a:extLst>
-          </p:cNvPr>
+          <p:cNvPr id="5" name="Footer Placeholder 4"/>
           <p:cNvSpPr>
             <a:spLocks noGrp="1"/>
           </p:cNvSpPr>
@@ -703,13 +2833,7 @@
       </p:sp>
       <p:sp>
         <p:nvSpPr>
-          <p:cNvPr id="6" name="Slide Number Placeholder 5">
-            <a:extLst>
-              <a:ext uri="{FF2B5EF4-FFF2-40B4-BE49-F238E27FC236}">
-                <a16:creationId xmlns:a16="http://schemas.microsoft.com/office/drawing/2014/main" id="{A73ECCAA-93E7-4876-BD6F-C9D10C88C95D}"/>
-              </a:ext>
-            </a:extLst>
-          </p:cNvPr>
+          <p:cNvPr id="6" name="Slide Number Placeholder 5"/>
           <p:cNvSpPr>
             <a:spLocks noGrp="1"/>
           </p:cNvSpPr>
@@ -733,7 +2857,7 @@
     </p:spTree>
     <p:extLst>
       <p:ext uri="{BB962C8B-B14F-4D97-AF65-F5344CB8AC3E}">
-        <p14:creationId xmlns:p14="http://schemas.microsoft.com/office/powerpoint/2010/main" val="2779936619"/>
+        <p14:creationId xmlns:p14="http://schemas.microsoft.com/office/powerpoint/2010/main" val="73964318"/>
       </p:ext>
     </p:extLst>
   </p:cSld>
@@ -762,13 +2886,7 @@
       </p:grpSpPr>
       <p:sp>
         <p:nvSpPr>
-          <p:cNvPr id="2" name="Title 1">
-            <a:extLst>
-              <a:ext uri="{FF2B5EF4-FFF2-40B4-BE49-F238E27FC236}">
-                <a16:creationId xmlns:a16="http://schemas.microsoft.com/office/drawing/2014/main" id="{A645D1A2-B320-447F-B965-48FB7F4BE340}"/>
-              </a:ext>
-            </a:extLst>
-          </p:cNvPr>
+          <p:cNvPr id="2" name="Title 1"/>
           <p:cNvSpPr>
             <a:spLocks noGrp="1"/>
           </p:cNvSpPr>
@@ -778,38 +2896,38 @@
         </p:nvSpPr>
         <p:spPr/>
         <p:txBody>
+          <a:bodyPr>
+            <a:normAutofit/>
+          </a:bodyPr>
+          <a:lstStyle>
+            <a:lvl1pPr>
+              <a:defRPr sz="3600"/>
+            </a:lvl1pPr>
+          </a:lstStyle>
+          <a:p>
+            <a:r>
+              <a:rPr lang="en-US"/>
+              <a:t>Click to edit Master title style</a:t>
+            </a:r>
+            <a:endParaRPr lang="en-US" dirty="0"/>
+          </a:p>
+        </p:txBody>
+      </p:sp>
+      <p:sp>
+        <p:nvSpPr>
+          <p:cNvPr id="3" name="Content Placeholder 2"/>
+          <p:cNvSpPr>
+            <a:spLocks noGrp="1"/>
+          </p:cNvSpPr>
+          <p:nvPr>
+            <p:ph idx="1"/>
+          </p:nvPr>
+        </p:nvSpPr>
+        <p:spPr/>
+        <p:txBody>
           <a:bodyPr/>
           <a:lstStyle/>
           <a:p>
-            <a:r>
-              <a:rPr lang="en-US"/>
-              <a:t>Click to edit Master title style</a:t>
-            </a:r>
-            <a:endParaRPr lang="en-AU"/>
-          </a:p>
-        </p:txBody>
-      </p:sp>
-      <p:sp>
-        <p:nvSpPr>
-          <p:cNvPr id="3" name="Content Placeholder 2">
-            <a:extLst>
-              <a:ext uri="{FF2B5EF4-FFF2-40B4-BE49-F238E27FC236}">
-                <a16:creationId xmlns:a16="http://schemas.microsoft.com/office/drawing/2014/main" id="{9FA8E579-7652-45B1-B893-EDF05D03940A}"/>
-              </a:ext>
-            </a:extLst>
-          </p:cNvPr>
-          <p:cNvSpPr>
-            <a:spLocks noGrp="1"/>
-          </p:cNvSpPr>
-          <p:nvPr>
-            <p:ph idx="1"/>
-          </p:nvPr>
-        </p:nvSpPr>
-        <p:spPr/>
-        <p:txBody>
-          <a:bodyPr/>
-          <a:lstStyle/>
-          <a:p>
             <a:pPr lvl="0"/>
             <a:r>
               <a:rPr lang="en-US"/>
@@ -843,19 +2961,13 @@
               <a:rPr lang="en-US"/>
               <a:t>Fifth level</a:t>
             </a:r>
-            <a:endParaRPr lang="en-AU"/>
-          </a:p>
-        </p:txBody>
-      </p:sp>
-      <p:sp>
-        <p:nvSpPr>
-          <p:cNvPr id="4" name="Date Placeholder 3">
-            <a:extLst>
-              <a:ext uri="{FF2B5EF4-FFF2-40B4-BE49-F238E27FC236}">
-                <a16:creationId xmlns:a16="http://schemas.microsoft.com/office/drawing/2014/main" id="{4B1A7A79-38AC-45B2-B95E-22CAD9985AC8}"/>
-              </a:ext>
-            </a:extLst>
-          </p:cNvPr>
+            <a:endParaRPr lang="en-US" dirty="0"/>
+          </a:p>
+        </p:txBody>
+      </p:sp>
+      <p:sp>
+        <p:nvSpPr>
+          <p:cNvPr id="4" name="Date Placeholder 3"/>
           <p:cNvSpPr>
             <a:spLocks noGrp="1"/>
           </p:cNvSpPr>
@@ -878,13 +2990,7 @@
       </p:sp>
       <p:sp>
         <p:nvSpPr>
-          <p:cNvPr id="5" name="Footer Placeholder 4">
-            <a:extLst>
-              <a:ext uri="{FF2B5EF4-FFF2-40B4-BE49-F238E27FC236}">
-                <a16:creationId xmlns:a16="http://schemas.microsoft.com/office/drawing/2014/main" id="{4429B54A-97FB-4DF9-9FE1-69E2AB051572}"/>
-              </a:ext>
-            </a:extLst>
-          </p:cNvPr>
+          <p:cNvPr id="5" name="Footer Placeholder 4"/>
           <p:cNvSpPr>
             <a:spLocks noGrp="1"/>
           </p:cNvSpPr>
@@ -903,13 +3009,7 @@
       </p:sp>
       <p:sp>
         <p:nvSpPr>
-          <p:cNvPr id="6" name="Slide Number Placeholder 5">
-            <a:extLst>
-              <a:ext uri="{FF2B5EF4-FFF2-40B4-BE49-F238E27FC236}">
-                <a16:creationId xmlns:a16="http://schemas.microsoft.com/office/drawing/2014/main" id="{3A5A91C5-5764-43BD-8FFF-F70F50F84184}"/>
-              </a:ext>
-            </a:extLst>
-          </p:cNvPr>
+          <p:cNvPr id="6" name="Slide Number Placeholder 5"/>
           <p:cNvSpPr>
             <a:spLocks noGrp="1"/>
           </p:cNvSpPr>
@@ -933,7 +3033,7 @@
     </p:spTree>
     <p:extLst>
       <p:ext uri="{BB962C8B-B14F-4D97-AF65-F5344CB8AC3E}">
-        <p14:creationId xmlns:p14="http://schemas.microsoft.com/office/powerpoint/2010/main" val="3657532633"/>
+        <p14:creationId xmlns:p14="http://schemas.microsoft.com/office/powerpoint/2010/main" val="963234217"/>
       </p:ext>
     </p:extLst>
   </p:cSld>
@@ -962,13 +3062,7 @@
       </p:grpSpPr>
       <p:sp>
         <p:nvSpPr>
-          <p:cNvPr id="2" name="Title 1">
-            <a:extLst>
-              <a:ext uri="{FF2B5EF4-FFF2-40B4-BE49-F238E27FC236}">
-                <a16:creationId xmlns:a16="http://schemas.microsoft.com/office/drawing/2014/main" id="{BAB9AFF6-7D38-473A-A85C-7735B2A3CD3D}"/>
-              </a:ext>
-            </a:extLst>
-          </p:cNvPr>
+          <p:cNvPr id="2" name="Title 1"/>
           <p:cNvSpPr>
             <a:spLocks noGrp="1"/>
           </p:cNvSpPr>
@@ -978,15 +3072,15 @@
         </p:nvSpPr>
         <p:spPr>
           <a:xfrm>
-            <a:off x="831850" y="1709738"/>
-            <a:ext cx="10515600" cy="2852737"/>
+            <a:off x="677335" y="2700867"/>
+            <a:ext cx="8596668" cy="1826581"/>
           </a:xfrm>
         </p:spPr>
         <p:txBody>
           <a:bodyPr anchor="b"/>
           <a:lstStyle>
-            <a:lvl1pPr>
-              <a:defRPr sz="6000"/>
+            <a:lvl1pPr algn="l">
+              <a:defRPr sz="4000" b="0" cap="none"/>
             </a:lvl1pPr>
           </a:lstStyle>
           <a:p>
@@ -994,19 +3088,13 @@
               <a:rPr lang="en-US"/>
               <a:t>Click to edit Master title style</a:t>
             </a:r>
-            <a:endParaRPr lang="en-AU"/>
-          </a:p>
-        </p:txBody>
-      </p:sp>
-      <p:sp>
-        <p:nvSpPr>
-          <p:cNvPr id="3" name="Text Placeholder 2">
-            <a:extLst>
-              <a:ext uri="{FF2B5EF4-FFF2-40B4-BE49-F238E27FC236}">
-                <a16:creationId xmlns:a16="http://schemas.microsoft.com/office/drawing/2014/main" id="{4463ECDC-C576-47A8-B1F1-A26510AEE239}"/>
-              </a:ext>
-            </a:extLst>
-          </p:cNvPr>
+            <a:endParaRPr lang="en-US" dirty="0"/>
+          </a:p>
+        </p:txBody>
+      </p:sp>
+      <p:sp>
+        <p:nvSpPr>
+          <p:cNvPr id="3" name="Text Placeholder 2"/>
           <p:cNvSpPr>
             <a:spLocks noGrp="1"/>
           </p:cNvSpPr>
@@ -1016,26 +3104,27 @@
         </p:nvSpPr>
         <p:spPr>
           <a:xfrm>
-            <a:off x="831850" y="4589463"/>
-            <a:ext cx="10515600" cy="1500187"/>
+            <a:off x="677335" y="4527448"/>
+            <a:ext cx="8596668" cy="860400"/>
           </a:xfrm>
         </p:spPr>
         <p:txBody>
-          <a:bodyPr/>
+          <a:bodyPr anchor="t"/>
           <a:lstStyle>
-            <a:lvl1pPr marL="0" indent="0">
-              <a:buNone/>
-              <a:defRPr sz="2400">
-                <a:solidFill>
-                  <a:schemeClr val="tx1">
-                    <a:tint val="75000"/>
+            <a:lvl1pPr marL="0" indent="0" algn="l">
+              <a:buNone/>
+              <a:defRPr sz="2000">
+                <a:solidFill>
+                  <a:schemeClr val="tx1">
+                    <a:lumMod val="50000"/>
+                    <a:lumOff val="50000"/>
                   </a:schemeClr>
                 </a:solidFill>
               </a:defRPr>
             </a:lvl1pPr>
             <a:lvl2pPr marL="457200" indent="0">
               <a:buNone/>
-              <a:defRPr sz="2000">
+              <a:defRPr sz="1800">
                 <a:solidFill>
                   <a:schemeClr val="tx1">
                     <a:tint val="75000"/>
@@ -1045,7 +3134,7 @@
             </a:lvl2pPr>
             <a:lvl3pPr marL="914400" indent="0">
               <a:buNone/>
-              <a:defRPr sz="1800">
+              <a:defRPr sz="1600">
                 <a:solidFill>
                   <a:schemeClr val="tx1">
                     <a:tint val="75000"/>
@@ -1055,7 +3144,7 @@
             </a:lvl3pPr>
             <a:lvl4pPr marL="1371600" indent="0">
               <a:buNone/>
-              <a:defRPr sz="1600">
+              <a:defRPr sz="1400">
                 <a:solidFill>
                   <a:schemeClr val="tx1">
                     <a:tint val="75000"/>
@@ -1065,7 +3154,7 @@
             </a:lvl4pPr>
             <a:lvl5pPr marL="1828800" indent="0">
               <a:buNone/>
-              <a:defRPr sz="1600">
+              <a:defRPr sz="1400">
                 <a:solidFill>
                   <a:schemeClr val="tx1">
                     <a:tint val="75000"/>
@@ -1075,7 +3164,7 @@
             </a:lvl5pPr>
             <a:lvl6pPr marL="2286000" indent="0">
               <a:buNone/>
-              <a:defRPr sz="1600">
+              <a:defRPr sz="1400">
                 <a:solidFill>
                   <a:schemeClr val="tx1">
                     <a:tint val="75000"/>
@@ -1085,7 +3174,7 @@
             </a:lvl6pPr>
             <a:lvl7pPr marL="2743200" indent="0">
               <a:buNone/>
-              <a:defRPr sz="1600">
+              <a:defRPr sz="1400">
                 <a:solidFill>
                   <a:schemeClr val="tx1">
                     <a:tint val="75000"/>
@@ -1095,7 +3184,7 @@
             </a:lvl7pPr>
             <a:lvl8pPr marL="3200400" indent="0">
               <a:buNone/>
-              <a:defRPr sz="1600">
+              <a:defRPr sz="1400">
                 <a:solidFill>
                   <a:schemeClr val="tx1">
                     <a:tint val="75000"/>
@@ -1105,7 +3194,7 @@
             </a:lvl8pPr>
             <a:lvl9pPr marL="3657600" indent="0">
               <a:buNone/>
-              <a:defRPr sz="1600">
+              <a:defRPr sz="1400">
                 <a:solidFill>
                   <a:schemeClr val="tx1">
                     <a:tint val="75000"/>
@@ -1125,13 +3214,7 @@
       </p:sp>
       <p:sp>
         <p:nvSpPr>
-          <p:cNvPr id="4" name="Date Placeholder 3">
-            <a:extLst>
-              <a:ext uri="{FF2B5EF4-FFF2-40B4-BE49-F238E27FC236}">
-                <a16:creationId xmlns:a16="http://schemas.microsoft.com/office/drawing/2014/main" id="{933F8313-2887-48A0-9561-4A4576904A63}"/>
-              </a:ext>
-            </a:extLst>
-          </p:cNvPr>
+          <p:cNvPr id="4" name="Date Placeholder 3"/>
           <p:cNvSpPr>
             <a:spLocks noGrp="1"/>
           </p:cNvSpPr>
@@ -1154,13 +3237,7 @@
       </p:sp>
       <p:sp>
         <p:nvSpPr>
-          <p:cNvPr id="5" name="Footer Placeholder 4">
-            <a:extLst>
-              <a:ext uri="{FF2B5EF4-FFF2-40B4-BE49-F238E27FC236}">
-                <a16:creationId xmlns:a16="http://schemas.microsoft.com/office/drawing/2014/main" id="{DA4685DC-BE90-40C2-8A24-921153B21203}"/>
-              </a:ext>
-            </a:extLst>
-          </p:cNvPr>
+          <p:cNvPr id="5" name="Footer Placeholder 4"/>
           <p:cNvSpPr>
             <a:spLocks noGrp="1"/>
           </p:cNvSpPr>
@@ -1179,13 +3256,7 @@
       </p:sp>
       <p:sp>
         <p:nvSpPr>
-          <p:cNvPr id="6" name="Slide Number Placeholder 5">
-            <a:extLst>
-              <a:ext uri="{FF2B5EF4-FFF2-40B4-BE49-F238E27FC236}">
-                <a16:creationId xmlns:a16="http://schemas.microsoft.com/office/drawing/2014/main" id="{0E7803A2-E1EE-4A03-A205-C52E00509FAE}"/>
-              </a:ext>
-            </a:extLst>
-          </p:cNvPr>
+          <p:cNvPr id="6" name="Slide Number Placeholder 5"/>
           <p:cNvSpPr>
             <a:spLocks noGrp="1"/>
           </p:cNvSpPr>
@@ -1209,7 +3280,7 @@
     </p:spTree>
     <p:extLst>
       <p:ext uri="{BB962C8B-B14F-4D97-AF65-F5344CB8AC3E}">
-        <p14:creationId xmlns:p14="http://schemas.microsoft.com/office/powerpoint/2010/main" val="1929197871"/>
+        <p14:creationId xmlns:p14="http://schemas.microsoft.com/office/powerpoint/2010/main" val="944986122"/>
       </p:ext>
     </p:extLst>
   </p:cSld>
@@ -1238,13 +3309,7 @@
       </p:grpSpPr>
       <p:sp>
         <p:nvSpPr>
-          <p:cNvPr id="2" name="Title 1">
-            <a:extLst>
-              <a:ext uri="{FF2B5EF4-FFF2-40B4-BE49-F238E27FC236}">
-                <a16:creationId xmlns:a16="http://schemas.microsoft.com/office/drawing/2014/main" id="{5896CB6A-C4F1-4F80-942C-BE38B653BE06}"/>
-              </a:ext>
-            </a:extLst>
-          </p:cNvPr>
+          <p:cNvPr id="2" name="Title 1"/>
           <p:cNvSpPr>
             <a:spLocks noGrp="1"/>
           </p:cNvSpPr>
@@ -1261,19 +3326,13 @@
               <a:rPr lang="en-US"/>
               <a:t>Click to edit Master title style</a:t>
             </a:r>
-            <a:endParaRPr lang="en-AU"/>
-          </a:p>
-        </p:txBody>
-      </p:sp>
-      <p:sp>
-        <p:nvSpPr>
-          <p:cNvPr id="3" name="Content Placeholder 2">
-            <a:extLst>
-              <a:ext uri="{FF2B5EF4-FFF2-40B4-BE49-F238E27FC236}">
-                <a16:creationId xmlns:a16="http://schemas.microsoft.com/office/drawing/2014/main" id="{C2033AA1-9831-4D55-8B6F-3E4AB06CA831}"/>
-              </a:ext>
-            </a:extLst>
-          </p:cNvPr>
+            <a:endParaRPr lang="en-US" dirty="0"/>
+          </a:p>
+        </p:txBody>
+      </p:sp>
+      <p:sp>
+        <p:nvSpPr>
+          <p:cNvPr id="3" name="Content Placeholder 2"/>
           <p:cNvSpPr>
             <a:spLocks noGrp="1"/>
           </p:cNvSpPr>
@@ -1283,8 +3342,8 @@
         </p:nvSpPr>
         <p:spPr>
           <a:xfrm>
-            <a:off x="838200" y="1825625"/>
-            <a:ext cx="5181600" cy="4351338"/>
+            <a:off x="677334" y="2160589"/>
+            <a:ext cx="4184035" cy="3880772"/>
           </a:xfrm>
         </p:spPr>
         <p:txBody>
@@ -1324,19 +3383,13 @@
               <a:rPr lang="en-US"/>
               <a:t>Fifth level</a:t>
             </a:r>
-            <a:endParaRPr lang="en-AU"/>
-          </a:p>
-        </p:txBody>
-      </p:sp>
-      <p:sp>
-        <p:nvSpPr>
-          <p:cNvPr id="4" name="Content Placeholder 3">
-            <a:extLst>
-              <a:ext uri="{FF2B5EF4-FFF2-40B4-BE49-F238E27FC236}">
-                <a16:creationId xmlns:a16="http://schemas.microsoft.com/office/drawing/2014/main" id="{16F07C63-1F81-4718-9750-DB18FA064F2A}"/>
-              </a:ext>
-            </a:extLst>
-          </p:cNvPr>
+            <a:endParaRPr lang="en-US" dirty="0"/>
+          </a:p>
+        </p:txBody>
+      </p:sp>
+      <p:sp>
+        <p:nvSpPr>
+          <p:cNvPr id="4" name="Content Placeholder 3"/>
           <p:cNvSpPr>
             <a:spLocks noGrp="1"/>
           </p:cNvSpPr>
@@ -1346,8 +3399,8 @@
         </p:nvSpPr>
         <p:spPr>
           <a:xfrm>
-            <a:off x="6172200" y="1825625"/>
-            <a:ext cx="5181600" cy="4351338"/>
+            <a:off x="5089970" y="2160589"/>
+            <a:ext cx="4184034" cy="3880773"/>
           </a:xfrm>
         </p:spPr>
         <p:txBody>
@@ -1387,19 +3440,13 @@
               <a:rPr lang="en-US"/>
               <a:t>Fifth level</a:t>
             </a:r>
-            <a:endParaRPr lang="en-AU"/>
-          </a:p>
-        </p:txBody>
-      </p:sp>
-      <p:sp>
-        <p:nvSpPr>
-          <p:cNvPr id="5" name="Date Placeholder 4">
-            <a:extLst>
-              <a:ext uri="{FF2B5EF4-FFF2-40B4-BE49-F238E27FC236}">
-                <a16:creationId xmlns:a16="http://schemas.microsoft.com/office/drawing/2014/main" id="{E28278B3-3918-431D-81EE-42326C239B20}"/>
-              </a:ext>
-            </a:extLst>
-          </p:cNvPr>
+            <a:endParaRPr lang="en-US" dirty="0"/>
+          </a:p>
+        </p:txBody>
+      </p:sp>
+      <p:sp>
+        <p:nvSpPr>
+          <p:cNvPr id="5" name="Date Placeholder 4"/>
           <p:cNvSpPr>
             <a:spLocks noGrp="1"/>
           </p:cNvSpPr>
@@ -1422,13 +3469,7 @@
       </p:sp>
       <p:sp>
         <p:nvSpPr>
-          <p:cNvPr id="6" name="Footer Placeholder 5">
-            <a:extLst>
-              <a:ext uri="{FF2B5EF4-FFF2-40B4-BE49-F238E27FC236}">
-                <a16:creationId xmlns:a16="http://schemas.microsoft.com/office/drawing/2014/main" id="{179CC2E5-9615-4653-8A12-3B57A822F89E}"/>
-              </a:ext>
-            </a:extLst>
-          </p:cNvPr>
+          <p:cNvPr id="6" name="Footer Placeholder 5"/>
           <p:cNvSpPr>
             <a:spLocks noGrp="1"/>
           </p:cNvSpPr>
@@ -1447,13 +3488,7 @@
       </p:sp>
       <p:sp>
         <p:nvSpPr>
-          <p:cNvPr id="7" name="Slide Number Placeholder 6">
-            <a:extLst>
-              <a:ext uri="{FF2B5EF4-FFF2-40B4-BE49-F238E27FC236}">
-                <a16:creationId xmlns:a16="http://schemas.microsoft.com/office/drawing/2014/main" id="{5F871E1D-1802-46AD-AFD9-B51A6742C963}"/>
-              </a:ext>
-            </a:extLst>
-          </p:cNvPr>
+          <p:cNvPr id="7" name="Slide Number Placeholder 6"/>
           <p:cNvSpPr>
             <a:spLocks noGrp="1"/>
           </p:cNvSpPr>
@@ -1477,7 +3512,7 @@
     </p:spTree>
     <p:extLst>
       <p:ext uri="{BB962C8B-B14F-4D97-AF65-F5344CB8AC3E}">
-        <p14:creationId xmlns:p14="http://schemas.microsoft.com/office/powerpoint/2010/main" val="2760608924"/>
+        <p14:creationId xmlns:p14="http://schemas.microsoft.com/office/powerpoint/2010/main" val="3365806049"/>
       </p:ext>
     </p:extLst>
   </p:cSld>
@@ -1506,66 +3541,55 @@
       </p:grpSpPr>
       <p:sp>
         <p:nvSpPr>
-          <p:cNvPr id="2" name="Title 1">
-            <a:extLst>
-              <a:ext uri="{FF2B5EF4-FFF2-40B4-BE49-F238E27FC236}">
-                <a16:creationId xmlns:a16="http://schemas.microsoft.com/office/drawing/2014/main" id="{D16D1F4C-CA24-4FF9-A87F-A150C9168705}"/>
-              </a:ext>
-            </a:extLst>
-          </p:cNvPr>
+          <p:cNvPr id="2" name="Title 1"/>
           <p:cNvSpPr>
             <a:spLocks noGrp="1"/>
           </p:cNvSpPr>
           <p:nvPr>
             <p:ph type="title"/>
+          </p:nvPr>
+        </p:nvSpPr>
+        <p:spPr/>
+        <p:txBody>
+          <a:bodyPr/>
+          <a:lstStyle>
+            <a:lvl1pPr>
+              <a:defRPr/>
+            </a:lvl1pPr>
+          </a:lstStyle>
+          <a:p>
+            <a:r>
+              <a:rPr lang="en-US"/>
+              <a:t>Click to edit Master title style</a:t>
+            </a:r>
+            <a:endParaRPr lang="en-US" dirty="0"/>
+          </a:p>
+        </p:txBody>
+      </p:sp>
+      <p:sp>
+        <p:nvSpPr>
+          <p:cNvPr id="3" name="Text Placeholder 2"/>
+          <p:cNvSpPr>
+            <a:spLocks noGrp="1"/>
+          </p:cNvSpPr>
+          <p:nvPr>
+            <p:ph type="body" idx="1"/>
           </p:nvPr>
         </p:nvSpPr>
         <p:spPr>
           <a:xfrm>
-            <a:off x="839788" y="365125"/>
-            <a:ext cx="10515600" cy="1325563"/>
+            <a:off x="675745" y="2160983"/>
+            <a:ext cx="4185623" cy="576262"/>
           </a:xfrm>
         </p:spPr>
         <p:txBody>
-          <a:bodyPr/>
-          <a:lstStyle/>
-          <a:p>
-            <a:r>
-              <a:rPr lang="en-US"/>
-              <a:t>Click to edit Master title style</a:t>
-            </a:r>
-            <a:endParaRPr lang="en-AU"/>
-          </a:p>
-        </p:txBody>
-      </p:sp>
-      <p:sp>
-        <p:nvSpPr>
-          <p:cNvPr id="3" name="Text Placeholder 2">
-            <a:extLst>
-              <a:ext uri="{FF2B5EF4-FFF2-40B4-BE49-F238E27FC236}">
-                <a16:creationId xmlns:a16="http://schemas.microsoft.com/office/drawing/2014/main" id="{1C0D3D09-F44A-44EA-956A-921BF6A4EE38}"/>
-              </a:ext>
-            </a:extLst>
-          </p:cNvPr>
-          <p:cNvSpPr>
-            <a:spLocks noGrp="1"/>
-          </p:cNvSpPr>
-          <p:nvPr>
-            <p:ph type="body" idx="1"/>
-          </p:nvPr>
-        </p:nvSpPr>
-        <p:spPr>
-          <a:xfrm>
-            <a:off x="839788" y="1681163"/>
-            <a:ext cx="5157787" cy="823912"/>
-          </a:xfrm>
-        </p:spPr>
-        <p:txBody>
-          <a:bodyPr anchor="b"/>
+          <a:bodyPr anchor="b">
+            <a:noAutofit/>
+          </a:bodyPr>
           <a:lstStyle>
             <a:lvl1pPr marL="0" indent="0">
               <a:buNone/>
-              <a:defRPr sz="2400" b="1"/>
+              <a:defRPr sz="2400" b="0"/>
             </a:lvl1pPr>
             <a:lvl2pPr marL="457200" indent="0">
               <a:buNone/>
@@ -1611,13 +3635,7 @@
       </p:sp>
       <p:sp>
         <p:nvSpPr>
-          <p:cNvPr id="4" name="Content Placeholder 3">
-            <a:extLst>
-              <a:ext uri="{FF2B5EF4-FFF2-40B4-BE49-F238E27FC236}">
-                <a16:creationId xmlns:a16="http://schemas.microsoft.com/office/drawing/2014/main" id="{6D7031D0-F4AC-46AD-8DB3-734244F2D246}"/>
-              </a:ext>
-            </a:extLst>
-          </p:cNvPr>
+          <p:cNvPr id="4" name="Content Placeholder 3"/>
           <p:cNvSpPr>
             <a:spLocks noGrp="1"/>
           </p:cNvSpPr>
@@ -1627,12 +3645,14 @@
         </p:nvSpPr>
         <p:spPr>
           <a:xfrm>
-            <a:off x="839788" y="2505075"/>
-            <a:ext cx="5157787" cy="3684588"/>
+            <a:off x="675745" y="2737245"/>
+            <a:ext cx="4185623" cy="3304117"/>
           </a:xfrm>
         </p:spPr>
         <p:txBody>
-          <a:bodyPr/>
+          <a:bodyPr>
+            <a:normAutofit/>
+          </a:bodyPr>
           <a:lstStyle/>
           <a:p>
             <a:pPr lvl="0"/>
@@ -1668,19 +3688,13 @@
               <a:rPr lang="en-US"/>
               <a:t>Fifth level</a:t>
             </a:r>
-            <a:endParaRPr lang="en-AU"/>
-          </a:p>
-        </p:txBody>
-      </p:sp>
-      <p:sp>
-        <p:nvSpPr>
-          <p:cNvPr id="5" name="Text Placeholder 4">
-            <a:extLst>
-              <a:ext uri="{FF2B5EF4-FFF2-40B4-BE49-F238E27FC236}">
-                <a16:creationId xmlns:a16="http://schemas.microsoft.com/office/drawing/2014/main" id="{E953413B-38CC-4EE2-8CF9-539E90D1BE7B}"/>
-              </a:ext>
-            </a:extLst>
-          </p:cNvPr>
+            <a:endParaRPr lang="en-US" dirty="0"/>
+          </a:p>
+        </p:txBody>
+      </p:sp>
+      <p:sp>
+        <p:nvSpPr>
+          <p:cNvPr id="5" name="Text Placeholder 4"/>
           <p:cNvSpPr>
             <a:spLocks noGrp="1"/>
           </p:cNvSpPr>
@@ -1690,16 +3704,18 @@
         </p:nvSpPr>
         <p:spPr>
           <a:xfrm>
-            <a:off x="6172200" y="1681163"/>
-            <a:ext cx="5183188" cy="823912"/>
+            <a:off x="5088383" y="2160983"/>
+            <a:ext cx="4185618" cy="576262"/>
           </a:xfrm>
         </p:spPr>
         <p:txBody>
-          <a:bodyPr anchor="b"/>
+          <a:bodyPr anchor="b">
+            <a:noAutofit/>
+          </a:bodyPr>
           <a:lstStyle>
             <a:lvl1pPr marL="0" indent="0">
               <a:buNone/>
-              <a:defRPr sz="2400" b="1"/>
+              <a:defRPr sz="2400" b="0"/>
             </a:lvl1pPr>
             <a:lvl2pPr marL="457200" indent="0">
               <a:buNone/>
@@ -1745,13 +3761,7 @@
       </p:sp>
       <p:sp>
         <p:nvSpPr>
-          <p:cNvPr id="6" name="Content Placeholder 5">
-            <a:extLst>
-              <a:ext uri="{FF2B5EF4-FFF2-40B4-BE49-F238E27FC236}">
-                <a16:creationId xmlns:a16="http://schemas.microsoft.com/office/drawing/2014/main" id="{B0ECF52A-4353-4752-93CD-950FFAEE25AB}"/>
-              </a:ext>
-            </a:extLst>
-          </p:cNvPr>
+          <p:cNvPr id="6" name="Content Placeholder 5"/>
           <p:cNvSpPr>
             <a:spLocks noGrp="1"/>
           </p:cNvSpPr>
@@ -1761,12 +3771,14 @@
         </p:nvSpPr>
         <p:spPr>
           <a:xfrm>
-            <a:off x="6172200" y="2505075"/>
-            <a:ext cx="5183188" cy="3684588"/>
+            <a:off x="5088384" y="2737245"/>
+            <a:ext cx="4185617" cy="3304117"/>
           </a:xfrm>
         </p:spPr>
         <p:txBody>
-          <a:bodyPr/>
+          <a:bodyPr>
+            <a:normAutofit/>
+          </a:bodyPr>
           <a:lstStyle/>
           <a:p>
             <a:pPr lvl="0"/>
@@ -1802,19 +3814,13 @@
               <a:rPr lang="en-US"/>
               <a:t>Fifth level</a:t>
             </a:r>
-            <a:endParaRPr lang="en-AU"/>
-          </a:p>
-        </p:txBody>
-      </p:sp>
-      <p:sp>
-        <p:nvSpPr>
-          <p:cNvPr id="7" name="Date Placeholder 6">
-            <a:extLst>
-              <a:ext uri="{FF2B5EF4-FFF2-40B4-BE49-F238E27FC236}">
-                <a16:creationId xmlns:a16="http://schemas.microsoft.com/office/drawing/2014/main" id="{0976AAB2-8973-449D-8D74-54801F502880}"/>
-              </a:ext>
-            </a:extLst>
-          </p:cNvPr>
+            <a:endParaRPr lang="en-US" dirty="0"/>
+          </a:p>
+        </p:txBody>
+      </p:sp>
+      <p:sp>
+        <p:nvSpPr>
+          <p:cNvPr id="7" name="Date Placeholder 6"/>
           <p:cNvSpPr>
             <a:spLocks noGrp="1"/>
           </p:cNvSpPr>
@@ -1837,13 +3843,7 @@
       </p:sp>
       <p:sp>
         <p:nvSpPr>
-          <p:cNvPr id="8" name="Footer Placeholder 7">
-            <a:extLst>
-              <a:ext uri="{FF2B5EF4-FFF2-40B4-BE49-F238E27FC236}">
-                <a16:creationId xmlns:a16="http://schemas.microsoft.com/office/drawing/2014/main" id="{08605601-8DAF-4CA1-8FBE-DC65321A4ECC}"/>
-              </a:ext>
-            </a:extLst>
-          </p:cNvPr>
+          <p:cNvPr id="8" name="Footer Placeholder 7"/>
           <p:cNvSpPr>
             <a:spLocks noGrp="1"/>
           </p:cNvSpPr>
@@ -1862,13 +3862,7 @@
       </p:sp>
       <p:sp>
         <p:nvSpPr>
-          <p:cNvPr id="9" name="Slide Number Placeholder 8">
-            <a:extLst>
-              <a:ext uri="{FF2B5EF4-FFF2-40B4-BE49-F238E27FC236}">
-                <a16:creationId xmlns:a16="http://schemas.microsoft.com/office/drawing/2014/main" id="{4223CB18-7A6B-4E81-A574-DC3A88E66877}"/>
-              </a:ext>
-            </a:extLst>
-          </p:cNvPr>
+          <p:cNvPr id="9" name="Slide Number Placeholder 8"/>
           <p:cNvSpPr>
             <a:spLocks noGrp="1"/>
           </p:cNvSpPr>
@@ -1892,7 +3886,7 @@
     </p:spTree>
     <p:extLst>
       <p:ext uri="{BB962C8B-B14F-4D97-AF65-F5344CB8AC3E}">
-        <p14:creationId xmlns:p14="http://schemas.microsoft.com/office/powerpoint/2010/main" val="2923413038"/>
+        <p14:creationId xmlns:p14="http://schemas.microsoft.com/office/powerpoint/2010/main" val="2900112138"/>
       </p:ext>
     </p:extLst>
   </p:cSld>
@@ -1921,13 +3915,7 @@
       </p:grpSpPr>
       <p:sp>
         <p:nvSpPr>
-          <p:cNvPr id="2" name="Title 1">
-            <a:extLst>
-              <a:ext uri="{FF2B5EF4-FFF2-40B4-BE49-F238E27FC236}">
-                <a16:creationId xmlns:a16="http://schemas.microsoft.com/office/drawing/2014/main" id="{1EF6F72A-5ED3-4846-A2D2-42A7DDAB567C}"/>
-              </a:ext>
-            </a:extLst>
-          </p:cNvPr>
+          <p:cNvPr id="2" name="Title 1"/>
           <p:cNvSpPr>
             <a:spLocks noGrp="1"/>
           </p:cNvSpPr>
@@ -1935,7 +3923,12 @@
             <p:ph type="title"/>
           </p:nvPr>
         </p:nvSpPr>
-        <p:spPr/>
+        <p:spPr>
+          <a:xfrm>
+            <a:off x="677334" y="609600"/>
+            <a:ext cx="8596668" cy="1320800"/>
+          </a:xfrm>
+        </p:spPr>
         <p:txBody>
           <a:bodyPr/>
           <a:lstStyle/>
@@ -1944,19 +3937,13 @@
               <a:rPr lang="en-US"/>
               <a:t>Click to edit Master title style</a:t>
             </a:r>
-            <a:endParaRPr lang="en-AU"/>
-          </a:p>
-        </p:txBody>
-      </p:sp>
-      <p:sp>
-        <p:nvSpPr>
-          <p:cNvPr id="3" name="Date Placeholder 2">
-            <a:extLst>
-              <a:ext uri="{FF2B5EF4-FFF2-40B4-BE49-F238E27FC236}">
-                <a16:creationId xmlns:a16="http://schemas.microsoft.com/office/drawing/2014/main" id="{F3DA271D-3C83-4545-B79A-05BACB6B94B6}"/>
-              </a:ext>
-            </a:extLst>
-          </p:cNvPr>
+            <a:endParaRPr lang="en-US" dirty="0"/>
+          </a:p>
+        </p:txBody>
+      </p:sp>
+      <p:sp>
+        <p:nvSpPr>
+          <p:cNvPr id="3" name="Date Placeholder 2"/>
           <p:cNvSpPr>
             <a:spLocks noGrp="1"/>
           </p:cNvSpPr>
@@ -1979,13 +3966,7 @@
       </p:sp>
       <p:sp>
         <p:nvSpPr>
-          <p:cNvPr id="4" name="Footer Placeholder 3">
-            <a:extLst>
-              <a:ext uri="{FF2B5EF4-FFF2-40B4-BE49-F238E27FC236}">
-                <a16:creationId xmlns:a16="http://schemas.microsoft.com/office/drawing/2014/main" id="{50EDA44B-F09D-4BEA-AFE8-39B44471D923}"/>
-              </a:ext>
-            </a:extLst>
-          </p:cNvPr>
+          <p:cNvPr id="4" name="Footer Placeholder 3"/>
           <p:cNvSpPr>
             <a:spLocks noGrp="1"/>
           </p:cNvSpPr>
@@ -2004,13 +3985,7 @@
       </p:sp>
       <p:sp>
         <p:nvSpPr>
-          <p:cNvPr id="5" name="Slide Number Placeholder 4">
-            <a:extLst>
-              <a:ext uri="{FF2B5EF4-FFF2-40B4-BE49-F238E27FC236}">
-                <a16:creationId xmlns:a16="http://schemas.microsoft.com/office/drawing/2014/main" id="{DC224A37-4BD6-409B-96A5-116D9A2CB419}"/>
-              </a:ext>
-            </a:extLst>
-          </p:cNvPr>
+          <p:cNvPr id="5" name="Slide Number Placeholder 4"/>
           <p:cNvSpPr>
             <a:spLocks noGrp="1"/>
           </p:cNvSpPr>
@@ -2034,7 +4009,7 @@
     </p:spTree>
     <p:extLst>
       <p:ext uri="{BB962C8B-B14F-4D97-AF65-F5344CB8AC3E}">
-        <p14:creationId xmlns:p14="http://schemas.microsoft.com/office/powerpoint/2010/main" val="1122145035"/>
+        <p14:creationId xmlns:p14="http://schemas.microsoft.com/office/powerpoint/2010/main" val="2570832537"/>
       </p:ext>
     </p:extLst>
   </p:cSld>
@@ -2063,13 +4038,7 @@
       </p:grpSpPr>
       <p:sp>
         <p:nvSpPr>
-          <p:cNvPr id="2" name="Date Placeholder 1">
-            <a:extLst>
-              <a:ext uri="{FF2B5EF4-FFF2-40B4-BE49-F238E27FC236}">
-                <a16:creationId xmlns:a16="http://schemas.microsoft.com/office/drawing/2014/main" id="{6D23E70B-A49D-4C89-B4A9-8A941FD4CDC7}"/>
-              </a:ext>
-            </a:extLst>
-          </p:cNvPr>
+          <p:cNvPr id="2" name="Date Placeholder 1"/>
           <p:cNvSpPr>
             <a:spLocks noGrp="1"/>
           </p:cNvSpPr>
@@ -2092,13 +4061,7 @@
       </p:sp>
       <p:sp>
         <p:nvSpPr>
-          <p:cNvPr id="3" name="Footer Placeholder 2">
-            <a:extLst>
-              <a:ext uri="{FF2B5EF4-FFF2-40B4-BE49-F238E27FC236}">
-                <a16:creationId xmlns:a16="http://schemas.microsoft.com/office/drawing/2014/main" id="{C8407D7D-4F8B-4689-B9F4-4A2C0A1E4E3A}"/>
-              </a:ext>
-            </a:extLst>
-          </p:cNvPr>
+          <p:cNvPr id="3" name="Footer Placeholder 2"/>
           <p:cNvSpPr>
             <a:spLocks noGrp="1"/>
           </p:cNvSpPr>
@@ -2117,13 +4080,7 @@
       </p:sp>
       <p:sp>
         <p:nvSpPr>
-          <p:cNvPr id="4" name="Slide Number Placeholder 3">
-            <a:extLst>
-              <a:ext uri="{FF2B5EF4-FFF2-40B4-BE49-F238E27FC236}">
-                <a16:creationId xmlns:a16="http://schemas.microsoft.com/office/drawing/2014/main" id="{48B5F6DE-D866-4BFB-BF1A-58C8AF9FDD4F}"/>
-              </a:ext>
-            </a:extLst>
-          </p:cNvPr>
+          <p:cNvPr id="4" name="Slide Number Placeholder 3"/>
           <p:cNvSpPr>
             <a:spLocks noGrp="1"/>
           </p:cNvSpPr>
@@ -2147,7 +4104,7 @@
     </p:spTree>
     <p:extLst>
       <p:ext uri="{BB962C8B-B14F-4D97-AF65-F5344CB8AC3E}">
-        <p14:creationId xmlns:p14="http://schemas.microsoft.com/office/powerpoint/2010/main" val="1588298861"/>
+        <p14:creationId xmlns:p14="http://schemas.microsoft.com/office/powerpoint/2010/main" val="4251397899"/>
       </p:ext>
     </p:extLst>
   </p:cSld>
@@ -2176,13 +4133,7 @@
       </p:grpSpPr>
       <p:sp>
         <p:nvSpPr>
-          <p:cNvPr id="2" name="Title 1">
-            <a:extLst>
-              <a:ext uri="{FF2B5EF4-FFF2-40B4-BE49-F238E27FC236}">
-                <a16:creationId xmlns:a16="http://schemas.microsoft.com/office/drawing/2014/main" id="{C93704AF-2424-418D-9335-A6C7C4BFA0F9}"/>
-              </a:ext>
-            </a:extLst>
-          </p:cNvPr>
+          <p:cNvPr id="2" name="Title 1"/>
           <p:cNvSpPr>
             <a:spLocks noGrp="1"/>
           </p:cNvSpPr>
@@ -2192,15 +4143,17 @@
         </p:nvSpPr>
         <p:spPr>
           <a:xfrm>
-            <a:off x="839788" y="457200"/>
-            <a:ext cx="3932237" cy="1600200"/>
+            <a:off x="677334" y="1498604"/>
+            <a:ext cx="3854528" cy="1278466"/>
           </a:xfrm>
         </p:spPr>
         <p:txBody>
-          <a:bodyPr anchor="b"/>
+          <a:bodyPr anchor="b">
+            <a:normAutofit/>
+          </a:bodyPr>
           <a:lstStyle>
             <a:lvl1pPr>
-              <a:defRPr sz="3200"/>
+              <a:defRPr sz="2000"/>
             </a:lvl1pPr>
           </a:lstStyle>
           <a:p>
@@ -2208,19 +4161,13 @@
               <a:rPr lang="en-US"/>
               <a:t>Click to edit Master title style</a:t>
             </a:r>
-            <a:endParaRPr lang="en-AU"/>
-          </a:p>
-        </p:txBody>
-      </p:sp>
-      <p:sp>
-        <p:nvSpPr>
-          <p:cNvPr id="3" name="Content Placeholder 2">
-            <a:extLst>
-              <a:ext uri="{FF2B5EF4-FFF2-40B4-BE49-F238E27FC236}">
-                <a16:creationId xmlns:a16="http://schemas.microsoft.com/office/drawing/2014/main" id="{AF0DAE79-7722-40FA-9659-8CC0068EE721}"/>
-              </a:ext>
-            </a:extLst>
-          </p:cNvPr>
+            <a:endParaRPr lang="en-US" dirty="0"/>
+          </a:p>
+        </p:txBody>
+      </p:sp>
+      <p:sp>
+        <p:nvSpPr>
+          <p:cNvPr id="3" name="Content Placeholder 2"/>
           <p:cNvSpPr>
             <a:spLocks noGrp="1"/>
           </p:cNvSpPr>
@@ -2230,41 +4177,15 @@
         </p:nvSpPr>
         <p:spPr>
           <a:xfrm>
-            <a:off x="5183188" y="987425"/>
-            <a:ext cx="6172200" cy="4873625"/>
+            <a:off x="4760461" y="514924"/>
+            <a:ext cx="4513541" cy="5526437"/>
           </a:xfrm>
         </p:spPr>
         <p:txBody>
-          <a:bodyPr/>
-          <a:lstStyle>
-            <a:lvl1pPr>
-              <a:defRPr sz="3200"/>
-            </a:lvl1pPr>
-            <a:lvl2pPr>
-              <a:defRPr sz="2800"/>
-            </a:lvl2pPr>
-            <a:lvl3pPr>
-              <a:defRPr sz="2400"/>
-            </a:lvl3pPr>
-            <a:lvl4pPr>
-              <a:defRPr sz="2000"/>
-            </a:lvl4pPr>
-            <a:lvl5pPr>
-              <a:defRPr sz="2000"/>
-            </a:lvl5pPr>
-            <a:lvl6pPr>
-              <a:defRPr sz="2000"/>
-            </a:lvl6pPr>
-            <a:lvl7pPr>
-              <a:defRPr sz="2000"/>
-            </a:lvl7pPr>
-            <a:lvl8pPr>
-              <a:defRPr sz="2000"/>
-            </a:lvl8pPr>
-            <a:lvl9pPr>
-              <a:defRPr sz="2000"/>
-            </a:lvl9pPr>
-          </a:lstStyle>
+          <a:bodyPr>
+            <a:normAutofit/>
+          </a:bodyPr>
+          <a:lstStyle/>
           <a:p>
             <a:pPr lvl="0"/>
             <a:r>
@@ -2299,19 +4220,13 @@
               <a:rPr lang="en-US"/>
               <a:t>Fifth level</a:t>
             </a:r>
-            <a:endParaRPr lang="en-AU"/>
-          </a:p>
-        </p:txBody>
-      </p:sp>
-      <p:sp>
-        <p:nvSpPr>
-          <p:cNvPr id="4" name="Text Placeholder 3">
-            <a:extLst>
-              <a:ext uri="{FF2B5EF4-FFF2-40B4-BE49-F238E27FC236}">
-                <a16:creationId xmlns:a16="http://schemas.microsoft.com/office/drawing/2014/main" id="{588C30A2-AFE3-4774-8D73-4D8088458283}"/>
-              </a:ext>
-            </a:extLst>
-          </p:cNvPr>
+            <a:endParaRPr lang="en-US" dirty="0"/>
+          </a:p>
+        </p:txBody>
+      </p:sp>
+      <p:sp>
+        <p:nvSpPr>
+          <p:cNvPr id="4" name="Text Placeholder 3"/>
           <p:cNvSpPr>
             <a:spLocks noGrp="1"/>
           </p:cNvSpPr>
@@ -2321,46 +4236,48 @@
         </p:nvSpPr>
         <p:spPr>
           <a:xfrm>
-            <a:off x="839788" y="2057400"/>
-            <a:ext cx="3932237" cy="3811588"/>
+            <a:off x="677334" y="2777069"/>
+            <a:ext cx="3854528" cy="2584449"/>
           </a:xfrm>
         </p:spPr>
         <p:txBody>
-          <a:bodyPr/>
+          <a:bodyPr>
+            <a:normAutofit/>
+          </a:bodyPr>
           <a:lstStyle>
             <a:lvl1pPr marL="0" indent="0">
               <a:buNone/>
-              <a:defRPr sz="1600"/>
+              <a:defRPr sz="1400"/>
             </a:lvl1pPr>
-            <a:lvl2pPr marL="457200" indent="0">
+            <a:lvl2pPr marL="457063" indent="0">
               <a:buNone/>
               <a:defRPr sz="1400"/>
             </a:lvl2pPr>
-            <a:lvl3pPr marL="914400" indent="0">
+            <a:lvl3pPr marL="914126" indent="0">
               <a:buNone/>
               <a:defRPr sz="1200"/>
             </a:lvl3pPr>
-            <a:lvl4pPr marL="1371600" indent="0">
+            <a:lvl4pPr marL="1371189" indent="0">
               <a:buNone/>
               <a:defRPr sz="1000"/>
             </a:lvl4pPr>
-            <a:lvl5pPr marL="1828800" indent="0">
+            <a:lvl5pPr marL="1828251" indent="0">
               <a:buNone/>
               <a:defRPr sz="1000"/>
             </a:lvl5pPr>
-            <a:lvl6pPr marL="2286000" indent="0">
+            <a:lvl6pPr marL="2285314" indent="0">
               <a:buNone/>
               <a:defRPr sz="1000"/>
             </a:lvl6pPr>
-            <a:lvl7pPr marL="2743200" indent="0">
+            <a:lvl7pPr marL="2742377" indent="0">
               <a:buNone/>
               <a:defRPr sz="1000"/>
             </a:lvl7pPr>
-            <a:lvl8pPr marL="3200400" indent="0">
+            <a:lvl8pPr marL="3199440" indent="0">
               <a:buNone/>
               <a:defRPr sz="1000"/>
             </a:lvl8pPr>
-            <a:lvl9pPr marL="3657600" indent="0">
+            <a:lvl9pPr marL="3656503" indent="0">
               <a:buNone/>
               <a:defRPr sz="1000"/>
             </a:lvl9pPr>
@@ -2376,13 +4293,7 @@
       </p:sp>
       <p:sp>
         <p:nvSpPr>
-          <p:cNvPr id="5" name="Date Placeholder 4">
-            <a:extLst>
-              <a:ext uri="{FF2B5EF4-FFF2-40B4-BE49-F238E27FC236}">
-                <a16:creationId xmlns:a16="http://schemas.microsoft.com/office/drawing/2014/main" id="{4AFFCECB-A809-4576-86EF-26E6BA510672}"/>
-              </a:ext>
-            </a:extLst>
-          </p:cNvPr>
+          <p:cNvPr id="5" name="Date Placeholder 4"/>
           <p:cNvSpPr>
             <a:spLocks noGrp="1"/>
           </p:cNvSpPr>
@@ -2405,13 +4316,7 @@
       </p:sp>
       <p:sp>
         <p:nvSpPr>
-          <p:cNvPr id="6" name="Footer Placeholder 5">
-            <a:extLst>
-              <a:ext uri="{FF2B5EF4-FFF2-40B4-BE49-F238E27FC236}">
-                <a16:creationId xmlns:a16="http://schemas.microsoft.com/office/drawing/2014/main" id="{AE143430-5DEC-42A5-8D1C-3678154AEE36}"/>
-              </a:ext>
-            </a:extLst>
-          </p:cNvPr>
+          <p:cNvPr id="6" name="Footer Placeholder 5"/>
           <p:cNvSpPr>
             <a:spLocks noGrp="1"/>
           </p:cNvSpPr>
@@ -2430,13 +4335,7 @@
       </p:sp>
       <p:sp>
         <p:nvSpPr>
-          <p:cNvPr id="7" name="Slide Number Placeholder 6">
-            <a:extLst>
-              <a:ext uri="{FF2B5EF4-FFF2-40B4-BE49-F238E27FC236}">
-                <a16:creationId xmlns:a16="http://schemas.microsoft.com/office/drawing/2014/main" id="{762A25BA-2B34-49B4-B214-CE934E21DEEC}"/>
-              </a:ext>
-            </a:extLst>
-          </p:cNvPr>
+          <p:cNvPr id="7" name="Slide Number Placeholder 6"/>
           <p:cNvSpPr>
             <a:spLocks noGrp="1"/>
           </p:cNvSpPr>
@@ -2460,7 +4359,7 @@
     </p:spTree>
     <p:extLst>
       <p:ext uri="{BB962C8B-B14F-4D97-AF65-F5344CB8AC3E}">
-        <p14:creationId xmlns:p14="http://schemas.microsoft.com/office/powerpoint/2010/main" val="2596717532"/>
+        <p14:creationId xmlns:p14="http://schemas.microsoft.com/office/powerpoint/2010/main" val="524483955"/>
       </p:ext>
     </p:extLst>
   </p:cSld>
@@ -2489,13 +4388,7 @@
       </p:grpSpPr>
       <p:sp>
         <p:nvSpPr>
-          <p:cNvPr id="2" name="Title 1">
-            <a:extLst>
-              <a:ext uri="{FF2B5EF4-FFF2-40B4-BE49-F238E27FC236}">
-                <a16:creationId xmlns:a16="http://schemas.microsoft.com/office/drawing/2014/main" id="{4698DBDF-3074-4D7C-990E-9C6E9D7B8AA8}"/>
-              </a:ext>
-            </a:extLst>
-          </p:cNvPr>
+          <p:cNvPr id="2" name="Title 1"/>
           <p:cNvSpPr>
             <a:spLocks noGrp="1"/>
           </p:cNvSpPr>
@@ -2505,15 +4398,17 @@
         </p:nvSpPr>
         <p:spPr>
           <a:xfrm>
-            <a:off x="839788" y="457200"/>
-            <a:ext cx="3932237" cy="1600200"/>
+            <a:off x="677334" y="4800600"/>
+            <a:ext cx="8596667" cy="566738"/>
           </a:xfrm>
         </p:spPr>
         <p:txBody>
-          <a:bodyPr anchor="b"/>
+          <a:bodyPr anchor="b">
+            <a:normAutofit/>
+          </a:bodyPr>
           <a:lstStyle>
-            <a:lvl1pPr>
-              <a:defRPr sz="3200"/>
+            <a:lvl1pPr algn="l">
+              <a:defRPr sz="2400" b="0"/>
             </a:lvl1pPr>
           </a:lstStyle>
           <a:p>
@@ -2521,21 +4416,15 @@
               <a:rPr lang="en-US"/>
               <a:t>Click to edit Master title style</a:t>
             </a:r>
-            <a:endParaRPr lang="en-AU"/>
-          </a:p>
-        </p:txBody>
-      </p:sp>
-      <p:sp>
-        <p:nvSpPr>
-          <p:cNvPr id="3" name="Picture Placeholder 2">
-            <a:extLst>
-              <a:ext uri="{FF2B5EF4-FFF2-40B4-BE49-F238E27FC236}">
-                <a16:creationId xmlns:a16="http://schemas.microsoft.com/office/drawing/2014/main" id="{DCA89CBE-664D-49F7-9C09-4BCE6526DCF0}"/>
-              </a:ext>
-            </a:extLst>
-          </p:cNvPr>
-          <p:cNvSpPr>
-            <a:spLocks noGrp="1"/>
+            <a:endParaRPr lang="en-US" dirty="0"/>
+          </a:p>
+        </p:txBody>
+      </p:sp>
+      <p:sp>
+        <p:nvSpPr>
+          <p:cNvPr id="3" name="Picture Placeholder 2"/>
+          <p:cNvSpPr>
+            <a:spLocks noGrp="1" noChangeAspect="1"/>
           </p:cNvSpPr>
           <p:nvPr>
             <p:ph type="pic" idx="1"/>
@@ -2543,118 +4432,120 @@
         </p:nvSpPr>
         <p:spPr>
           <a:xfrm>
-            <a:off x="5183188" y="987425"/>
-            <a:ext cx="6172200" cy="4873625"/>
+            <a:off x="677334" y="609600"/>
+            <a:ext cx="8596668" cy="3845718"/>
           </a:xfrm>
         </p:spPr>
         <p:txBody>
-          <a:bodyPr/>
+          <a:bodyPr anchor="t">
+            <a:normAutofit/>
+          </a:bodyPr>
           <a:lstStyle>
-            <a:lvl1pPr marL="0" indent="0">
-              <a:buNone/>
-              <a:defRPr sz="3200"/>
-            </a:lvl1pPr>
-            <a:lvl2pPr marL="457200" indent="0">
-              <a:buNone/>
-              <a:defRPr sz="2800"/>
-            </a:lvl2pPr>
-            <a:lvl3pPr marL="914400" indent="0">
-              <a:buNone/>
-              <a:defRPr sz="2400"/>
-            </a:lvl3pPr>
-            <a:lvl4pPr marL="1371600" indent="0">
-              <a:buNone/>
-              <a:defRPr sz="2000"/>
-            </a:lvl4pPr>
-            <a:lvl5pPr marL="1828800" indent="0">
-              <a:buNone/>
-              <a:defRPr sz="2000"/>
-            </a:lvl5pPr>
-            <a:lvl6pPr marL="2286000" indent="0">
-              <a:buNone/>
-              <a:defRPr sz="2000"/>
-            </a:lvl6pPr>
-            <a:lvl7pPr marL="2743200" indent="0">
-              <a:buNone/>
-              <a:defRPr sz="2000"/>
-            </a:lvl7pPr>
-            <a:lvl8pPr marL="3200400" indent="0">
-              <a:buNone/>
-              <a:defRPr sz="2000"/>
-            </a:lvl8pPr>
-            <a:lvl9pPr marL="3657600" indent="0">
-              <a:buNone/>
-              <a:defRPr sz="2000"/>
-            </a:lvl9pPr>
-          </a:lstStyle>
-          <a:p>
-            <a:endParaRPr lang="en-AU"/>
-          </a:p>
-        </p:txBody>
-      </p:sp>
-      <p:sp>
-        <p:nvSpPr>
-          <p:cNvPr id="4" name="Text Placeholder 3">
-            <a:extLst>
-              <a:ext uri="{FF2B5EF4-FFF2-40B4-BE49-F238E27FC236}">
-                <a16:creationId xmlns:a16="http://schemas.microsoft.com/office/drawing/2014/main" id="{732F8D77-F9B2-40B8-AE3E-4CCC285E0352}"/>
-              </a:ext>
-            </a:extLst>
-          </p:cNvPr>
-          <p:cNvSpPr>
-            <a:spLocks noGrp="1"/>
-          </p:cNvSpPr>
-          <p:nvPr>
-            <p:ph type="body" sz="half" idx="2"/>
-          </p:nvPr>
-        </p:nvSpPr>
-        <p:spPr>
-          <a:xfrm>
-            <a:off x="839788" y="2057400"/>
-            <a:ext cx="3932237" cy="3811588"/>
-          </a:xfrm>
-        </p:spPr>
-        <p:txBody>
-          <a:bodyPr/>
-          <a:lstStyle>
-            <a:lvl1pPr marL="0" indent="0">
+            <a:lvl1pPr marL="0" indent="0" algn="ctr">
               <a:buNone/>
               <a:defRPr sz="1600"/>
             </a:lvl1pPr>
             <a:lvl2pPr marL="457200" indent="0">
               <a:buNone/>
-              <a:defRPr sz="1400"/>
+              <a:defRPr sz="1600"/>
             </a:lvl2pPr>
             <a:lvl3pPr marL="914400" indent="0">
               <a:buNone/>
-              <a:defRPr sz="1200"/>
+              <a:defRPr sz="1600"/>
             </a:lvl3pPr>
             <a:lvl4pPr marL="1371600" indent="0">
               <a:buNone/>
-              <a:defRPr sz="1000"/>
+              <a:defRPr sz="1600"/>
             </a:lvl4pPr>
             <a:lvl5pPr marL="1828800" indent="0">
               <a:buNone/>
-              <a:defRPr sz="1000"/>
+              <a:defRPr sz="1600"/>
             </a:lvl5pPr>
             <a:lvl6pPr marL="2286000" indent="0">
               <a:buNone/>
-              <a:defRPr sz="1000"/>
+              <a:defRPr sz="1600"/>
             </a:lvl6pPr>
             <a:lvl7pPr marL="2743200" indent="0">
               <a:buNone/>
-              <a:defRPr sz="1000"/>
+              <a:defRPr sz="1600"/>
             </a:lvl7pPr>
             <a:lvl8pPr marL="3200400" indent="0">
               <a:buNone/>
-              <a:defRPr sz="1000"/>
+              <a:defRPr sz="1600"/>
             </a:lvl8pPr>
             <a:lvl9pPr marL="3657600" indent="0">
               <a:buNone/>
-              <a:defRPr sz="1000"/>
+              <a:defRPr sz="1600"/>
             </a:lvl9pPr>
           </a:lstStyle>
           <a:p>
+            <a:r>
+              <a:rPr lang="en-US"/>
+              <a:t>Click icon to add picture</a:t>
+            </a:r>
+            <a:endParaRPr lang="en-US" dirty="0"/>
+          </a:p>
+        </p:txBody>
+      </p:sp>
+      <p:sp>
+        <p:nvSpPr>
+          <p:cNvPr id="4" name="Text Placeholder 3"/>
+          <p:cNvSpPr>
+            <a:spLocks noGrp="1"/>
+          </p:cNvSpPr>
+          <p:nvPr>
+            <p:ph type="body" sz="half" idx="2"/>
+          </p:nvPr>
+        </p:nvSpPr>
+        <p:spPr>
+          <a:xfrm>
+            <a:off x="677334" y="5367338"/>
+            <a:ext cx="8596667" cy="674024"/>
+          </a:xfrm>
+        </p:spPr>
+        <p:txBody>
+          <a:bodyPr>
+            <a:normAutofit/>
+          </a:bodyPr>
+          <a:lstStyle>
+            <a:lvl1pPr marL="0" indent="0">
+              <a:buNone/>
+              <a:defRPr sz="1200"/>
+            </a:lvl1pPr>
+            <a:lvl2pPr marL="457200" indent="0">
+              <a:buNone/>
+              <a:defRPr sz="1200"/>
+            </a:lvl2pPr>
+            <a:lvl3pPr marL="914400" indent="0">
+              <a:buNone/>
+              <a:defRPr sz="1000"/>
+            </a:lvl3pPr>
+            <a:lvl4pPr marL="1371600" indent="0">
+              <a:buNone/>
+              <a:defRPr sz="900"/>
+            </a:lvl4pPr>
+            <a:lvl5pPr marL="1828800" indent="0">
+              <a:buNone/>
+              <a:defRPr sz="900"/>
+            </a:lvl5pPr>
+            <a:lvl6pPr marL="2286000" indent="0">
+              <a:buNone/>
+              <a:defRPr sz="900"/>
+            </a:lvl6pPr>
+            <a:lvl7pPr marL="2743200" indent="0">
+              <a:buNone/>
+              <a:defRPr sz="900"/>
+            </a:lvl7pPr>
+            <a:lvl8pPr marL="3200400" indent="0">
+              <a:buNone/>
+              <a:defRPr sz="900"/>
+            </a:lvl8pPr>
+            <a:lvl9pPr marL="3657600" indent="0">
+              <a:buNone/>
+              <a:defRPr sz="900"/>
+            </a:lvl9pPr>
+          </a:lstStyle>
+          <a:p>
             <a:pPr lvl="0"/>
             <a:r>
               <a:rPr lang="en-US"/>
@@ -2665,13 +4556,7 @@
       </p:sp>
       <p:sp>
         <p:nvSpPr>
-          <p:cNvPr id="5" name="Date Placeholder 4">
-            <a:extLst>
-              <a:ext uri="{FF2B5EF4-FFF2-40B4-BE49-F238E27FC236}">
-                <a16:creationId xmlns:a16="http://schemas.microsoft.com/office/drawing/2014/main" id="{051FB271-60E5-412A-8117-97DA205F3343}"/>
-              </a:ext>
-            </a:extLst>
-          </p:cNvPr>
+          <p:cNvPr id="5" name="Date Placeholder 4"/>
           <p:cNvSpPr>
             <a:spLocks noGrp="1"/>
           </p:cNvSpPr>
@@ -2694,13 +4579,7 @@
       </p:sp>
       <p:sp>
         <p:nvSpPr>
-          <p:cNvPr id="6" name="Footer Placeholder 5">
-            <a:extLst>
-              <a:ext uri="{FF2B5EF4-FFF2-40B4-BE49-F238E27FC236}">
-                <a16:creationId xmlns:a16="http://schemas.microsoft.com/office/drawing/2014/main" id="{CA5B26C2-38BA-47F7-ACA2-C7AD4CBD1073}"/>
-              </a:ext>
-            </a:extLst>
-          </p:cNvPr>
+          <p:cNvPr id="6" name="Footer Placeholder 5"/>
           <p:cNvSpPr>
             <a:spLocks noGrp="1"/>
           </p:cNvSpPr>
@@ -2719,13 +4598,7 @@
       </p:sp>
       <p:sp>
         <p:nvSpPr>
-          <p:cNvPr id="7" name="Slide Number Placeholder 6">
-            <a:extLst>
-              <a:ext uri="{FF2B5EF4-FFF2-40B4-BE49-F238E27FC236}">
-                <a16:creationId xmlns:a16="http://schemas.microsoft.com/office/drawing/2014/main" id="{1B918F72-7B79-4BCE-A506-1F8E78E64C20}"/>
-              </a:ext>
-            </a:extLst>
-          </p:cNvPr>
+          <p:cNvPr id="7" name="Slide Number Placeholder 6"/>
           <p:cNvSpPr>
             <a:spLocks noGrp="1"/>
           </p:cNvSpPr>
@@ -2749,7 +4622,7 @@
     </p:spTree>
     <p:extLst>
       <p:ext uri="{BB962C8B-B14F-4D97-AF65-F5344CB8AC3E}">
-        <p14:creationId xmlns:p14="http://schemas.microsoft.com/office/powerpoint/2010/main" val="2179133832"/>
+        <p14:creationId xmlns:p14="http://schemas.microsoft.com/office/powerpoint/2010/main" val="3908212114"/>
       </p:ext>
     </p:extLst>
   </p:cSld>
@@ -2781,15 +4654,539 @@
           <a:chExt cx="0" cy="0"/>
         </a:xfrm>
       </p:grpSpPr>
-      <p:sp>
-        <p:nvSpPr>
-          <p:cNvPr id="2" name="Title Placeholder 1">
-            <a:extLst>
-              <a:ext uri="{FF2B5EF4-FFF2-40B4-BE49-F238E27FC236}">
-                <a16:creationId xmlns:a16="http://schemas.microsoft.com/office/drawing/2014/main" id="{8201E3FE-3497-4883-9137-7DAF2A221B2B}"/>
-              </a:ext>
-            </a:extLst>
-          </p:cNvPr>
+      <p:grpSp>
+        <p:nvGrpSpPr>
+          <p:cNvPr id="7" name="Group 6"/>
+          <p:cNvGrpSpPr/>
+          <p:nvPr/>
+        </p:nvGrpSpPr>
+        <p:grpSpPr>
+          <a:xfrm>
+            <a:off x="0" y="-8467"/>
+            <a:ext cx="12192000" cy="6866467"/>
+            <a:chOff x="0" y="-8467"/>
+            <a:chExt cx="12192000" cy="6866467"/>
+          </a:xfrm>
+        </p:grpSpPr>
+        <p:cxnSp>
+          <p:nvCxnSpPr>
+            <p:cNvPr id="20" name="Straight Connector 19"/>
+            <p:cNvCxnSpPr/>
+            <p:nvPr/>
+          </p:nvCxnSpPr>
+          <p:spPr>
+            <a:xfrm>
+              <a:off x="9371012" y="0"/>
+              <a:ext cx="1219200" cy="6858000"/>
+            </a:xfrm>
+            <a:prstGeom prst="line">
+              <a:avLst/>
+            </a:prstGeom>
+            <a:ln w="9525">
+              <a:solidFill>
+                <a:schemeClr val="bg1">
+                  <a:lumMod val="75000"/>
+                </a:schemeClr>
+              </a:solidFill>
+            </a:ln>
+          </p:spPr>
+          <p:style>
+            <a:lnRef idx="2">
+              <a:schemeClr val="accent1"/>
+            </a:lnRef>
+            <a:fillRef idx="0">
+              <a:schemeClr val="accent1"/>
+            </a:fillRef>
+            <a:effectRef idx="1">
+              <a:schemeClr val="accent1"/>
+            </a:effectRef>
+            <a:fontRef idx="minor">
+              <a:schemeClr val="tx1"/>
+            </a:fontRef>
+          </p:style>
+        </p:cxnSp>
+        <p:cxnSp>
+          <p:nvCxnSpPr>
+            <p:cNvPr id="21" name="Straight Connector 20"/>
+            <p:cNvCxnSpPr/>
+            <p:nvPr/>
+          </p:nvCxnSpPr>
+          <p:spPr>
+            <a:xfrm flipH="1">
+              <a:off x="7425267" y="3681413"/>
+              <a:ext cx="4763558" cy="3176587"/>
+            </a:xfrm>
+            <a:prstGeom prst="line">
+              <a:avLst/>
+            </a:prstGeom>
+            <a:ln w="9525">
+              <a:solidFill>
+                <a:schemeClr val="bg1">
+                  <a:lumMod val="85000"/>
+                </a:schemeClr>
+              </a:solidFill>
+            </a:ln>
+          </p:spPr>
+          <p:style>
+            <a:lnRef idx="2">
+              <a:schemeClr val="accent1"/>
+            </a:lnRef>
+            <a:fillRef idx="0">
+              <a:schemeClr val="accent1"/>
+            </a:fillRef>
+            <a:effectRef idx="1">
+              <a:schemeClr val="accent1"/>
+            </a:effectRef>
+            <a:fontRef idx="minor">
+              <a:schemeClr val="tx1"/>
+            </a:fontRef>
+          </p:style>
+        </p:cxnSp>
+        <p:sp>
+          <p:nvSpPr>
+            <p:cNvPr id="22" name="Rectangle 23"/>
+            <p:cNvSpPr/>
+            <p:nvPr/>
+          </p:nvSpPr>
+          <p:spPr>
+            <a:xfrm>
+              <a:off x="9181476" y="-8467"/>
+              <a:ext cx="3007349" cy="6866467"/>
+            </a:xfrm>
+            <a:custGeom>
+              <a:avLst/>
+              <a:gdLst/>
+              <a:ahLst/>
+              <a:cxnLst/>
+              <a:rect l="l" t="t" r="r" b="b"/>
+              <a:pathLst>
+                <a:path w="3007349" h="6866467">
+                  <a:moveTo>
+                    <a:pt x="2045532" y="0"/>
+                  </a:moveTo>
+                  <a:lnTo>
+                    <a:pt x="3007349" y="0"/>
+                  </a:lnTo>
+                  <a:lnTo>
+                    <a:pt x="3007349" y="6866467"/>
+                  </a:lnTo>
+                  <a:lnTo>
+                    <a:pt x="0" y="6866467"/>
+                  </a:lnTo>
+                  <a:lnTo>
+                    <a:pt x="2045532" y="0"/>
+                  </a:lnTo>
+                  <a:close/>
+                </a:path>
+              </a:pathLst>
+            </a:custGeom>
+            <a:solidFill>
+              <a:schemeClr val="accent1">
+                <a:alpha val="30000"/>
+              </a:schemeClr>
+            </a:solidFill>
+            <a:ln>
+              <a:noFill/>
+            </a:ln>
+            <a:effectLst/>
+          </p:spPr>
+          <p:style>
+            <a:lnRef idx="1">
+              <a:schemeClr val="accent1"/>
+            </a:lnRef>
+            <a:fillRef idx="3">
+              <a:schemeClr val="accent1"/>
+            </a:fillRef>
+            <a:effectRef idx="2">
+              <a:schemeClr val="accent1"/>
+            </a:effectRef>
+            <a:fontRef idx="minor">
+              <a:schemeClr val="lt1"/>
+            </a:fontRef>
+          </p:style>
+        </p:sp>
+        <p:sp>
+          <p:nvSpPr>
+            <p:cNvPr id="23" name="Rectangle 25"/>
+            <p:cNvSpPr/>
+            <p:nvPr/>
+          </p:nvSpPr>
+          <p:spPr>
+            <a:xfrm>
+              <a:off x="9603442" y="-8467"/>
+              <a:ext cx="2588558" cy="6866467"/>
+            </a:xfrm>
+            <a:custGeom>
+              <a:avLst/>
+              <a:gdLst/>
+              <a:ahLst/>
+              <a:cxnLst/>
+              <a:rect l="l" t="t" r="r" b="b"/>
+              <a:pathLst>
+                <a:path w="2573311" h="6866467">
+                  <a:moveTo>
+                    <a:pt x="0" y="0"/>
+                  </a:moveTo>
+                  <a:lnTo>
+                    <a:pt x="2573311" y="0"/>
+                  </a:lnTo>
+                  <a:lnTo>
+                    <a:pt x="2573311" y="6866467"/>
+                  </a:lnTo>
+                  <a:lnTo>
+                    <a:pt x="1202336" y="6866467"/>
+                  </a:lnTo>
+                  <a:lnTo>
+                    <a:pt x="0" y="0"/>
+                  </a:lnTo>
+                  <a:close/>
+                </a:path>
+              </a:pathLst>
+            </a:custGeom>
+            <a:solidFill>
+              <a:schemeClr val="accent1">
+                <a:alpha val="20000"/>
+              </a:schemeClr>
+            </a:solidFill>
+            <a:ln>
+              <a:noFill/>
+            </a:ln>
+            <a:effectLst/>
+          </p:spPr>
+          <p:style>
+            <a:lnRef idx="1">
+              <a:schemeClr val="accent1"/>
+            </a:lnRef>
+            <a:fillRef idx="3">
+              <a:schemeClr val="accent1"/>
+            </a:fillRef>
+            <a:effectRef idx="2">
+              <a:schemeClr val="accent1"/>
+            </a:effectRef>
+            <a:fontRef idx="minor">
+              <a:schemeClr val="lt1"/>
+            </a:fontRef>
+          </p:style>
+        </p:sp>
+        <p:sp>
+          <p:nvSpPr>
+            <p:cNvPr id="24" name="Isosceles Triangle 23"/>
+            <p:cNvSpPr/>
+            <p:nvPr/>
+          </p:nvSpPr>
+          <p:spPr>
+            <a:xfrm>
+              <a:off x="8932333" y="3048000"/>
+              <a:ext cx="3259667" cy="3810000"/>
+            </a:xfrm>
+            <a:prstGeom prst="triangle">
+              <a:avLst>
+                <a:gd name="adj" fmla="val 100000"/>
+              </a:avLst>
+            </a:prstGeom>
+            <a:solidFill>
+              <a:schemeClr val="accent2">
+                <a:alpha val="72000"/>
+              </a:schemeClr>
+            </a:solidFill>
+            <a:ln>
+              <a:noFill/>
+            </a:ln>
+            <a:effectLst/>
+          </p:spPr>
+          <p:style>
+            <a:lnRef idx="1">
+              <a:schemeClr val="accent1"/>
+            </a:lnRef>
+            <a:fillRef idx="3">
+              <a:schemeClr val="accent1"/>
+            </a:fillRef>
+            <a:effectRef idx="2">
+              <a:schemeClr val="accent1"/>
+            </a:effectRef>
+            <a:fontRef idx="minor">
+              <a:schemeClr val="lt1"/>
+            </a:fontRef>
+          </p:style>
+        </p:sp>
+        <p:sp>
+          <p:nvSpPr>
+            <p:cNvPr id="25" name="Rectangle 27"/>
+            <p:cNvSpPr/>
+            <p:nvPr/>
+          </p:nvSpPr>
+          <p:spPr>
+            <a:xfrm>
+              <a:off x="9334500" y="-8467"/>
+              <a:ext cx="2854326" cy="6866467"/>
+            </a:xfrm>
+            <a:custGeom>
+              <a:avLst/>
+              <a:gdLst/>
+              <a:ahLst/>
+              <a:cxnLst/>
+              <a:rect l="l" t="t" r="r" b="b"/>
+              <a:pathLst>
+                <a:path w="2858013" h="6866467">
+                  <a:moveTo>
+                    <a:pt x="0" y="0"/>
+                  </a:moveTo>
+                  <a:lnTo>
+                    <a:pt x="2858013" y="0"/>
+                  </a:lnTo>
+                  <a:lnTo>
+                    <a:pt x="2858013" y="6866467"/>
+                  </a:lnTo>
+                  <a:lnTo>
+                    <a:pt x="2473942" y="6866467"/>
+                  </a:lnTo>
+                  <a:lnTo>
+                    <a:pt x="0" y="0"/>
+                  </a:lnTo>
+                  <a:close/>
+                </a:path>
+              </a:pathLst>
+            </a:custGeom>
+            <a:solidFill>
+              <a:schemeClr val="accent2">
+                <a:lumMod val="75000"/>
+                <a:alpha val="70000"/>
+              </a:schemeClr>
+            </a:solidFill>
+            <a:ln>
+              <a:noFill/>
+            </a:ln>
+            <a:effectLst/>
+          </p:spPr>
+          <p:style>
+            <a:lnRef idx="1">
+              <a:schemeClr val="accent1"/>
+            </a:lnRef>
+            <a:fillRef idx="3">
+              <a:schemeClr val="accent1"/>
+            </a:fillRef>
+            <a:effectRef idx="2">
+              <a:schemeClr val="accent1"/>
+            </a:effectRef>
+            <a:fontRef idx="minor">
+              <a:schemeClr val="lt1"/>
+            </a:fontRef>
+          </p:style>
+        </p:sp>
+        <p:sp>
+          <p:nvSpPr>
+            <p:cNvPr id="26" name="Rectangle 28"/>
+            <p:cNvSpPr/>
+            <p:nvPr/>
+          </p:nvSpPr>
+          <p:spPr>
+            <a:xfrm>
+              <a:off x="10898730" y="-8467"/>
+              <a:ext cx="1290094" cy="6866467"/>
+            </a:xfrm>
+            <a:custGeom>
+              <a:avLst/>
+              <a:gdLst/>
+              <a:ahLst/>
+              <a:cxnLst/>
+              <a:rect l="l" t="t" r="r" b="b"/>
+              <a:pathLst>
+                <a:path w="1290094" h="6858000">
+                  <a:moveTo>
+                    <a:pt x="1019735" y="0"/>
+                  </a:moveTo>
+                  <a:lnTo>
+                    <a:pt x="1290094" y="0"/>
+                  </a:lnTo>
+                  <a:lnTo>
+                    <a:pt x="1290094" y="6858000"/>
+                  </a:lnTo>
+                  <a:lnTo>
+                    <a:pt x="0" y="6858000"/>
+                  </a:lnTo>
+                  <a:lnTo>
+                    <a:pt x="1019735" y="0"/>
+                  </a:lnTo>
+                  <a:close/>
+                </a:path>
+              </a:pathLst>
+            </a:custGeom>
+            <a:solidFill>
+              <a:schemeClr val="accent1">
+                <a:lumMod val="60000"/>
+                <a:lumOff val="40000"/>
+                <a:alpha val="70000"/>
+              </a:schemeClr>
+            </a:solidFill>
+            <a:ln>
+              <a:noFill/>
+            </a:ln>
+            <a:effectLst/>
+          </p:spPr>
+          <p:style>
+            <a:lnRef idx="1">
+              <a:schemeClr val="accent1"/>
+            </a:lnRef>
+            <a:fillRef idx="3">
+              <a:schemeClr val="accent1"/>
+            </a:fillRef>
+            <a:effectRef idx="2">
+              <a:schemeClr val="accent1"/>
+            </a:effectRef>
+            <a:fontRef idx="minor">
+              <a:schemeClr val="lt1"/>
+            </a:fontRef>
+          </p:style>
+        </p:sp>
+        <p:sp>
+          <p:nvSpPr>
+            <p:cNvPr id="27" name="Rectangle 29"/>
+            <p:cNvSpPr/>
+            <p:nvPr/>
+          </p:nvSpPr>
+          <p:spPr>
+            <a:xfrm>
+              <a:off x="10938999" y="-8467"/>
+              <a:ext cx="1249825" cy="6866467"/>
+            </a:xfrm>
+            <a:custGeom>
+              <a:avLst/>
+              <a:gdLst/>
+              <a:ahLst/>
+              <a:cxnLst/>
+              <a:rect l="l" t="t" r="r" b="b"/>
+              <a:pathLst>
+                <a:path w="1249825" h="6858000">
+                  <a:moveTo>
+                    <a:pt x="0" y="0"/>
+                  </a:moveTo>
+                  <a:lnTo>
+                    <a:pt x="1249825" y="0"/>
+                  </a:lnTo>
+                  <a:lnTo>
+                    <a:pt x="1249825" y="6858000"/>
+                  </a:lnTo>
+                  <a:lnTo>
+                    <a:pt x="1109382" y="6858000"/>
+                  </a:lnTo>
+                  <a:lnTo>
+                    <a:pt x="0" y="0"/>
+                  </a:lnTo>
+                  <a:close/>
+                </a:path>
+              </a:pathLst>
+            </a:custGeom>
+            <a:solidFill>
+              <a:schemeClr val="accent1">
+                <a:alpha val="65000"/>
+              </a:schemeClr>
+            </a:solidFill>
+            <a:ln>
+              <a:noFill/>
+            </a:ln>
+            <a:effectLst/>
+          </p:spPr>
+          <p:style>
+            <a:lnRef idx="1">
+              <a:schemeClr val="accent1"/>
+            </a:lnRef>
+            <a:fillRef idx="3">
+              <a:schemeClr val="accent1"/>
+            </a:fillRef>
+            <a:effectRef idx="2">
+              <a:schemeClr val="accent1"/>
+            </a:effectRef>
+            <a:fontRef idx="minor">
+              <a:schemeClr val="lt1"/>
+            </a:fontRef>
+          </p:style>
+        </p:sp>
+        <p:sp>
+          <p:nvSpPr>
+            <p:cNvPr id="28" name="Isosceles Triangle 27"/>
+            <p:cNvSpPr/>
+            <p:nvPr/>
+          </p:nvSpPr>
+          <p:spPr>
+            <a:xfrm>
+              <a:off x="10371666" y="3589867"/>
+              <a:ext cx="1817159" cy="3268133"/>
+            </a:xfrm>
+            <a:prstGeom prst="triangle">
+              <a:avLst>
+                <a:gd name="adj" fmla="val 100000"/>
+              </a:avLst>
+            </a:prstGeom>
+            <a:solidFill>
+              <a:schemeClr val="accent1">
+                <a:alpha val="80000"/>
+              </a:schemeClr>
+            </a:solidFill>
+            <a:ln>
+              <a:noFill/>
+            </a:ln>
+            <a:effectLst/>
+          </p:spPr>
+          <p:style>
+            <a:lnRef idx="1">
+              <a:schemeClr val="accent1"/>
+            </a:lnRef>
+            <a:fillRef idx="3">
+              <a:schemeClr val="accent1"/>
+            </a:fillRef>
+            <a:effectRef idx="2">
+              <a:schemeClr val="accent1"/>
+            </a:effectRef>
+            <a:fontRef idx="minor">
+              <a:schemeClr val="lt1"/>
+            </a:fontRef>
+          </p:style>
+        </p:sp>
+        <p:sp>
+          <p:nvSpPr>
+            <p:cNvPr id="29" name="Isosceles Triangle 28"/>
+            <p:cNvSpPr/>
+            <p:nvPr/>
+          </p:nvSpPr>
+          <p:spPr>
+            <a:xfrm>
+              <a:off x="0" y="4013200"/>
+              <a:ext cx="448733" cy="2844800"/>
+            </a:xfrm>
+            <a:prstGeom prst="triangle">
+              <a:avLst>
+                <a:gd name="adj" fmla="val 0"/>
+              </a:avLst>
+            </a:prstGeom>
+            <a:solidFill>
+              <a:schemeClr val="accent1">
+                <a:alpha val="85000"/>
+              </a:schemeClr>
+            </a:solidFill>
+            <a:ln>
+              <a:noFill/>
+            </a:ln>
+            <a:effectLst/>
+          </p:spPr>
+          <p:style>
+            <a:lnRef idx="1">
+              <a:schemeClr val="accent1"/>
+            </a:lnRef>
+            <a:fillRef idx="3">
+              <a:schemeClr val="accent1"/>
+            </a:fillRef>
+            <a:effectRef idx="2">
+              <a:schemeClr val="accent1"/>
+            </a:effectRef>
+            <a:fontRef idx="minor">
+              <a:schemeClr val="lt1"/>
+            </a:fontRef>
+          </p:style>
+        </p:sp>
+      </p:grpSp>
+      <p:sp>
+        <p:nvSpPr>
+          <p:cNvPr id="2" name="Title Placeholder 1"/>
           <p:cNvSpPr>
             <a:spLocks noGrp="1"/>
           </p:cNvSpPr>
@@ -2799,15 +5196,15 @@
         </p:nvSpPr>
         <p:spPr>
           <a:xfrm>
-            <a:off x="838200" y="365125"/>
-            <a:ext cx="10515600" cy="1325563"/>
+            <a:off x="677334" y="609600"/>
+            <a:ext cx="8596668" cy="1320800"/>
           </a:xfrm>
           <a:prstGeom prst="rect">
             <a:avLst/>
           </a:prstGeom>
         </p:spPr>
         <p:txBody>
-          <a:bodyPr vert="horz" lIns="91440" tIns="45720" rIns="91440" bIns="45720" rtlCol="0" anchor="ctr">
+          <a:bodyPr vert="horz" lIns="91440" tIns="45720" rIns="91440" bIns="45720" rtlCol="0" anchor="t">
             <a:normAutofit/>
           </a:bodyPr>
           <a:lstStyle/>
@@ -2816,19 +5213,13 @@
               <a:rPr lang="en-US"/>
               <a:t>Click to edit Master title style</a:t>
             </a:r>
-            <a:endParaRPr lang="en-AU"/>
-          </a:p>
-        </p:txBody>
-      </p:sp>
-      <p:sp>
-        <p:nvSpPr>
-          <p:cNvPr id="3" name="Text Placeholder 2">
-            <a:extLst>
-              <a:ext uri="{FF2B5EF4-FFF2-40B4-BE49-F238E27FC236}">
-                <a16:creationId xmlns:a16="http://schemas.microsoft.com/office/drawing/2014/main" id="{0494765F-F74D-4364-8A02-5410F1C8A5A8}"/>
-              </a:ext>
-            </a:extLst>
-          </p:cNvPr>
+            <a:endParaRPr lang="en-US" dirty="0"/>
+          </a:p>
+        </p:txBody>
+      </p:sp>
+      <p:sp>
+        <p:nvSpPr>
+          <p:cNvPr id="3" name="Text Placeholder 2"/>
           <p:cNvSpPr>
             <a:spLocks noGrp="1"/>
           </p:cNvSpPr>
@@ -2838,8 +5229,8 @@
         </p:nvSpPr>
         <p:spPr>
           <a:xfrm>
-            <a:off x="838200" y="1825625"/>
-            <a:ext cx="10515600" cy="4351338"/>
+            <a:off x="677334" y="2160589"/>
+            <a:ext cx="8596668" cy="3880773"/>
           </a:xfrm>
           <a:prstGeom prst="rect">
             <a:avLst/>
@@ -2884,19 +5275,13 @@
               <a:rPr lang="en-US"/>
               <a:t>Fifth level</a:t>
             </a:r>
-            <a:endParaRPr lang="en-AU"/>
-          </a:p>
-        </p:txBody>
-      </p:sp>
-      <p:sp>
-        <p:nvSpPr>
-          <p:cNvPr id="4" name="Date Placeholder 3">
-            <a:extLst>
-              <a:ext uri="{FF2B5EF4-FFF2-40B4-BE49-F238E27FC236}">
-                <a16:creationId xmlns:a16="http://schemas.microsoft.com/office/drawing/2014/main" id="{2176C558-F655-4E4D-9D89-EEF18EA51461}"/>
-              </a:ext>
-            </a:extLst>
-          </p:cNvPr>
+            <a:endParaRPr lang="en-US" dirty="0"/>
+          </a:p>
+        </p:txBody>
+      </p:sp>
+      <p:sp>
+        <p:nvSpPr>
+          <p:cNvPr id="4" name="Date Placeholder 3"/>
           <p:cNvSpPr>
             <a:spLocks noGrp="1"/>
           </p:cNvSpPr>
@@ -2906,8 +5291,8 @@
         </p:nvSpPr>
         <p:spPr>
           <a:xfrm>
-            <a:off x="838200" y="6356350"/>
-            <a:ext cx="2743200" cy="365125"/>
+            <a:off x="7205133" y="6041362"/>
+            <a:ext cx="911939" cy="365125"/>
           </a:xfrm>
           <a:prstGeom prst="rect">
             <a:avLst/>
@@ -2916,8 +5301,8 @@
         <p:txBody>
           <a:bodyPr vert="horz" lIns="91440" tIns="45720" rIns="91440" bIns="45720" rtlCol="0" anchor="ctr"/>
           <a:lstStyle>
-            <a:lvl1pPr algn="l">
-              <a:defRPr sz="1200">
+            <a:lvl1pPr algn="r">
+              <a:defRPr sz="900">
                 <a:solidFill>
                   <a:schemeClr val="tx1">
                     <a:tint val="75000"/>
@@ -2937,13 +5322,7 @@
       </p:sp>
       <p:sp>
         <p:nvSpPr>
-          <p:cNvPr id="5" name="Footer Placeholder 4">
-            <a:extLst>
-              <a:ext uri="{FF2B5EF4-FFF2-40B4-BE49-F238E27FC236}">
-                <a16:creationId xmlns:a16="http://schemas.microsoft.com/office/drawing/2014/main" id="{28EA0926-59CC-4555-B5C7-3577BA5C38AD}"/>
-              </a:ext>
-            </a:extLst>
-          </p:cNvPr>
+          <p:cNvPr id="5" name="Footer Placeholder 4"/>
           <p:cNvSpPr>
             <a:spLocks noGrp="1"/>
           </p:cNvSpPr>
@@ -2953,8 +5332,8 @@
         </p:nvSpPr>
         <p:spPr>
           <a:xfrm>
-            <a:off x="4038600" y="6356350"/>
-            <a:ext cx="4114800" cy="365125"/>
+            <a:off x="677334" y="6041362"/>
+            <a:ext cx="6297612" cy="365125"/>
           </a:xfrm>
           <a:prstGeom prst="rect">
             <a:avLst/>
@@ -2963,8 +5342,8 @@
         <p:txBody>
           <a:bodyPr vert="horz" lIns="91440" tIns="45720" rIns="91440" bIns="45720" rtlCol="0" anchor="ctr"/>
           <a:lstStyle>
-            <a:lvl1pPr algn="ctr">
-              <a:defRPr sz="1200">
+            <a:lvl1pPr algn="l">
+              <a:defRPr sz="900">
                 <a:solidFill>
                   <a:schemeClr val="tx1">
                     <a:tint val="75000"/>
@@ -2980,13 +5359,7 @@
       </p:sp>
       <p:sp>
         <p:nvSpPr>
-          <p:cNvPr id="6" name="Slide Number Placeholder 5">
-            <a:extLst>
-              <a:ext uri="{FF2B5EF4-FFF2-40B4-BE49-F238E27FC236}">
-                <a16:creationId xmlns:a16="http://schemas.microsoft.com/office/drawing/2014/main" id="{46482B71-C3A1-4C23-91BF-8612CA50C767}"/>
-              </a:ext>
-            </a:extLst>
-          </p:cNvPr>
+          <p:cNvPr id="6" name="Slide Number Placeholder 5"/>
           <p:cNvSpPr>
             <a:spLocks noGrp="1"/>
           </p:cNvSpPr>
@@ -2996,8 +5369,8 @@
         </p:nvSpPr>
         <p:spPr>
           <a:xfrm>
-            <a:off x="8610600" y="6356350"/>
-            <a:ext cx="2743200" cy="365125"/>
+            <a:off x="8590663" y="6041362"/>
+            <a:ext cx="683339" cy="365125"/>
           </a:xfrm>
           <a:prstGeom prst="rect">
             <a:avLst/>
@@ -3007,11 +5380,9 @@
           <a:bodyPr vert="horz" lIns="91440" tIns="45720" rIns="91440" bIns="45720" rtlCol="0" anchor="ctr"/>
           <a:lstStyle>
             <a:lvl1pPr algn="r">
-              <a:defRPr sz="1200">
-                <a:solidFill>
-                  <a:schemeClr val="tx1">
-                    <a:tint val="75000"/>
-                  </a:schemeClr>
+              <a:defRPr sz="900">
+                <a:solidFill>
+                  <a:schemeClr val="accent1"/>
                 </a:solidFill>
               </a:defRPr>
             </a:lvl1pPr>
@@ -3028,201 +5399,322 @@
     </p:spTree>
     <p:extLst>
       <p:ext uri="{BB962C8B-B14F-4D97-AF65-F5344CB8AC3E}">
-        <p14:creationId xmlns:p14="http://schemas.microsoft.com/office/powerpoint/2010/main" val="3265228825"/>
+        <p14:creationId xmlns:p14="http://schemas.microsoft.com/office/powerpoint/2010/main" val="476011416"/>
       </p:ext>
     </p:extLst>
   </p:cSld>
   <p:clrMap bg1="lt1" tx1="dk1" bg2="lt2" tx2="dk2" accent1="accent1" accent2="accent2" accent3="accent3" accent4="accent4" accent5="accent5" accent6="accent6" hlink="hlink" folHlink="folHlink"/>
   <p:sldLayoutIdLst>
-    <p:sldLayoutId id="2147483649" r:id="rId1"/>
-    <p:sldLayoutId id="2147483650" r:id="rId2"/>
-    <p:sldLayoutId id="2147483651" r:id="rId3"/>
-    <p:sldLayoutId id="2147483652" r:id="rId4"/>
-    <p:sldLayoutId id="2147483653" r:id="rId5"/>
-    <p:sldLayoutId id="2147483654" r:id="rId6"/>
-    <p:sldLayoutId id="2147483655" r:id="rId7"/>
-    <p:sldLayoutId id="2147483656" r:id="rId8"/>
-    <p:sldLayoutId id="2147483657" r:id="rId9"/>
-    <p:sldLayoutId id="2147483658" r:id="rId10"/>
-    <p:sldLayoutId id="2147483659" r:id="rId11"/>
+    <p:sldLayoutId id="2147483763" r:id="rId1"/>
+    <p:sldLayoutId id="2147483764" r:id="rId2"/>
+    <p:sldLayoutId id="2147483765" r:id="rId3"/>
+    <p:sldLayoutId id="2147483766" r:id="rId4"/>
+    <p:sldLayoutId id="2147483767" r:id="rId5"/>
+    <p:sldLayoutId id="2147483768" r:id="rId6"/>
+    <p:sldLayoutId id="2147483769" r:id="rId7"/>
+    <p:sldLayoutId id="2147483770" r:id="rId8"/>
+    <p:sldLayoutId id="2147483771" r:id="rId9"/>
+    <p:sldLayoutId id="2147483772" r:id="rId10"/>
+    <p:sldLayoutId id="2147483773" r:id="rId11"/>
+    <p:sldLayoutId id="2147483774" r:id="rId12"/>
+    <p:sldLayoutId id="2147483775" r:id="rId13"/>
+    <p:sldLayoutId id="2147483776" r:id="rId14"/>
+    <p:sldLayoutId id="2147483777" r:id="rId15"/>
+    <p:sldLayoutId id="2147483778" r:id="rId16"/>
   </p:sldLayoutIdLst>
   <p:txStyles>
     <p:titleStyle>
-      <a:lvl1pPr algn="l" defTabSz="914400" rtl="0" eaLnBrk="1" latinLnBrk="0" hangingPunct="1">
-        <a:lnSpc>
-          <a:spcPct val="90000"/>
-        </a:lnSpc>
+      <a:lvl1pPr algn="l" defTabSz="457200" rtl="0" eaLnBrk="1" latinLnBrk="0" hangingPunct="1">
         <a:spcBef>
           <a:spcPct val="0"/>
         </a:spcBef>
         <a:buNone/>
-        <a:defRPr sz="4400" kern="1200">
+        <a:defRPr sz="3600" kern="1200">
           <a:solidFill>
-            <a:schemeClr val="tx1"/>
+            <a:schemeClr val="accent1"/>
           </a:solidFill>
           <a:latin typeface="+mj-lt"/>
           <a:ea typeface="+mj-ea"/>
           <a:cs typeface="+mj-cs"/>
         </a:defRPr>
       </a:lvl1pPr>
+      <a:lvl2pPr eaLnBrk="1" hangingPunct="1">
+        <a:defRPr>
+          <a:solidFill>
+            <a:schemeClr val="tx2"/>
+          </a:solidFill>
+        </a:defRPr>
+      </a:lvl2pPr>
+      <a:lvl3pPr eaLnBrk="1" hangingPunct="1">
+        <a:defRPr>
+          <a:solidFill>
+            <a:schemeClr val="tx2"/>
+          </a:solidFill>
+        </a:defRPr>
+      </a:lvl3pPr>
+      <a:lvl4pPr eaLnBrk="1" hangingPunct="1">
+        <a:defRPr>
+          <a:solidFill>
+            <a:schemeClr val="tx2"/>
+          </a:solidFill>
+        </a:defRPr>
+      </a:lvl4pPr>
+      <a:lvl5pPr eaLnBrk="1" hangingPunct="1">
+        <a:defRPr>
+          <a:solidFill>
+            <a:schemeClr val="tx2"/>
+          </a:solidFill>
+        </a:defRPr>
+      </a:lvl5pPr>
+      <a:lvl6pPr eaLnBrk="1" hangingPunct="1">
+        <a:defRPr>
+          <a:solidFill>
+            <a:schemeClr val="tx2"/>
+          </a:solidFill>
+        </a:defRPr>
+      </a:lvl6pPr>
+      <a:lvl7pPr eaLnBrk="1" hangingPunct="1">
+        <a:defRPr>
+          <a:solidFill>
+            <a:schemeClr val="tx2"/>
+          </a:solidFill>
+        </a:defRPr>
+      </a:lvl7pPr>
+      <a:lvl8pPr eaLnBrk="1" hangingPunct="1">
+        <a:defRPr>
+          <a:solidFill>
+            <a:schemeClr val="tx2"/>
+          </a:solidFill>
+        </a:defRPr>
+      </a:lvl8pPr>
+      <a:lvl9pPr eaLnBrk="1" hangingPunct="1">
+        <a:defRPr>
+          <a:solidFill>
+            <a:schemeClr val="tx2"/>
+          </a:solidFill>
+        </a:defRPr>
+      </a:lvl9pPr>
     </p:titleStyle>
     <p:bodyStyle>
-      <a:lvl1pPr marL="228600" indent="-228600" algn="l" defTabSz="914400" rtl="0" eaLnBrk="1" latinLnBrk="0" hangingPunct="1">
-        <a:lnSpc>
-          <a:spcPct val="90000"/>
-        </a:lnSpc>
+      <a:lvl1pPr marL="342900" indent="-342900" algn="l" defTabSz="457200" rtl="0" eaLnBrk="1" latinLnBrk="0" hangingPunct="1">
         <a:spcBef>
           <a:spcPts val="1000"/>
         </a:spcBef>
-        <a:buFont typeface="Arial" panose="020B0604020202020204" pitchFamily="34" charset="0"/>
-        <a:buChar char="•"/>
-        <a:defRPr sz="2800" kern="1200">
+        <a:spcAft>
+          <a:spcPts val="0"/>
+        </a:spcAft>
+        <a:buClr>
+          <a:schemeClr val="accent1"/>
+        </a:buClr>
+        <a:buSzPct val="80000"/>
+        <a:buFont typeface="Wingdings 3" charset="2"/>
+        <a:buChar char=""/>
+        <a:defRPr sz="1800" kern="1200">
           <a:solidFill>
-            <a:schemeClr val="tx1"/>
+            <a:schemeClr val="tx1">
+              <a:lumMod val="75000"/>
+              <a:lumOff val="25000"/>
+            </a:schemeClr>
           </a:solidFill>
           <a:latin typeface="+mn-lt"/>
           <a:ea typeface="+mn-ea"/>
           <a:cs typeface="+mn-cs"/>
         </a:defRPr>
       </a:lvl1pPr>
-      <a:lvl2pPr marL="685800" indent="-228600" algn="l" defTabSz="914400" rtl="0" eaLnBrk="1" latinLnBrk="0" hangingPunct="1">
-        <a:lnSpc>
-          <a:spcPct val="90000"/>
-        </a:lnSpc>
+      <a:lvl2pPr marL="742950" indent="-285750" algn="l" defTabSz="457200" rtl="0" eaLnBrk="1" latinLnBrk="0" hangingPunct="1">
         <a:spcBef>
-          <a:spcPts val="500"/>
+          <a:spcPts val="1000"/>
         </a:spcBef>
-        <a:buFont typeface="Arial" panose="020B0604020202020204" pitchFamily="34" charset="0"/>
-        <a:buChar char="•"/>
-        <a:defRPr sz="2400" kern="1200">
+        <a:spcAft>
+          <a:spcPts val="0"/>
+        </a:spcAft>
+        <a:buClr>
+          <a:schemeClr val="accent1"/>
+        </a:buClr>
+        <a:buSzPct val="80000"/>
+        <a:buFont typeface="Wingdings 3" charset="2"/>
+        <a:buChar char=""/>
+        <a:defRPr sz="1600" kern="1200">
           <a:solidFill>
-            <a:schemeClr val="tx1"/>
+            <a:schemeClr val="tx1">
+              <a:lumMod val="75000"/>
+              <a:lumOff val="25000"/>
+            </a:schemeClr>
           </a:solidFill>
           <a:latin typeface="+mn-lt"/>
           <a:ea typeface="+mn-ea"/>
           <a:cs typeface="+mn-cs"/>
         </a:defRPr>
       </a:lvl2pPr>
-      <a:lvl3pPr marL="1143000" indent="-228600" algn="l" defTabSz="914400" rtl="0" eaLnBrk="1" latinLnBrk="0" hangingPunct="1">
-        <a:lnSpc>
-          <a:spcPct val="90000"/>
-        </a:lnSpc>
+      <a:lvl3pPr marL="1143000" indent="-228600" algn="l" defTabSz="457200" rtl="0" eaLnBrk="1" latinLnBrk="0" hangingPunct="1">
         <a:spcBef>
-          <a:spcPts val="500"/>
+          <a:spcPts val="1000"/>
         </a:spcBef>
-        <a:buFont typeface="Arial" panose="020B0604020202020204" pitchFamily="34" charset="0"/>
-        <a:buChar char="•"/>
-        <a:defRPr sz="2000" kern="1200">
+        <a:spcAft>
+          <a:spcPts val="0"/>
+        </a:spcAft>
+        <a:buClr>
+          <a:schemeClr val="accent1"/>
+        </a:buClr>
+        <a:buSzPct val="80000"/>
+        <a:buFont typeface="Wingdings 3" charset="2"/>
+        <a:buChar char=""/>
+        <a:defRPr sz="1400" kern="1200">
           <a:solidFill>
-            <a:schemeClr val="tx1"/>
+            <a:schemeClr val="tx1">
+              <a:lumMod val="75000"/>
+              <a:lumOff val="25000"/>
+            </a:schemeClr>
           </a:solidFill>
           <a:latin typeface="+mn-lt"/>
           <a:ea typeface="+mn-ea"/>
           <a:cs typeface="+mn-cs"/>
         </a:defRPr>
       </a:lvl3pPr>
-      <a:lvl4pPr marL="1600200" indent="-228600" algn="l" defTabSz="914400" rtl="0" eaLnBrk="1" latinLnBrk="0" hangingPunct="1">
-        <a:lnSpc>
-          <a:spcPct val="90000"/>
-        </a:lnSpc>
+      <a:lvl4pPr marL="1600200" indent="-228600" algn="l" defTabSz="457200" rtl="0" eaLnBrk="1" latinLnBrk="0" hangingPunct="1">
         <a:spcBef>
-          <a:spcPts val="500"/>
+          <a:spcPts val="1000"/>
         </a:spcBef>
-        <a:buFont typeface="Arial" panose="020B0604020202020204" pitchFamily="34" charset="0"/>
-        <a:buChar char="•"/>
-        <a:defRPr sz="1800" kern="1200">
+        <a:spcAft>
+          <a:spcPts val="0"/>
+        </a:spcAft>
+        <a:buClr>
+          <a:schemeClr val="accent1"/>
+        </a:buClr>
+        <a:buSzPct val="80000"/>
+        <a:buFont typeface="Wingdings 3" charset="2"/>
+        <a:buChar char=""/>
+        <a:defRPr sz="1200" kern="1200">
           <a:solidFill>
-            <a:schemeClr val="tx1"/>
+            <a:schemeClr val="tx1">
+              <a:lumMod val="75000"/>
+              <a:lumOff val="25000"/>
+            </a:schemeClr>
           </a:solidFill>
           <a:latin typeface="+mn-lt"/>
           <a:ea typeface="+mn-ea"/>
           <a:cs typeface="+mn-cs"/>
         </a:defRPr>
       </a:lvl4pPr>
-      <a:lvl5pPr marL="2057400" indent="-228600" algn="l" defTabSz="914400" rtl="0" eaLnBrk="1" latinLnBrk="0" hangingPunct="1">
-        <a:lnSpc>
-          <a:spcPct val="90000"/>
-        </a:lnSpc>
+      <a:lvl5pPr marL="2057400" indent="-228600" algn="l" defTabSz="457200" rtl="0" eaLnBrk="1" latinLnBrk="0" hangingPunct="1">
         <a:spcBef>
-          <a:spcPts val="500"/>
+          <a:spcPts val="1000"/>
         </a:spcBef>
-        <a:buFont typeface="Arial" panose="020B0604020202020204" pitchFamily="34" charset="0"/>
-        <a:buChar char="•"/>
-        <a:defRPr sz="1800" kern="1200">
+        <a:spcAft>
+          <a:spcPts val="0"/>
+        </a:spcAft>
+        <a:buClr>
+          <a:schemeClr val="accent1"/>
+        </a:buClr>
+        <a:buSzPct val="80000"/>
+        <a:buFont typeface="Wingdings 3" charset="2"/>
+        <a:buChar char=""/>
+        <a:defRPr sz="1200" kern="1200">
           <a:solidFill>
-            <a:schemeClr val="tx1"/>
+            <a:schemeClr val="tx1">
+              <a:lumMod val="75000"/>
+              <a:lumOff val="25000"/>
+            </a:schemeClr>
           </a:solidFill>
           <a:latin typeface="+mn-lt"/>
           <a:ea typeface="+mn-ea"/>
           <a:cs typeface="+mn-cs"/>
         </a:defRPr>
       </a:lvl5pPr>
-      <a:lvl6pPr marL="2514600" indent="-228600" algn="l" defTabSz="914400" rtl="0" eaLnBrk="1" latinLnBrk="0" hangingPunct="1">
-        <a:lnSpc>
-          <a:spcPct val="90000"/>
-        </a:lnSpc>
+      <a:lvl6pPr marL="2514600" indent="-228600" algn="l" defTabSz="457200" rtl="0" eaLnBrk="1" latinLnBrk="0" hangingPunct="1">
         <a:spcBef>
-          <a:spcPts val="500"/>
+          <a:spcPts val="1000"/>
         </a:spcBef>
-        <a:buFont typeface="Arial" panose="020B0604020202020204" pitchFamily="34" charset="0"/>
-        <a:buChar char="•"/>
-        <a:defRPr sz="1800" kern="1200">
+        <a:spcAft>
+          <a:spcPts val="0"/>
+        </a:spcAft>
+        <a:buClr>
+          <a:schemeClr val="accent1"/>
+        </a:buClr>
+        <a:buSzPct val="80000"/>
+        <a:buFont typeface="Wingdings 3" charset="2"/>
+        <a:buChar char=""/>
+        <a:defRPr sz="1200" kern="1200">
           <a:solidFill>
-            <a:schemeClr val="tx1"/>
+            <a:schemeClr val="tx1">
+              <a:lumMod val="75000"/>
+              <a:lumOff val="25000"/>
+            </a:schemeClr>
           </a:solidFill>
           <a:latin typeface="+mn-lt"/>
           <a:ea typeface="+mn-ea"/>
           <a:cs typeface="+mn-cs"/>
         </a:defRPr>
       </a:lvl6pPr>
-      <a:lvl7pPr marL="2971800" indent="-228600" algn="l" defTabSz="914400" rtl="0" eaLnBrk="1" latinLnBrk="0" hangingPunct="1">
-        <a:lnSpc>
-          <a:spcPct val="90000"/>
-        </a:lnSpc>
+      <a:lvl7pPr marL="2971800" indent="-228600" algn="l" defTabSz="457200" rtl="0" eaLnBrk="1" latinLnBrk="0" hangingPunct="1">
         <a:spcBef>
-          <a:spcPts val="500"/>
+          <a:spcPts val="1000"/>
         </a:spcBef>
-        <a:buFont typeface="Arial" panose="020B0604020202020204" pitchFamily="34" charset="0"/>
-        <a:buChar char="•"/>
-        <a:defRPr sz="1800" kern="1200">
+        <a:spcAft>
+          <a:spcPts val="0"/>
+        </a:spcAft>
+        <a:buClr>
+          <a:schemeClr val="accent1"/>
+        </a:buClr>
+        <a:buSzPct val="80000"/>
+        <a:buFont typeface="Wingdings 3" charset="2"/>
+        <a:buChar char=""/>
+        <a:defRPr sz="1200" kern="1200">
           <a:solidFill>
-            <a:schemeClr val="tx1"/>
+            <a:schemeClr val="tx1">
+              <a:lumMod val="75000"/>
+              <a:lumOff val="25000"/>
+            </a:schemeClr>
           </a:solidFill>
           <a:latin typeface="+mn-lt"/>
           <a:ea typeface="+mn-ea"/>
           <a:cs typeface="+mn-cs"/>
         </a:defRPr>
       </a:lvl7pPr>
-      <a:lvl8pPr marL="3429000" indent="-228600" algn="l" defTabSz="914400" rtl="0" eaLnBrk="1" latinLnBrk="0" hangingPunct="1">
-        <a:lnSpc>
-          <a:spcPct val="90000"/>
-        </a:lnSpc>
+      <a:lvl8pPr marL="3429000" indent="-228600" algn="l" defTabSz="457200" rtl="0" eaLnBrk="1" latinLnBrk="0" hangingPunct="1">
         <a:spcBef>
-          <a:spcPts val="500"/>
+          <a:spcPts val="1000"/>
         </a:spcBef>
-        <a:buFont typeface="Arial" panose="020B0604020202020204" pitchFamily="34" charset="0"/>
-        <a:buChar char="•"/>
-        <a:defRPr sz="1800" kern="1200">
+        <a:spcAft>
+          <a:spcPts val="0"/>
+        </a:spcAft>
+        <a:buClr>
+          <a:schemeClr val="accent1"/>
+        </a:buClr>
+        <a:buSzPct val="80000"/>
+        <a:buFont typeface="Wingdings 3" charset="2"/>
+        <a:buChar char=""/>
+        <a:defRPr sz="1200" kern="1200">
           <a:solidFill>
-            <a:schemeClr val="tx1"/>
+            <a:schemeClr val="tx1">
+              <a:lumMod val="75000"/>
+              <a:lumOff val="25000"/>
+            </a:schemeClr>
           </a:solidFill>
           <a:latin typeface="+mn-lt"/>
           <a:ea typeface="+mn-ea"/>
           <a:cs typeface="+mn-cs"/>
         </a:defRPr>
       </a:lvl8pPr>
-      <a:lvl9pPr marL="3886200" indent="-228600" algn="l" defTabSz="914400" rtl="0" eaLnBrk="1" latinLnBrk="0" hangingPunct="1">
-        <a:lnSpc>
-          <a:spcPct val="90000"/>
-        </a:lnSpc>
+      <a:lvl9pPr marL="3886200" indent="-228600" algn="l" defTabSz="457200" rtl="0" eaLnBrk="1" latinLnBrk="0" hangingPunct="1">
         <a:spcBef>
-          <a:spcPts val="500"/>
+          <a:spcPts val="1000"/>
         </a:spcBef>
-        <a:buFont typeface="Arial" panose="020B0604020202020204" pitchFamily="34" charset="0"/>
-        <a:buChar char="•"/>
-        <a:defRPr sz="1800" kern="1200">
+        <a:spcAft>
+          <a:spcPts val="0"/>
+        </a:spcAft>
+        <a:buClr>
+          <a:schemeClr val="accent1"/>
+        </a:buClr>
+        <a:buSzPct val="80000"/>
+        <a:buFont typeface="Wingdings 3" charset="2"/>
+        <a:buChar char=""/>
+        <a:defRPr sz="1200" kern="1200">
           <a:solidFill>
-            <a:schemeClr val="tx1"/>
+            <a:schemeClr val="tx1">
+              <a:lumMod val="75000"/>
+              <a:lumOff val="25000"/>
+            </a:schemeClr>
           </a:solidFill>
           <a:latin typeface="+mn-lt"/>
           <a:ea typeface="+mn-ea"/>
@@ -3234,7 +5726,7 @@
       <a:defPPr>
         <a:defRPr lang="en-US"/>
       </a:defPPr>
-      <a:lvl1pPr marL="0" algn="l" defTabSz="914400" rtl="0" eaLnBrk="1" latinLnBrk="0" hangingPunct="1">
+      <a:lvl1pPr marL="0" algn="l" defTabSz="457200" rtl="0" eaLnBrk="1" latinLnBrk="0" hangingPunct="1">
         <a:defRPr sz="1800" kern="1200">
           <a:solidFill>
             <a:schemeClr val="tx1"/>
@@ -3244,7 +5736,7 @@
           <a:cs typeface="+mn-cs"/>
         </a:defRPr>
       </a:lvl1pPr>
-      <a:lvl2pPr marL="457200" algn="l" defTabSz="914400" rtl="0" eaLnBrk="1" latinLnBrk="0" hangingPunct="1">
+      <a:lvl2pPr marL="457200" algn="l" defTabSz="457200" rtl="0" eaLnBrk="1" latinLnBrk="0" hangingPunct="1">
         <a:defRPr sz="1800" kern="1200">
           <a:solidFill>
             <a:schemeClr val="tx1"/>
@@ -3254,7 +5746,7 @@
           <a:cs typeface="+mn-cs"/>
         </a:defRPr>
       </a:lvl2pPr>
-      <a:lvl3pPr marL="914400" algn="l" defTabSz="914400" rtl="0" eaLnBrk="1" latinLnBrk="0" hangingPunct="1">
+      <a:lvl3pPr marL="914400" algn="l" defTabSz="457200" rtl="0" eaLnBrk="1" latinLnBrk="0" hangingPunct="1">
         <a:defRPr sz="1800" kern="1200">
           <a:solidFill>
             <a:schemeClr val="tx1"/>
@@ -3264,7 +5756,7 @@
           <a:cs typeface="+mn-cs"/>
         </a:defRPr>
       </a:lvl3pPr>
-      <a:lvl4pPr marL="1371600" algn="l" defTabSz="914400" rtl="0" eaLnBrk="1" latinLnBrk="0" hangingPunct="1">
+      <a:lvl4pPr marL="1371600" algn="l" defTabSz="457200" rtl="0" eaLnBrk="1" latinLnBrk="0" hangingPunct="1">
         <a:defRPr sz="1800" kern="1200">
           <a:solidFill>
             <a:schemeClr val="tx1"/>
@@ -3274,7 +5766,7 @@
           <a:cs typeface="+mn-cs"/>
         </a:defRPr>
       </a:lvl4pPr>
-      <a:lvl5pPr marL="1828800" algn="l" defTabSz="914400" rtl="0" eaLnBrk="1" latinLnBrk="0" hangingPunct="1">
+      <a:lvl5pPr marL="1828800" algn="l" defTabSz="457200" rtl="0" eaLnBrk="1" latinLnBrk="0" hangingPunct="1">
         <a:defRPr sz="1800" kern="1200">
           <a:solidFill>
             <a:schemeClr val="tx1"/>
@@ -3284,7 +5776,7 @@
           <a:cs typeface="+mn-cs"/>
         </a:defRPr>
       </a:lvl5pPr>
-      <a:lvl6pPr marL="2286000" algn="l" defTabSz="914400" rtl="0" eaLnBrk="1" latinLnBrk="0" hangingPunct="1">
+      <a:lvl6pPr marL="2286000" algn="l" defTabSz="457200" rtl="0" eaLnBrk="1" latinLnBrk="0" hangingPunct="1">
         <a:defRPr sz="1800" kern="1200">
           <a:solidFill>
             <a:schemeClr val="tx1"/>
@@ -3294,7 +5786,7 @@
           <a:cs typeface="+mn-cs"/>
         </a:defRPr>
       </a:lvl6pPr>
-      <a:lvl7pPr marL="2743200" algn="l" defTabSz="914400" rtl="0" eaLnBrk="1" latinLnBrk="0" hangingPunct="1">
+      <a:lvl7pPr marL="2743200" algn="l" defTabSz="457200" rtl="0" eaLnBrk="1" latinLnBrk="0" hangingPunct="1">
         <a:defRPr sz="1800" kern="1200">
           <a:solidFill>
             <a:schemeClr val="tx1"/>
@@ -3304,7 +5796,7 @@
           <a:cs typeface="+mn-cs"/>
         </a:defRPr>
       </a:lvl7pPr>
-      <a:lvl8pPr marL="3200400" algn="l" defTabSz="914400" rtl="0" eaLnBrk="1" latinLnBrk="0" hangingPunct="1">
+      <a:lvl8pPr marL="3200400" algn="l" defTabSz="457200" rtl="0" eaLnBrk="1" latinLnBrk="0" hangingPunct="1">
         <a:defRPr sz="1800" kern="1200">
           <a:solidFill>
             <a:schemeClr val="tx1"/>
@@ -3314,7 +5806,7 @@
           <a:cs typeface="+mn-cs"/>
         </a:defRPr>
       </a:lvl8pPr>
-      <a:lvl9pPr marL="3657600" algn="l" defTabSz="914400" rtl="0" eaLnBrk="1" latinLnBrk="0" hangingPunct="1">
+      <a:lvl9pPr marL="3657600" algn="l" defTabSz="457200" rtl="0" eaLnBrk="1" latinLnBrk="0" hangingPunct="1">
         <a:defRPr sz="1800" kern="1200">
           <a:solidFill>
             <a:schemeClr val="tx1"/>
@@ -3367,7 +5859,14 @@
           <a:bodyPr/>
           <a:lstStyle/>
           <a:p>
-            <a:endParaRPr lang="en-AU"/>
+            <a:r>
+              <a:rPr lang="en-AU" dirty="0" err="1"/>
+              <a:t>Neurograph</a:t>
+            </a:r>
+            <a:r>
+              <a:rPr lang="en-AU" dirty="0"/>
+              <a:t> Project</a:t>
+            </a:r>
           </a:p>
         </p:txBody>
       </p:sp>
@@ -3392,7 +5891,19 @@
           <a:bodyPr/>
           <a:lstStyle/>
           <a:p>
-            <a:endParaRPr lang="en-AU"/>
+            <a:r>
+              <a:rPr lang="en-AU" dirty="0"/>
+              <a:t>J</a:t>
+            </a:r>
+            <a:r>
+              <a:rPr lang="en-US" altLang="zh-CN" dirty="0" err="1"/>
+              <a:t>iashu</a:t>
+            </a:r>
+            <a:r>
+              <a:rPr lang="en-US" altLang="zh-CN" dirty="0"/>
+              <a:t> Wu</a:t>
+            </a:r>
+            <a:endParaRPr lang="en-AU" dirty="0"/>
           </a:p>
         </p:txBody>
       </p:sp>
@@ -3409,10 +5920,390 @@
 </p:sld>
 </file>
 
+<file path=ppt/slides/slide2.xml><?xml version="1.0" encoding="utf-8"?>
+<p:sld xmlns:a="http://schemas.openxmlformats.org/drawingml/2006/main" xmlns:r="http://schemas.openxmlformats.org/officeDocument/2006/relationships" xmlns:p="http://schemas.openxmlformats.org/presentationml/2006/main">
+  <p:cSld>
+    <p:spTree>
+      <p:nvGrpSpPr>
+        <p:cNvPr id="1" name=""/>
+        <p:cNvGrpSpPr/>
+        <p:nvPr/>
+      </p:nvGrpSpPr>
+      <p:grpSpPr>
+        <a:xfrm>
+          <a:off x="0" y="0"/>
+          <a:ext cx="0" cy="0"/>
+          <a:chOff x="0" y="0"/>
+          <a:chExt cx="0" cy="0"/>
+        </a:xfrm>
+      </p:grpSpPr>
+      <p:sp>
+        <p:nvSpPr>
+          <p:cNvPr id="2" name="Title 1">
+            <a:extLst>
+              <a:ext uri="{FF2B5EF4-FFF2-40B4-BE49-F238E27FC236}">
+                <a16:creationId xmlns:a16="http://schemas.microsoft.com/office/drawing/2014/main" id="{389E6C06-205C-4788-BB6C-E4CAA9CB7303}"/>
+              </a:ext>
+            </a:extLst>
+          </p:cNvPr>
+          <p:cNvSpPr>
+            <a:spLocks noGrp="1"/>
+          </p:cNvSpPr>
+          <p:nvPr>
+            <p:ph type="title"/>
+          </p:nvPr>
+        </p:nvSpPr>
+        <p:spPr>
+          <a:xfrm>
+            <a:off x="838200" y="349757"/>
+            <a:ext cx="10515600" cy="1325563"/>
+          </a:xfrm>
+        </p:spPr>
+        <p:txBody>
+          <a:bodyPr/>
+          <a:lstStyle/>
+          <a:p>
+            <a:r>
+              <a:rPr lang="en-AU" dirty="0"/>
+              <a:t>What this project is about</a:t>
+            </a:r>
+          </a:p>
+        </p:txBody>
+      </p:sp>
+      <p:sp>
+        <p:nvSpPr>
+          <p:cNvPr id="3" name="Content Placeholder 2">
+            <a:extLst>
+              <a:ext uri="{FF2B5EF4-FFF2-40B4-BE49-F238E27FC236}">
+                <a16:creationId xmlns:a16="http://schemas.microsoft.com/office/drawing/2014/main" id="{FAC083F8-13EF-43EE-BAF2-848A0C350B18}"/>
+              </a:ext>
+            </a:extLst>
+          </p:cNvPr>
+          <p:cNvSpPr>
+            <a:spLocks noGrp="1"/>
+          </p:cNvSpPr>
+          <p:nvPr>
+            <p:ph idx="1"/>
+          </p:nvPr>
+        </p:nvSpPr>
+        <p:spPr/>
+        <p:txBody>
+          <a:bodyPr/>
+          <a:lstStyle/>
+          <a:p>
+            <a:endParaRPr lang="en-AU" dirty="0"/>
+          </a:p>
+        </p:txBody>
+      </p:sp>
+    </p:spTree>
+    <p:extLst>
+      <p:ext uri="{BB962C8B-B14F-4D97-AF65-F5344CB8AC3E}">
+        <p14:creationId xmlns:p14="http://schemas.microsoft.com/office/powerpoint/2010/main" val="1407335832"/>
+      </p:ext>
+    </p:extLst>
+  </p:cSld>
+  <p:clrMapOvr>
+    <a:masterClrMapping/>
+  </p:clrMapOvr>
+</p:sld>
+</file>
+
+<file path=ppt/slides/slide3.xml><?xml version="1.0" encoding="utf-8"?>
+<p:sld xmlns:a="http://schemas.openxmlformats.org/drawingml/2006/main" xmlns:r="http://schemas.openxmlformats.org/officeDocument/2006/relationships" xmlns:p="http://schemas.openxmlformats.org/presentationml/2006/main">
+  <p:cSld>
+    <p:spTree>
+      <p:nvGrpSpPr>
+        <p:cNvPr id="1" name=""/>
+        <p:cNvGrpSpPr/>
+        <p:nvPr/>
+      </p:nvGrpSpPr>
+      <p:grpSpPr>
+        <a:xfrm>
+          <a:off x="0" y="0"/>
+          <a:ext cx="0" cy="0"/>
+          <a:chOff x="0" y="0"/>
+          <a:chExt cx="0" cy="0"/>
+        </a:xfrm>
+      </p:grpSpPr>
+      <p:sp>
+        <p:nvSpPr>
+          <p:cNvPr id="2" name="Title 1">
+            <a:extLst>
+              <a:ext uri="{FF2B5EF4-FFF2-40B4-BE49-F238E27FC236}">
+                <a16:creationId xmlns:a16="http://schemas.microsoft.com/office/drawing/2014/main" id="{07ED8CD3-037E-461E-ABF1-370DC00CD4AF}"/>
+              </a:ext>
+            </a:extLst>
+          </p:cNvPr>
+          <p:cNvSpPr>
+            <a:spLocks noGrp="1"/>
+          </p:cNvSpPr>
+          <p:nvPr>
+            <p:ph type="title"/>
+          </p:nvPr>
+        </p:nvSpPr>
+        <p:spPr/>
+        <p:txBody>
+          <a:bodyPr/>
+          <a:lstStyle/>
+          <a:p>
+            <a:r>
+              <a:rPr lang="en-AU" dirty="0"/>
+              <a:t>App demonstration</a:t>
+            </a:r>
+          </a:p>
+        </p:txBody>
+      </p:sp>
+      <p:sp>
+        <p:nvSpPr>
+          <p:cNvPr id="3" name="Content Placeholder 2">
+            <a:extLst>
+              <a:ext uri="{FF2B5EF4-FFF2-40B4-BE49-F238E27FC236}">
+                <a16:creationId xmlns:a16="http://schemas.microsoft.com/office/drawing/2014/main" id="{5D7D405B-61AD-4987-828D-9E2D9B3763B7}"/>
+              </a:ext>
+            </a:extLst>
+          </p:cNvPr>
+          <p:cNvSpPr>
+            <a:spLocks noGrp="1"/>
+          </p:cNvSpPr>
+          <p:nvPr>
+            <p:ph idx="1"/>
+          </p:nvPr>
+        </p:nvSpPr>
+        <p:spPr/>
+        <p:txBody>
+          <a:bodyPr/>
+          <a:lstStyle/>
+          <a:p>
+            <a:endParaRPr lang="en-AU"/>
+          </a:p>
+        </p:txBody>
+      </p:sp>
+    </p:spTree>
+    <p:extLst>
+      <p:ext uri="{BB962C8B-B14F-4D97-AF65-F5344CB8AC3E}">
+        <p14:creationId xmlns:p14="http://schemas.microsoft.com/office/powerpoint/2010/main" val="1812445088"/>
+      </p:ext>
+    </p:extLst>
+  </p:cSld>
+  <p:clrMapOvr>
+    <a:masterClrMapping/>
+  </p:clrMapOvr>
+</p:sld>
+</file>
+
+<file path=ppt/slides/slide4.xml><?xml version="1.0" encoding="utf-8"?>
+<p:sld xmlns:a="http://schemas.openxmlformats.org/drawingml/2006/main" xmlns:r="http://schemas.openxmlformats.org/officeDocument/2006/relationships" xmlns:p="http://schemas.openxmlformats.org/presentationml/2006/main">
+  <p:cSld>
+    <p:spTree>
+      <p:nvGrpSpPr>
+        <p:cNvPr id="1" name=""/>
+        <p:cNvGrpSpPr/>
+        <p:nvPr/>
+      </p:nvGrpSpPr>
+      <p:grpSpPr>
+        <a:xfrm>
+          <a:off x="0" y="0"/>
+          <a:ext cx="0" cy="0"/>
+          <a:chOff x="0" y="0"/>
+          <a:chExt cx="0" cy="0"/>
+        </a:xfrm>
+      </p:grpSpPr>
+      <p:sp>
+        <p:nvSpPr>
+          <p:cNvPr id="2" name="Title 1">
+            <a:extLst>
+              <a:ext uri="{FF2B5EF4-FFF2-40B4-BE49-F238E27FC236}">
+                <a16:creationId xmlns:a16="http://schemas.microsoft.com/office/drawing/2014/main" id="{77CD6CA4-A6B7-4E6B-8546-1EAA4A138953}"/>
+              </a:ext>
+            </a:extLst>
+          </p:cNvPr>
+          <p:cNvSpPr>
+            <a:spLocks noGrp="1"/>
+          </p:cNvSpPr>
+          <p:nvPr>
+            <p:ph type="title"/>
+          </p:nvPr>
+        </p:nvSpPr>
+        <p:spPr/>
+        <p:txBody>
+          <a:bodyPr/>
+          <a:lstStyle/>
+          <a:p>
+            <a:r>
+              <a:rPr lang="en-AU" dirty="0"/>
+              <a:t>Data Files</a:t>
+            </a:r>
+          </a:p>
+        </p:txBody>
+      </p:sp>
+      <p:sp>
+        <p:nvSpPr>
+          <p:cNvPr id="3" name="Content Placeholder 2">
+            <a:extLst>
+              <a:ext uri="{FF2B5EF4-FFF2-40B4-BE49-F238E27FC236}">
+                <a16:creationId xmlns:a16="http://schemas.microsoft.com/office/drawing/2014/main" id="{48369C02-CAAC-4F96-82ED-80522C6FDBB3}"/>
+              </a:ext>
+            </a:extLst>
+          </p:cNvPr>
+          <p:cNvSpPr>
+            <a:spLocks noGrp="1"/>
+          </p:cNvSpPr>
+          <p:nvPr>
+            <p:ph idx="1"/>
+          </p:nvPr>
+        </p:nvSpPr>
+        <p:spPr/>
+        <p:txBody>
+          <a:bodyPr/>
+          <a:lstStyle/>
+          <a:p>
+            <a:endParaRPr lang="en-AU"/>
+          </a:p>
+        </p:txBody>
+      </p:sp>
+    </p:spTree>
+    <p:extLst>
+      <p:ext uri="{BB962C8B-B14F-4D97-AF65-F5344CB8AC3E}">
+        <p14:creationId xmlns:p14="http://schemas.microsoft.com/office/powerpoint/2010/main" val="281725753"/>
+      </p:ext>
+    </p:extLst>
+  </p:cSld>
+  <p:clrMapOvr>
+    <a:masterClrMapping/>
+  </p:clrMapOvr>
+</p:sld>
+</file>
+
+<file path=ppt/slides/slide5.xml><?xml version="1.0" encoding="utf-8"?>
+<p:sld xmlns:a="http://schemas.openxmlformats.org/drawingml/2006/main" xmlns:r="http://schemas.openxmlformats.org/officeDocument/2006/relationships" xmlns:p="http://schemas.openxmlformats.org/presentationml/2006/main">
+  <p:cSld>
+    <p:spTree>
+      <p:nvGrpSpPr>
+        <p:cNvPr id="1" name=""/>
+        <p:cNvGrpSpPr/>
+        <p:nvPr/>
+      </p:nvGrpSpPr>
+      <p:grpSpPr>
+        <a:xfrm>
+          <a:off x="0" y="0"/>
+          <a:ext cx="0" cy="0"/>
+          <a:chOff x="0" y="0"/>
+          <a:chExt cx="0" cy="0"/>
+        </a:xfrm>
+      </p:grpSpPr>
+      <p:sp>
+        <p:nvSpPr>
+          <p:cNvPr id="2" name="Title 1">
+            <a:extLst>
+              <a:ext uri="{FF2B5EF4-FFF2-40B4-BE49-F238E27FC236}">
+                <a16:creationId xmlns:a16="http://schemas.microsoft.com/office/drawing/2014/main" id="{4D16881E-B9DA-4B08-801A-8F58C7668A6B}"/>
+              </a:ext>
+            </a:extLst>
+          </p:cNvPr>
+          <p:cNvSpPr>
+            <a:spLocks noGrp="1"/>
+          </p:cNvSpPr>
+          <p:nvPr>
+            <p:ph type="title"/>
+          </p:nvPr>
+        </p:nvSpPr>
+        <p:spPr>
+          <a:xfrm>
+            <a:off x="4734504" y="3045438"/>
+            <a:ext cx="4232763" cy="1320800"/>
+          </a:xfrm>
+        </p:spPr>
+        <p:txBody>
+          <a:bodyPr/>
+          <a:lstStyle/>
+          <a:p>
+            <a:r>
+              <a:rPr lang="en-AU" dirty="0"/>
+              <a:t>Q &amp; A</a:t>
+            </a:r>
+          </a:p>
+        </p:txBody>
+      </p:sp>
+    </p:spTree>
+    <p:extLst>
+      <p:ext uri="{BB962C8B-B14F-4D97-AF65-F5344CB8AC3E}">
+        <p14:creationId xmlns:p14="http://schemas.microsoft.com/office/powerpoint/2010/main" val="1385193737"/>
+      </p:ext>
+    </p:extLst>
+  </p:cSld>
+  <p:clrMapOvr>
+    <a:masterClrMapping/>
+  </p:clrMapOvr>
+</p:sld>
+</file>
+
+<file path=ppt/slides/slide6.xml><?xml version="1.0" encoding="utf-8"?>
+<p:sld xmlns:a="http://schemas.openxmlformats.org/drawingml/2006/main" xmlns:r="http://schemas.openxmlformats.org/officeDocument/2006/relationships" xmlns:p="http://schemas.openxmlformats.org/presentationml/2006/main">
+  <p:cSld>
+    <p:spTree>
+      <p:nvGrpSpPr>
+        <p:cNvPr id="1" name=""/>
+        <p:cNvGrpSpPr/>
+        <p:nvPr/>
+      </p:nvGrpSpPr>
+      <p:grpSpPr>
+        <a:xfrm>
+          <a:off x="0" y="0"/>
+          <a:ext cx="0" cy="0"/>
+          <a:chOff x="0" y="0"/>
+          <a:chExt cx="0" cy="0"/>
+        </a:xfrm>
+      </p:grpSpPr>
+      <p:sp>
+        <p:nvSpPr>
+          <p:cNvPr id="2" name="Title 1">
+            <a:extLst>
+              <a:ext uri="{FF2B5EF4-FFF2-40B4-BE49-F238E27FC236}">
+                <a16:creationId xmlns:a16="http://schemas.microsoft.com/office/drawing/2014/main" id="{BAD9EF40-E7DC-4A1B-93EC-B67EDCDA442A}"/>
+              </a:ext>
+            </a:extLst>
+          </p:cNvPr>
+          <p:cNvSpPr>
+            <a:spLocks noGrp="1"/>
+          </p:cNvSpPr>
+          <p:nvPr>
+            <p:ph type="title"/>
+          </p:nvPr>
+        </p:nvSpPr>
+        <p:spPr>
+          <a:xfrm>
+            <a:off x="3505058" y="2976283"/>
+            <a:ext cx="4839803" cy="1320800"/>
+          </a:xfrm>
+        </p:spPr>
+        <p:txBody>
+          <a:bodyPr/>
+          <a:lstStyle/>
+          <a:p>
+            <a:r>
+              <a:rPr lang="en-AU" dirty="0"/>
+              <a:t>Thank you ^_^</a:t>
+            </a:r>
+          </a:p>
+        </p:txBody>
+      </p:sp>
+    </p:spTree>
+    <p:extLst>
+      <p:ext uri="{BB962C8B-B14F-4D97-AF65-F5344CB8AC3E}">
+        <p14:creationId xmlns:p14="http://schemas.microsoft.com/office/powerpoint/2010/main" val="4130627811"/>
+      </p:ext>
+    </p:extLst>
+  </p:cSld>
+  <p:clrMapOvr>
+    <a:masterClrMapping/>
+  </p:clrMapOvr>
+</p:sld>
+</file>
+
 <file path=ppt/theme/theme1.xml><?xml version="1.0" encoding="utf-8"?>
-<a:theme xmlns:a="http://schemas.openxmlformats.org/drawingml/2006/main" name="Office Theme">
+<a:theme xmlns:a="http://schemas.openxmlformats.org/drawingml/2006/main" name="Facet">
   <a:themeElements>
-    <a:clrScheme name="Office">
+    <a:clrScheme name="Facet">
       <a:dk1>
         <a:sysClr val="windowText" lastClr="000000"/>
       </a:dk1>
@@ -3420,52 +6311,52 @@
         <a:sysClr val="window" lastClr="FFFFFF"/>
       </a:lt1>
       <a:dk2>
-        <a:srgbClr val="44546A"/>
+        <a:srgbClr val="2C3C43"/>
       </a:dk2>
       <a:lt2>
-        <a:srgbClr val="E7E6E6"/>
+        <a:srgbClr val="EBEBEB"/>
       </a:lt2>
       <a:accent1>
-        <a:srgbClr val="4472C4"/>
+        <a:srgbClr val="90C226"/>
       </a:accent1>
       <a:accent2>
-        <a:srgbClr val="ED7D31"/>
+        <a:srgbClr val="54A021"/>
       </a:accent2>
       <a:accent3>
-        <a:srgbClr val="A5A5A5"/>
+        <a:srgbClr val="E6B91E"/>
       </a:accent3>
       <a:accent4>
-        <a:srgbClr val="FFC000"/>
+        <a:srgbClr val="E76618"/>
       </a:accent4>
       <a:accent5>
-        <a:srgbClr val="5B9BD5"/>
+        <a:srgbClr val="C42F1A"/>
       </a:accent5>
       <a:accent6>
-        <a:srgbClr val="70AD47"/>
+        <a:srgbClr val="918655"/>
       </a:accent6>
       <a:hlink>
-        <a:srgbClr val="0563C1"/>
+        <a:srgbClr val="99CA3C"/>
       </a:hlink>
       <a:folHlink>
-        <a:srgbClr val="954F72"/>
+        <a:srgbClr val="B9D181"/>
       </a:folHlink>
     </a:clrScheme>
-    <a:fontScheme name="Office">
+    <a:fontScheme name="Facet">
       <a:majorFont>
-        <a:latin typeface="Calibri Light" panose="020F0302020204030204"/>
+        <a:latin typeface="Trebuchet MS" panose="020B0603020202020204"/>
         <a:ea typeface=""/>
         <a:cs typeface=""/>
-        <a:font script="Jpan" typeface="游ゴシック Light"/>
+        <a:font script="Jpan" typeface="メイリオ"/>
         <a:font script="Hang" typeface="맑은 고딕"/>
-        <a:font script="Hans" typeface="等线 Light"/>
-        <a:font script="Hant" typeface="新細明體"/>
-        <a:font script="Arab" typeface="Times New Roman"/>
-        <a:font script="Hebr" typeface="Times New Roman"/>
-        <a:font script="Thai" typeface="Angsana New"/>
+        <a:font script="Hans" typeface="方正姚体"/>
+        <a:font script="Hant" typeface="微軟正黑體"/>
+        <a:font script="Arab" typeface="Tahoma"/>
+        <a:font script="Hebr" typeface="Arial"/>
+        <a:font script="Thai" typeface="Cordia New"/>
         <a:font script="Ethi" typeface="Nyala"/>
         <a:font script="Beng" typeface="Vrinda"/>
         <a:font script="Gujr" typeface="Shruti"/>
-        <a:font script="Khmr" typeface="MoolBoran"/>
+        <a:font script="Khmr" typeface="DaunPenh"/>
         <a:font script="Knda" typeface="Tunga"/>
         <a:font script="Guru" typeface="Raavi"/>
         <a:font script="Cans" typeface="Euphemia"/>
@@ -3482,38 +6373,21 @@
         <a:font script="Laoo" typeface="DokChampa"/>
         <a:font script="Sinh" typeface="Iskoola Pota"/>
         <a:font script="Mong" typeface="Mongolian Baiti"/>
-        <a:font script="Viet" typeface="Times New Roman"/>
+        <a:font script="Viet" typeface="Tahoma"/>
         <a:font script="Uigh" typeface="Microsoft Uighur"/>
         <a:font script="Geor" typeface="Sylfaen"/>
-        <a:font script="Armn" typeface="Arial"/>
-        <a:font script="Bugi" typeface="Leelawadee UI"/>
-        <a:font script="Bopo" typeface="Microsoft JhengHei"/>
-        <a:font script="Java" typeface="Javanese Text"/>
-        <a:font script="Lisu" typeface="Segoe UI"/>
-        <a:font script="Mymr" typeface="Myanmar Text"/>
-        <a:font script="Nkoo" typeface="Ebrima"/>
-        <a:font script="Olck" typeface="Nirmala UI"/>
-        <a:font script="Osma" typeface="Ebrima"/>
-        <a:font script="Phag" typeface="Phagspa"/>
-        <a:font script="Syrn" typeface="Estrangelo Edessa"/>
-        <a:font script="Syrj" typeface="Estrangelo Edessa"/>
-        <a:font script="Syre" typeface="Estrangelo Edessa"/>
-        <a:font script="Sora" typeface="Nirmala UI"/>
-        <a:font script="Tale" typeface="Microsoft Tai Le"/>
-        <a:font script="Talu" typeface="Microsoft New Tai Lue"/>
-        <a:font script="Tfng" typeface="Ebrima"/>
       </a:majorFont>
       <a:minorFont>
-        <a:latin typeface="Calibri" panose="020F0502020204030204"/>
+        <a:latin typeface="Trebuchet MS" panose="020B0603020202020204"/>
         <a:ea typeface=""/>
         <a:cs typeface=""/>
-        <a:font script="Jpan" typeface="游ゴシック"/>
-        <a:font script="Hang" typeface="맑은 고딕"/>
-        <a:font script="Hans" typeface="等线"/>
-        <a:font script="Hant" typeface="新細明體"/>
-        <a:font script="Arab" typeface="Arial"/>
-        <a:font script="Hebr" typeface="Arial"/>
-        <a:font script="Thai" typeface="Cordia New"/>
+        <a:font script="Jpan" typeface="メイリオ"/>
+        <a:font script="Hang" typeface="HY그래픽M"/>
+        <a:font script="Hans" typeface="华文新魏"/>
+        <a:font script="Hant" typeface="微軟正黑體"/>
+        <a:font script="Arab" typeface="Tahoma"/>
+        <a:font script="Hebr" typeface="Gisha"/>
+        <a:font script="Thai" typeface="IrisUPC"/>
         <a:font script="Ethi" typeface="Nyala"/>
         <a:font script="Beng" typeface="Vrinda"/>
         <a:font script="Gujr" typeface="Shruti"/>
@@ -3537,26 +6411,9 @@
         <a:font script="Viet" typeface="Arial"/>
         <a:font script="Uigh" typeface="Microsoft Uighur"/>
         <a:font script="Geor" typeface="Sylfaen"/>
-        <a:font script="Armn" typeface="Arial"/>
-        <a:font script="Bugi" typeface="Leelawadee UI"/>
-        <a:font script="Bopo" typeface="Microsoft JhengHei"/>
-        <a:font script="Java" typeface="Javanese Text"/>
-        <a:font script="Lisu" typeface="Segoe UI"/>
-        <a:font script="Mymr" typeface="Myanmar Text"/>
-        <a:font script="Nkoo" typeface="Ebrima"/>
-        <a:font script="Olck" typeface="Nirmala UI"/>
-        <a:font script="Osma" typeface="Ebrima"/>
-        <a:font script="Phag" typeface="Phagspa"/>
-        <a:font script="Syrn" typeface="Estrangelo Edessa"/>
-        <a:font script="Syrj" typeface="Estrangelo Edessa"/>
-        <a:font script="Syre" typeface="Estrangelo Edessa"/>
-        <a:font script="Sora" typeface="Nirmala UI"/>
-        <a:font script="Tale" typeface="Microsoft Tai Le"/>
-        <a:font script="Talu" typeface="Microsoft New Tai Lue"/>
-        <a:font script="Tfng" typeface="Ebrima"/>
       </a:minorFont>
     </a:fontScheme>
-    <a:fmtScheme name="Office">
+    <a:fmtScheme name="Facet">
       <a:fillStyleLst>
         <a:solidFill>
           <a:schemeClr val="phClr"/>
@@ -3565,23 +6422,13 @@
           <a:gsLst>
             <a:gs pos="0">
               <a:schemeClr val="phClr">
+                <a:tint val="65000"/>
                 <a:lumMod val="110000"/>
-                <a:satMod val="105000"/>
-                <a:tint val="67000"/>
               </a:schemeClr>
             </a:gs>
-            <a:gs pos="50000">
+            <a:gs pos="88000">
               <a:schemeClr val="phClr">
-                <a:lumMod val="105000"/>
-                <a:satMod val="103000"/>
-                <a:tint val="73000"/>
-              </a:schemeClr>
-            </a:gs>
-            <a:gs pos="100000">
-              <a:schemeClr val="phClr">
-                <a:lumMod val="105000"/>
-                <a:satMod val="109000"/>
-                <a:tint val="81000"/>
+                <a:tint val="90000"/>
               </a:schemeClr>
             </a:gs>
           </a:gsLst>
@@ -3591,23 +6438,14 @@
           <a:gsLst>
             <a:gs pos="0">
               <a:schemeClr val="phClr">
-                <a:satMod val="103000"/>
-                <a:lumMod val="102000"/>
-                <a:tint val="94000"/>
+                <a:tint val="96000"/>
+                <a:lumMod val="100000"/>
               </a:schemeClr>
             </a:gs>
-            <a:gs pos="50000">
+            <a:gs pos="78000">
               <a:schemeClr val="phClr">
-                <a:satMod val="110000"/>
-                <a:lumMod val="100000"/>
-                <a:shade val="100000"/>
-              </a:schemeClr>
-            </a:gs>
-            <a:gs pos="100000">
-              <a:schemeClr val="phClr">
-                <a:lumMod val="99000"/>
-                <a:satMod val="120000"/>
-                <a:shade val="78000"/>
+                <a:shade val="94000"/>
+                <a:lumMod val="94000"/>
               </a:schemeClr>
             </a:gs>
           </a:gsLst>
@@ -3615,26 +6453,23 @@
         </a:gradFill>
       </a:fillStyleLst>
       <a:lnStyleLst>
-        <a:ln w="6350" cap="flat" cmpd="sng" algn="ctr">
+        <a:ln w="12700" cap="rnd" cmpd="sng" algn="ctr">
           <a:solidFill>
             <a:schemeClr val="phClr"/>
           </a:solidFill>
           <a:prstDash val="solid"/>
-          <a:miter lim="800000"/>
         </a:ln>
-        <a:ln w="12700" cap="flat" cmpd="sng" algn="ctr">
+        <a:ln w="19050" cap="rnd" cmpd="sng" algn="ctr">
           <a:solidFill>
             <a:schemeClr val="phClr"/>
           </a:solidFill>
           <a:prstDash val="solid"/>
-          <a:miter lim="800000"/>
         </a:ln>
-        <a:ln w="19050" cap="flat" cmpd="sng" algn="ctr">
+        <a:ln w="25400" cap="rnd" cmpd="sng" algn="ctr">
           <a:solidFill>
             <a:schemeClr val="phClr"/>
           </a:solidFill>
           <a:prstDash val="solid"/>
-          <a:miter lim="800000"/>
         </a:ln>
       </a:lnStyleLst>
       <a:effectStyleLst>
@@ -3642,54 +6477,72 @@
           <a:effectLst/>
         </a:effectStyle>
         <a:effectStyle>
-          <a:effectLst/>
+          <a:effectLst>
+            <a:outerShdw blurRad="38100" dist="25400" dir="5400000" rotWithShape="0">
+              <a:srgbClr val="000000">
+                <a:alpha val="35000"/>
+              </a:srgbClr>
+            </a:outerShdw>
+          </a:effectLst>
         </a:effectStyle>
         <a:effectStyle>
           <a:effectLst>
-            <a:outerShdw blurRad="57150" dist="19050" dir="5400000" algn="ctr" rotWithShape="0">
+            <a:outerShdw blurRad="50800" dist="38100" dir="5400000" rotWithShape="0">
               <a:srgbClr val="000000">
-                <a:alpha val="63000"/>
+                <a:alpha val="35000"/>
               </a:srgbClr>
             </a:outerShdw>
           </a:effectLst>
+          <a:scene3d>
+            <a:camera prst="orthographicFront">
+              <a:rot lat="0" lon="0" rev="0"/>
+            </a:camera>
+            <a:lightRig rig="threePt" dir="tl"/>
+          </a:scene3d>
+          <a:sp3d prstMaterial="plastic">
+            <a:bevelT w="0" h="0"/>
+          </a:sp3d>
         </a:effectStyle>
       </a:effectStyleLst>
       <a:bgFillStyleLst>
         <a:solidFill>
           <a:schemeClr val="phClr"/>
         </a:solidFill>
-        <a:solidFill>
-          <a:schemeClr val="phClr">
-            <a:tint val="95000"/>
-            <a:satMod val="170000"/>
-          </a:schemeClr>
-        </a:solidFill>
         <a:gradFill rotWithShape="1">
           <a:gsLst>
             <a:gs pos="0">
               <a:schemeClr val="phClr">
-                <a:tint val="93000"/>
-                <a:satMod val="150000"/>
-                <a:shade val="98000"/>
-                <a:lumMod val="102000"/>
+                <a:tint val="90000"/>
+                <a:lumMod val="104000"/>
               </a:schemeClr>
             </a:gs>
-            <a:gs pos="50000">
+            <a:gs pos="94000">
               <a:schemeClr val="phClr">
-                <a:tint val="98000"/>
-                <a:satMod val="130000"/>
-                <a:shade val="90000"/>
-                <a:lumMod val="103000"/>
+                <a:shade val="96000"/>
+                <a:lumMod val="82000"/>
+              </a:schemeClr>
+            </a:gs>
+          </a:gsLst>
+          <a:lin ang="5400000" scaled="0"/>
+        </a:gradFill>
+        <a:gradFill rotWithShape="1">
+          <a:gsLst>
+            <a:gs pos="0">
+              <a:schemeClr val="phClr">
+                <a:tint val="90000"/>
+                <a:lumMod val="110000"/>
               </a:schemeClr>
             </a:gs>
             <a:gs pos="100000">
               <a:schemeClr val="phClr">
-                <a:shade val="63000"/>
-                <a:satMod val="120000"/>
+                <a:shade val="94000"/>
+                <a:lumMod val="96000"/>
               </a:schemeClr>
             </a:gs>
           </a:gsLst>
-          <a:lin ang="5400000" scaled="0"/>
+          <a:path path="circle">
+            <a:fillToRect l="50000" t="50000" r="100000" b="100000"/>
+          </a:path>
         </a:gradFill>
       </a:bgFillStyleLst>
     </a:fmtScheme>
@@ -3698,7 +6551,7 @@
   <a:extraClrSchemeLst/>
   <a:extLst>
     <a:ext uri="{05A4C25C-085E-4340-85A3-A5531E510DB2}">
-      <thm15:themeFamily xmlns:thm15="http://schemas.microsoft.com/office/thememl/2012/main" name="Office Theme" id="{62F939B6-93AF-4DB8-9C6B-D6C7DFDC589F}" vid="{4A3C46E8-61CC-4603-A589-7422A47A8E4A}"/>
+      <thm15:themeFamily xmlns:thm15="http://schemas.microsoft.com/office/thememl/2012/main" name="Facet" id="{C0C680CD-088A-49FC-A102-D699147F32B2}" vid="{CFBC31BA-B70F-4F30-BCAA-4F3011E16C4D}"/>
     </a:ext>
   </a:extLst>
 </a:theme>

--- a/Neurograph Project Presentation/Neurograph Presentation Jiashu Wu.pptx
+++ b/Neurograph Project Presentation/Neurograph Presentation Jiashu Wu.pptx
@@ -6,11 +6,13 @@
   </p:sldMasterIdLst>
   <p:sldIdLst>
     <p:sldId id="256" r:id="rId2"/>
-    <p:sldId id="258" r:id="rId3"/>
-    <p:sldId id="259" r:id="rId4"/>
-    <p:sldId id="260" r:id="rId5"/>
-    <p:sldId id="261" r:id="rId6"/>
-    <p:sldId id="262" r:id="rId7"/>
+    <p:sldId id="263" r:id="rId3"/>
+    <p:sldId id="264" r:id="rId4"/>
+    <p:sldId id="258" r:id="rId5"/>
+    <p:sldId id="259" r:id="rId6"/>
+    <p:sldId id="260" r:id="rId7"/>
+    <p:sldId id="261" r:id="rId8"/>
+    <p:sldId id="262" r:id="rId9"/>
   </p:sldIdLst>
   <p:sldSz cx="12192000" cy="6858000"/>
   <p:notesSz cx="6858000" cy="9144000"/>
@@ -843,7 +845,7 @@
           <a:p>
             <a:fld id="{F81B82F4-B97E-44F2-B919-90338D553904}" type="datetimeFigureOut">
               <a:rPr lang="en-AU" smtClean="0"/>
-              <a:t>21/05/2018</a:t>
+              <a:t>22/05/2018</a:t>
             </a:fld>
             <a:endParaRPr lang="en-AU"/>
           </a:p>
@@ -1094,7 +1096,7 @@
           <a:p>
             <a:fld id="{F81B82F4-B97E-44F2-B919-90338D553904}" type="datetimeFigureOut">
               <a:rPr lang="en-AU" smtClean="0"/>
-              <a:t>21/05/2018</a:t>
+              <a:t>22/05/2018</a:t>
             </a:fld>
             <a:endParaRPr lang="en-AU"/>
           </a:p>
@@ -1408,7 +1410,7 @@
           <a:p>
             <a:fld id="{F81B82F4-B97E-44F2-B919-90338D553904}" type="datetimeFigureOut">
               <a:rPr lang="en-AU" smtClean="0"/>
-              <a:t>21/05/2018</a:t>
+              <a:t>22/05/2018</a:t>
             </a:fld>
             <a:endParaRPr lang="en-AU"/>
           </a:p>
@@ -1749,7 +1751,7 @@
           <a:p>
             <a:fld id="{F81B82F4-B97E-44F2-B919-90338D553904}" type="datetimeFigureOut">
               <a:rPr lang="en-AU" smtClean="0"/>
-              <a:t>21/05/2018</a:t>
+              <a:t>22/05/2018</a:t>
             </a:fld>
             <a:endParaRPr lang="en-AU"/>
           </a:p>
@@ -2063,7 +2065,7 @@
           <a:p>
             <a:fld id="{F81B82F4-B97E-44F2-B919-90338D553904}" type="datetimeFigureOut">
               <a:rPr lang="en-AU" smtClean="0"/>
-              <a:t>21/05/2018</a:t>
+              <a:t>22/05/2018</a:t>
             </a:fld>
             <a:endParaRPr lang="en-AU"/>
           </a:p>
@@ -2456,7 +2458,7 @@
           <a:p>
             <a:fld id="{F81B82F4-B97E-44F2-B919-90338D553904}" type="datetimeFigureOut">
               <a:rPr lang="en-AU" smtClean="0"/>
-              <a:t>21/05/2018</a:t>
+              <a:t>22/05/2018</a:t>
             </a:fld>
             <a:endParaRPr lang="en-AU"/>
           </a:p>
@@ -2626,7 +2628,7 @@
           <a:p>
             <a:fld id="{F81B82F4-B97E-44F2-B919-90338D553904}" type="datetimeFigureOut">
               <a:rPr lang="en-AU" smtClean="0"/>
-              <a:t>21/05/2018</a:t>
+              <a:t>22/05/2018</a:t>
             </a:fld>
             <a:endParaRPr lang="en-AU"/>
           </a:p>
@@ -2806,7 +2808,7 @@
           <a:p>
             <a:fld id="{F81B82F4-B97E-44F2-B919-90338D553904}" type="datetimeFigureOut">
               <a:rPr lang="en-AU" smtClean="0"/>
-              <a:t>21/05/2018</a:t>
+              <a:t>22/05/2018</a:t>
             </a:fld>
             <a:endParaRPr lang="en-AU"/>
           </a:p>
@@ -2982,7 +2984,7 @@
           <a:p>
             <a:fld id="{F81B82F4-B97E-44F2-B919-90338D553904}" type="datetimeFigureOut">
               <a:rPr lang="en-AU" smtClean="0"/>
-              <a:t>21/05/2018</a:t>
+              <a:t>22/05/2018</a:t>
             </a:fld>
             <a:endParaRPr lang="en-AU"/>
           </a:p>
@@ -3229,7 +3231,7 @@
           <a:p>
             <a:fld id="{F81B82F4-B97E-44F2-B919-90338D553904}" type="datetimeFigureOut">
               <a:rPr lang="en-AU" smtClean="0"/>
-              <a:t>21/05/2018</a:t>
+              <a:t>22/05/2018</a:t>
             </a:fld>
             <a:endParaRPr lang="en-AU"/>
           </a:p>
@@ -3461,7 +3463,7 @@
           <a:p>
             <a:fld id="{F81B82F4-B97E-44F2-B919-90338D553904}" type="datetimeFigureOut">
               <a:rPr lang="en-AU" smtClean="0"/>
-              <a:t>21/05/2018</a:t>
+              <a:t>22/05/2018</a:t>
             </a:fld>
             <a:endParaRPr lang="en-AU"/>
           </a:p>
@@ -3835,7 +3837,7 @@
           <a:p>
             <a:fld id="{F81B82F4-B97E-44F2-B919-90338D553904}" type="datetimeFigureOut">
               <a:rPr lang="en-AU" smtClean="0"/>
-              <a:t>21/05/2018</a:t>
+              <a:t>22/05/2018</a:t>
             </a:fld>
             <a:endParaRPr lang="en-AU"/>
           </a:p>
@@ -3958,7 +3960,7 @@
           <a:p>
             <a:fld id="{F81B82F4-B97E-44F2-B919-90338D553904}" type="datetimeFigureOut">
               <a:rPr lang="en-AU" smtClean="0"/>
-              <a:t>21/05/2018</a:t>
+              <a:t>22/05/2018</a:t>
             </a:fld>
             <a:endParaRPr lang="en-AU"/>
           </a:p>
@@ -4053,7 +4055,7 @@
           <a:p>
             <a:fld id="{F81B82F4-B97E-44F2-B919-90338D553904}" type="datetimeFigureOut">
               <a:rPr lang="en-AU" smtClean="0"/>
-              <a:t>21/05/2018</a:t>
+              <a:t>22/05/2018</a:t>
             </a:fld>
             <a:endParaRPr lang="en-AU"/>
           </a:p>
@@ -4308,7 +4310,7 @@
           <a:p>
             <a:fld id="{F81B82F4-B97E-44F2-B919-90338D553904}" type="datetimeFigureOut">
               <a:rPr lang="en-AU" smtClean="0"/>
-              <a:t>21/05/2018</a:t>
+              <a:t>22/05/2018</a:t>
             </a:fld>
             <a:endParaRPr lang="en-AU"/>
           </a:p>
@@ -4571,7 +4573,7 @@
           <a:p>
             <a:fld id="{F81B82F4-B97E-44F2-B919-90338D553904}" type="datetimeFigureOut">
               <a:rPr lang="en-AU" smtClean="0"/>
-              <a:t>21/05/2018</a:t>
+              <a:t>22/05/2018</a:t>
             </a:fld>
             <a:endParaRPr lang="en-AU"/>
           </a:p>
@@ -5314,7 +5316,7 @@
           <a:p>
             <a:fld id="{F81B82F4-B97E-44F2-B919-90338D553904}" type="datetimeFigureOut">
               <a:rPr lang="en-AU" smtClean="0"/>
-              <a:t>21/05/2018</a:t>
+              <a:t>22/05/2018</a:t>
             </a:fld>
             <a:endParaRPr lang="en-AU"/>
           </a:p>
@@ -5942,7 +5944,7 @@
           <p:cNvPr id="2" name="Title 1">
             <a:extLst>
               <a:ext uri="{FF2B5EF4-FFF2-40B4-BE49-F238E27FC236}">
-                <a16:creationId xmlns:a16="http://schemas.microsoft.com/office/drawing/2014/main" id="{389E6C06-205C-4788-BB6C-E4CAA9CB7303}"/>
+                <a16:creationId xmlns:a16="http://schemas.microsoft.com/office/drawing/2014/main" id="{A6931502-19A8-42D8-9310-C560016A7CDD}"/>
               </a:ext>
             </a:extLst>
           </p:cNvPr>
@@ -5955,8 +5957,8 @@
         </p:nvSpPr>
         <p:spPr>
           <a:xfrm>
-            <a:off x="838200" y="349757"/>
-            <a:ext cx="10515600" cy="1325563"/>
+            <a:off x="677333" y="609600"/>
+            <a:ext cx="9127493" cy="1320800"/>
           </a:xfrm>
         </p:spPr>
         <p:txBody>
@@ -5965,40 +5967,106 @@
           <a:p>
             <a:r>
               <a:rPr lang="en-AU" dirty="0"/>
-              <a:t>What this project is about</a:t>
-            </a:r>
-          </a:p>
-        </p:txBody>
-      </p:sp>
-      <p:sp>
-        <p:nvSpPr>
-          <p:cNvPr id="3" name="Content Placeholder 2">
+              <a:t>Use drawing to detect Parkinson’s Disease</a:t>
+            </a:r>
+          </a:p>
+        </p:txBody>
+      </p:sp>
+      <p:grpSp>
+        <p:nvGrpSpPr>
+          <p:cNvPr id="8" name="Group 7">
             <a:extLst>
               <a:ext uri="{FF2B5EF4-FFF2-40B4-BE49-F238E27FC236}">
-                <a16:creationId xmlns:a16="http://schemas.microsoft.com/office/drawing/2014/main" id="{FAC083F8-13EF-43EE-BAF2-848A0C350B18}"/>
+                <a16:creationId xmlns:a16="http://schemas.microsoft.com/office/drawing/2014/main" id="{771255B2-7BFD-4353-91B8-C7FB8BF72790}"/>
               </a:ext>
             </a:extLst>
           </p:cNvPr>
-          <p:cNvSpPr>
-            <a:spLocks noGrp="1"/>
-          </p:cNvSpPr>
-          <p:nvPr>
-            <p:ph idx="1"/>
-          </p:nvPr>
-        </p:nvSpPr>
-        <p:spPr/>
-        <p:txBody>
-          <a:bodyPr/>
-          <a:lstStyle/>
-          <a:p>
-            <a:endParaRPr lang="en-AU" dirty="0"/>
-          </a:p>
-        </p:txBody>
-      </p:sp>
+          <p:cNvGrpSpPr/>
+          <p:nvPr/>
+        </p:nvGrpSpPr>
+        <p:grpSpPr>
+          <a:xfrm>
+            <a:off x="1010809" y="1808075"/>
+            <a:ext cx="7615294" cy="3551386"/>
+            <a:chOff x="1433431" y="1408505"/>
+            <a:chExt cx="7615294" cy="3551386"/>
+          </a:xfrm>
+        </p:grpSpPr>
+        <p:pic>
+          <p:nvPicPr>
+            <p:cNvPr id="5" name="Picture 4">
+              <a:extLst>
+                <a:ext uri="{FF2B5EF4-FFF2-40B4-BE49-F238E27FC236}">
+                  <a16:creationId xmlns:a16="http://schemas.microsoft.com/office/drawing/2014/main" id="{C88DD116-0730-486E-B687-E83D63C43519}"/>
+                </a:ext>
+              </a:extLst>
+            </p:cNvPr>
+            <p:cNvPicPr>
+              <a:picLocks noChangeAspect="1"/>
+            </p:cNvPicPr>
+            <p:nvPr/>
+          </p:nvPicPr>
+          <p:blipFill rotWithShape="1">
+            <a:blip r:embed="rId2">
+              <a:extLst>
+                <a:ext uri="{28A0092B-C50C-407E-A947-70E740481C1C}">
+                  <a14:useLocalDpi xmlns:a14="http://schemas.microsoft.com/office/drawing/2010/main" val="0"/>
+                </a:ext>
+              </a:extLst>
+            </a:blip>
+            <a:srcRect b="81598"/>
+            <a:stretch/>
+          </p:blipFill>
+          <p:spPr>
+            <a:xfrm>
+              <a:off x="1433432" y="1408505"/>
+              <a:ext cx="7615293" cy="1043789"/>
+            </a:xfrm>
+            <a:prstGeom prst="rect">
+              <a:avLst/>
+            </a:prstGeom>
+          </p:spPr>
+        </p:pic>
+        <p:pic>
+          <p:nvPicPr>
+            <p:cNvPr id="7" name="Picture 6">
+              <a:extLst>
+                <a:ext uri="{FF2B5EF4-FFF2-40B4-BE49-F238E27FC236}">
+                  <a16:creationId xmlns:a16="http://schemas.microsoft.com/office/drawing/2014/main" id="{92FD233A-F75D-44B6-991E-682819CDCC2E}"/>
+                </a:ext>
+              </a:extLst>
+            </p:cNvPr>
+            <p:cNvPicPr>
+              <a:picLocks noChangeAspect="1"/>
+            </p:cNvPicPr>
+            <p:nvPr/>
+          </p:nvPicPr>
+          <p:blipFill rotWithShape="1">
+            <a:blip r:embed="rId2">
+              <a:extLst>
+                <a:ext uri="{28A0092B-C50C-407E-A947-70E740481C1C}">
+                  <a14:useLocalDpi xmlns:a14="http://schemas.microsoft.com/office/drawing/2010/main" val="0"/>
+                </a:ext>
+              </a:extLst>
+            </a:blip>
+            <a:srcRect t="55791"/>
+            <a:stretch/>
+          </p:blipFill>
+          <p:spPr>
+            <a:xfrm>
+              <a:off x="1433431" y="2452294"/>
+              <a:ext cx="7615293" cy="2507597"/>
+            </a:xfrm>
+            <a:prstGeom prst="rect">
+              <a:avLst/>
+            </a:prstGeom>
+          </p:spPr>
+        </p:pic>
+      </p:grpSp>
     </p:spTree>
     <p:extLst>
       <p:ext uri="{BB962C8B-B14F-4D97-AF65-F5344CB8AC3E}">
-        <p14:creationId xmlns:p14="http://schemas.microsoft.com/office/powerpoint/2010/main" val="1407335832"/>
+        <p14:creationId xmlns:p14="http://schemas.microsoft.com/office/powerpoint/2010/main" val="196205554"/>
       </p:ext>
     </p:extLst>
   </p:cSld>
@@ -6030,7 +6098,7 @@
           <p:cNvPr id="2" name="Title 1">
             <a:extLst>
               <a:ext uri="{FF2B5EF4-FFF2-40B4-BE49-F238E27FC236}">
-                <a16:creationId xmlns:a16="http://schemas.microsoft.com/office/drawing/2014/main" id="{07ED8CD3-037E-461E-ABF1-370DC00CD4AF}"/>
+                <a16:creationId xmlns:a16="http://schemas.microsoft.com/office/drawing/2014/main" id="{A418F894-59DE-4E61-B1BE-9420C15C0E51}"/>
               </a:ext>
             </a:extLst>
           </p:cNvPr>
@@ -6048,40 +6116,51 @@
           <a:p>
             <a:r>
               <a:rPr lang="en-AU" dirty="0"/>
-              <a:t>App demonstration</a:t>
-            </a:r>
-          </a:p>
-        </p:txBody>
-      </p:sp>
-      <p:sp>
-        <p:nvSpPr>
-          <p:cNvPr id="3" name="Content Placeholder 2">
+              <a:t>From the research papers</a:t>
+            </a:r>
+          </a:p>
+        </p:txBody>
+      </p:sp>
+      <p:pic>
+        <p:nvPicPr>
+          <p:cNvPr id="5" name="Picture 4">
             <a:extLst>
               <a:ext uri="{FF2B5EF4-FFF2-40B4-BE49-F238E27FC236}">
-                <a16:creationId xmlns:a16="http://schemas.microsoft.com/office/drawing/2014/main" id="{5D7D405B-61AD-4987-828D-9E2D9B3763B7}"/>
+                <a16:creationId xmlns:a16="http://schemas.microsoft.com/office/drawing/2014/main" id="{D28769C2-AE0C-4A0E-A5B6-EFD31AE54D43}"/>
               </a:ext>
             </a:extLst>
           </p:cNvPr>
-          <p:cNvSpPr>
-            <a:spLocks noGrp="1"/>
-          </p:cNvSpPr>
-          <p:nvPr>
-            <p:ph idx="1"/>
-          </p:nvPr>
-        </p:nvSpPr>
-        <p:spPr/>
-        <p:txBody>
-          <a:bodyPr/>
-          <a:lstStyle/>
-          <a:p>
-            <a:endParaRPr lang="en-AU"/>
-          </a:p>
-        </p:txBody>
-      </p:sp>
+          <p:cNvPicPr>
+            <a:picLocks noChangeAspect="1"/>
+          </p:cNvPicPr>
+          <p:nvPr/>
+        </p:nvPicPr>
+        <p:blipFill>
+          <a:blip r:embed="rId2">
+            <a:extLst>
+              <a:ext uri="{28A0092B-C50C-407E-A947-70E740481C1C}">
+                <a14:useLocalDpi xmlns:a14="http://schemas.microsoft.com/office/drawing/2010/main" val="0"/>
+              </a:ext>
+            </a:extLst>
+          </a:blip>
+          <a:stretch>
+            <a:fillRect/>
+          </a:stretch>
+        </p:blipFill>
+        <p:spPr>
+          <a:xfrm>
+            <a:off x="1468786" y="1338603"/>
+            <a:ext cx="6753274" cy="5410240"/>
+          </a:xfrm>
+          <a:prstGeom prst="rect">
+            <a:avLst/>
+          </a:prstGeom>
+        </p:spPr>
+      </p:pic>
     </p:spTree>
     <p:extLst>
       <p:ext uri="{BB962C8B-B14F-4D97-AF65-F5344CB8AC3E}">
-        <p14:creationId xmlns:p14="http://schemas.microsoft.com/office/powerpoint/2010/main" val="1812445088"/>
+        <p14:creationId xmlns:p14="http://schemas.microsoft.com/office/powerpoint/2010/main" val="3973187196"/>
       </p:ext>
     </p:extLst>
   </p:cSld>
@@ -6113,7 +6192,7 @@
           <p:cNvPr id="2" name="Title 1">
             <a:extLst>
               <a:ext uri="{FF2B5EF4-FFF2-40B4-BE49-F238E27FC236}">
-                <a16:creationId xmlns:a16="http://schemas.microsoft.com/office/drawing/2014/main" id="{77CD6CA4-A6B7-4E6B-8546-1EAA4A138953}"/>
+                <a16:creationId xmlns:a16="http://schemas.microsoft.com/office/drawing/2014/main" id="{389E6C06-205C-4788-BB6C-E4CAA9CB7303}"/>
               </a:ext>
             </a:extLst>
           </p:cNvPr>
@@ -6124,14 +6203,19 @@
             <p:ph type="title"/>
           </p:nvPr>
         </p:nvSpPr>
-        <p:spPr/>
+        <p:spPr>
+          <a:xfrm>
+            <a:off x="838200" y="349757"/>
+            <a:ext cx="10515600" cy="1325563"/>
+          </a:xfrm>
+        </p:spPr>
         <p:txBody>
           <a:bodyPr/>
           <a:lstStyle/>
           <a:p>
             <a:r>
               <a:rPr lang="en-AU" dirty="0"/>
-              <a:t>Data Files</a:t>
+              <a:t>What this project is about</a:t>
             </a:r>
           </a:p>
         </p:txBody>
@@ -6141,7 +6225,7 @@
           <p:cNvPr id="3" name="Content Placeholder 2">
             <a:extLst>
               <a:ext uri="{FF2B5EF4-FFF2-40B4-BE49-F238E27FC236}">
-                <a16:creationId xmlns:a16="http://schemas.microsoft.com/office/drawing/2014/main" id="{48369C02-CAAC-4F96-82ED-80522C6FDBB3}"/>
+                <a16:creationId xmlns:a16="http://schemas.microsoft.com/office/drawing/2014/main" id="{FAC083F8-13EF-43EE-BAF2-848A0C350B18}"/>
               </a:ext>
             </a:extLst>
           </p:cNvPr>
@@ -6157,14 +6241,26 @@
           <a:bodyPr/>
           <a:lstStyle/>
           <a:p>
-            <a:endParaRPr lang="en-AU"/>
+            <a:r>
+              <a:rPr lang="en-AU" dirty="0"/>
+              <a:t>Part 1: An app which captures the drawing data</a:t>
+            </a:r>
+          </a:p>
+          <a:p>
+            <a:endParaRPr lang="en-AU" dirty="0"/>
+          </a:p>
+          <a:p>
+            <a:r>
+              <a:rPr lang="en-AU" dirty="0"/>
+              <a:t>Part 2: Analyse the drawing data and study interesting features</a:t>
+            </a:r>
           </a:p>
         </p:txBody>
       </p:sp>
     </p:spTree>
     <p:extLst>
       <p:ext uri="{BB962C8B-B14F-4D97-AF65-F5344CB8AC3E}">
-        <p14:creationId xmlns:p14="http://schemas.microsoft.com/office/powerpoint/2010/main" val="281725753"/>
+        <p14:creationId xmlns:p14="http://schemas.microsoft.com/office/powerpoint/2010/main" val="1407335832"/>
       </p:ext>
     </p:extLst>
   </p:cSld>
@@ -6196,6 +6292,183 @@
           <p:cNvPr id="2" name="Title 1">
             <a:extLst>
               <a:ext uri="{FF2B5EF4-FFF2-40B4-BE49-F238E27FC236}">
+                <a16:creationId xmlns:a16="http://schemas.microsoft.com/office/drawing/2014/main" id="{07ED8CD3-037E-461E-ABF1-370DC00CD4AF}"/>
+              </a:ext>
+            </a:extLst>
+          </p:cNvPr>
+          <p:cNvSpPr>
+            <a:spLocks noGrp="1"/>
+          </p:cNvSpPr>
+          <p:nvPr>
+            <p:ph type="title"/>
+          </p:nvPr>
+        </p:nvSpPr>
+        <p:spPr/>
+        <p:txBody>
+          <a:bodyPr/>
+          <a:lstStyle/>
+          <a:p>
+            <a:r>
+              <a:rPr lang="en-AU" dirty="0"/>
+              <a:t>App demonstration</a:t>
+            </a:r>
+          </a:p>
+        </p:txBody>
+      </p:sp>
+      <p:pic>
+        <p:nvPicPr>
+          <p:cNvPr id="5" name="Picture 4">
+            <a:extLst>
+              <a:ext uri="{FF2B5EF4-FFF2-40B4-BE49-F238E27FC236}">
+                <a16:creationId xmlns:a16="http://schemas.microsoft.com/office/drawing/2014/main" id="{E86A5CDD-EDEF-43F5-8EBD-4A0A8741FADD}"/>
+              </a:ext>
+            </a:extLst>
+          </p:cNvPr>
+          <p:cNvPicPr>
+            <a:picLocks noChangeAspect="1"/>
+          </p:cNvPicPr>
+          <p:nvPr/>
+        </p:nvPicPr>
+        <p:blipFill>
+          <a:blip r:embed="rId2">
+            <a:extLst>
+              <a:ext uri="{28A0092B-C50C-407E-A947-70E740481C1C}">
+                <a14:useLocalDpi xmlns:a14="http://schemas.microsoft.com/office/drawing/2010/main" val="0"/>
+              </a:ext>
+            </a:extLst>
+          </a:blip>
+          <a:stretch>
+            <a:fillRect/>
+          </a:stretch>
+        </p:blipFill>
+        <p:spPr>
+          <a:xfrm>
+            <a:off x="677334" y="1413862"/>
+            <a:ext cx="8357053" cy="5067620"/>
+          </a:xfrm>
+          <a:prstGeom prst="rect">
+            <a:avLst/>
+          </a:prstGeom>
+        </p:spPr>
+      </p:pic>
+    </p:spTree>
+    <p:extLst>
+      <p:ext uri="{BB962C8B-B14F-4D97-AF65-F5344CB8AC3E}">
+        <p14:creationId xmlns:p14="http://schemas.microsoft.com/office/powerpoint/2010/main" val="1812445088"/>
+      </p:ext>
+    </p:extLst>
+  </p:cSld>
+  <p:clrMapOvr>
+    <a:masterClrMapping/>
+  </p:clrMapOvr>
+</p:sld>
+</file>
+
+<file path=ppt/slides/slide6.xml><?xml version="1.0" encoding="utf-8"?>
+<p:sld xmlns:a="http://schemas.openxmlformats.org/drawingml/2006/main" xmlns:r="http://schemas.openxmlformats.org/officeDocument/2006/relationships" xmlns:p="http://schemas.openxmlformats.org/presentationml/2006/main">
+  <p:cSld>
+    <p:spTree>
+      <p:nvGrpSpPr>
+        <p:cNvPr id="1" name=""/>
+        <p:cNvGrpSpPr/>
+        <p:nvPr/>
+      </p:nvGrpSpPr>
+      <p:grpSpPr>
+        <a:xfrm>
+          <a:off x="0" y="0"/>
+          <a:ext cx="0" cy="0"/>
+          <a:chOff x="0" y="0"/>
+          <a:chExt cx="0" cy="0"/>
+        </a:xfrm>
+      </p:grpSpPr>
+      <p:sp>
+        <p:nvSpPr>
+          <p:cNvPr id="2" name="Title 1">
+            <a:extLst>
+              <a:ext uri="{FF2B5EF4-FFF2-40B4-BE49-F238E27FC236}">
+                <a16:creationId xmlns:a16="http://schemas.microsoft.com/office/drawing/2014/main" id="{77CD6CA4-A6B7-4E6B-8546-1EAA4A138953}"/>
+              </a:ext>
+            </a:extLst>
+          </p:cNvPr>
+          <p:cNvSpPr>
+            <a:spLocks noGrp="1"/>
+          </p:cNvSpPr>
+          <p:nvPr>
+            <p:ph type="title"/>
+          </p:nvPr>
+        </p:nvSpPr>
+        <p:spPr/>
+        <p:txBody>
+          <a:bodyPr/>
+          <a:lstStyle/>
+          <a:p>
+            <a:r>
+              <a:rPr lang="en-AU" dirty="0"/>
+              <a:t>Data Files</a:t>
+            </a:r>
+          </a:p>
+        </p:txBody>
+      </p:sp>
+      <p:sp>
+        <p:nvSpPr>
+          <p:cNvPr id="3" name="Content Placeholder 2">
+            <a:extLst>
+              <a:ext uri="{FF2B5EF4-FFF2-40B4-BE49-F238E27FC236}">
+                <a16:creationId xmlns:a16="http://schemas.microsoft.com/office/drawing/2014/main" id="{48369C02-CAAC-4F96-82ED-80522C6FDBB3}"/>
+              </a:ext>
+            </a:extLst>
+          </p:cNvPr>
+          <p:cNvSpPr>
+            <a:spLocks noGrp="1"/>
+          </p:cNvSpPr>
+          <p:nvPr>
+            <p:ph idx="1"/>
+          </p:nvPr>
+        </p:nvSpPr>
+        <p:spPr/>
+        <p:txBody>
+          <a:bodyPr/>
+          <a:lstStyle/>
+          <a:p>
+            <a:endParaRPr lang="en-AU"/>
+          </a:p>
+        </p:txBody>
+      </p:sp>
+    </p:spTree>
+    <p:extLst>
+      <p:ext uri="{BB962C8B-B14F-4D97-AF65-F5344CB8AC3E}">
+        <p14:creationId xmlns:p14="http://schemas.microsoft.com/office/powerpoint/2010/main" val="281725753"/>
+      </p:ext>
+    </p:extLst>
+  </p:cSld>
+  <p:clrMapOvr>
+    <a:masterClrMapping/>
+  </p:clrMapOvr>
+</p:sld>
+</file>
+
+<file path=ppt/slides/slide7.xml><?xml version="1.0" encoding="utf-8"?>
+<p:sld xmlns:a="http://schemas.openxmlformats.org/drawingml/2006/main" xmlns:r="http://schemas.openxmlformats.org/officeDocument/2006/relationships" xmlns:p="http://schemas.openxmlformats.org/presentationml/2006/main">
+  <p:cSld>
+    <p:spTree>
+      <p:nvGrpSpPr>
+        <p:cNvPr id="1" name=""/>
+        <p:cNvGrpSpPr/>
+        <p:nvPr/>
+      </p:nvGrpSpPr>
+      <p:grpSpPr>
+        <a:xfrm>
+          <a:off x="0" y="0"/>
+          <a:ext cx="0" cy="0"/>
+          <a:chOff x="0" y="0"/>
+          <a:chExt cx="0" cy="0"/>
+        </a:xfrm>
+      </p:grpSpPr>
+      <p:sp>
+        <p:nvSpPr>
+          <p:cNvPr id="2" name="Title 1">
+            <a:extLst>
+              <a:ext uri="{FF2B5EF4-FFF2-40B4-BE49-F238E27FC236}">
                 <a16:creationId xmlns:a16="http://schemas.microsoft.com/office/drawing/2014/main" id="{4D16881E-B9DA-4B08-801A-8F58C7668A6B}"/>
               </a:ext>
             </a:extLst>
@@ -6237,7 +6510,7 @@
 </p:sld>
 </file>
 
-<file path=ppt/slides/slide6.xml><?xml version="1.0" encoding="utf-8"?>
+<file path=ppt/slides/slide8.xml><?xml version="1.0" encoding="utf-8"?>
 <p:sld xmlns:a="http://schemas.openxmlformats.org/drawingml/2006/main" xmlns:r="http://schemas.openxmlformats.org/officeDocument/2006/relationships" xmlns:p="http://schemas.openxmlformats.org/presentationml/2006/main">
   <p:cSld>
     <p:spTree>

--- a/Neurograph Project Presentation/Neurograph Presentation Jiashu Wu.pptx
+++ b/Neurograph Project Presentation/Neurograph Presentation Jiashu Wu.pptx
@@ -6430,7 +6430,10 @@
           <a:bodyPr/>
           <a:lstStyle/>
           <a:p>
-            <a:endParaRPr lang="en-AU"/>
+            <a:r>
+              <a:rPr lang="en-AU" dirty="0"/>
+              <a:t>After getting the drawing inputs, it will be stored in files in different format. </a:t>
+            </a:r>
           </a:p>
         </p:txBody>
       </p:sp>

--- a/Neurograph Project Presentation/Neurograph Presentation Jiashu Wu.pptx
+++ b/Neurograph Project Presentation/Neurograph Presentation Jiashu Wu.pptx
@@ -11,8 +11,9 @@
     <p:sldId id="258" r:id="rId5"/>
     <p:sldId id="259" r:id="rId6"/>
     <p:sldId id="260" r:id="rId7"/>
-    <p:sldId id="261" r:id="rId8"/>
-    <p:sldId id="262" r:id="rId9"/>
+    <p:sldId id="265" r:id="rId8"/>
+    <p:sldId id="261" r:id="rId9"/>
+    <p:sldId id="262" r:id="rId10"/>
   </p:sldIdLst>
   <p:sldSz cx="12192000" cy="6858000"/>
   <p:notesSz cx="6858000" cy="9144000"/>
@@ -6365,7 +6366,7 @@
 </file>
 
 <file path=ppt/slides/slide6.xml><?xml version="1.0" encoding="utf-8"?>
-<p:sld xmlns:a="http://schemas.openxmlformats.org/drawingml/2006/main" xmlns:r="http://schemas.openxmlformats.org/officeDocument/2006/relationships" xmlns:p="http://schemas.openxmlformats.org/presentationml/2006/main">
+<p:sld xmlns:a="http://schemas.openxmlformats.org/drawingml/2006/main" xmlns:r="http://schemas.openxmlformats.org/officeDocument/2006/relationships" xmlns:p="http://schemas.openxmlformats.org/presentationml/2006/main" show="0">
   <p:cSld>
     <p:spTree>
       <p:nvGrpSpPr>
@@ -6472,6 +6473,86 @@
           <p:cNvPr id="2" name="Title 1">
             <a:extLst>
               <a:ext uri="{FF2B5EF4-FFF2-40B4-BE49-F238E27FC236}">
+                <a16:creationId xmlns:a16="http://schemas.microsoft.com/office/drawing/2014/main" id="{869E9D5B-4DC1-427B-BB08-CC4BB180E8A0}"/>
+              </a:ext>
+            </a:extLst>
+          </p:cNvPr>
+          <p:cNvSpPr>
+            <a:spLocks noGrp="1"/>
+          </p:cNvSpPr>
+          <p:nvPr>
+            <p:ph type="title"/>
+          </p:nvPr>
+        </p:nvSpPr>
+        <p:spPr/>
+        <p:txBody>
+          <a:bodyPr/>
+          <a:lstStyle/>
+          <a:p>
+            <a:endParaRPr lang="en-AU"/>
+          </a:p>
+        </p:txBody>
+      </p:sp>
+      <p:sp>
+        <p:nvSpPr>
+          <p:cNvPr id="3" name="Content Placeholder 2">
+            <a:extLst>
+              <a:ext uri="{FF2B5EF4-FFF2-40B4-BE49-F238E27FC236}">
+                <a16:creationId xmlns:a16="http://schemas.microsoft.com/office/drawing/2014/main" id="{94B4F0B1-CAB2-4E54-8A72-8698D04D0C21}"/>
+              </a:ext>
+            </a:extLst>
+          </p:cNvPr>
+          <p:cNvSpPr>
+            <a:spLocks noGrp="1"/>
+          </p:cNvSpPr>
+          <p:nvPr>
+            <p:ph idx="1"/>
+          </p:nvPr>
+        </p:nvSpPr>
+        <p:spPr/>
+        <p:txBody>
+          <a:bodyPr/>
+          <a:lstStyle/>
+          <a:p>
+            <a:endParaRPr lang="en-AU"/>
+          </a:p>
+        </p:txBody>
+      </p:sp>
+    </p:spTree>
+    <p:extLst>
+      <p:ext uri="{BB962C8B-B14F-4D97-AF65-F5344CB8AC3E}">
+        <p14:creationId xmlns:p14="http://schemas.microsoft.com/office/powerpoint/2010/main" val="2946393964"/>
+      </p:ext>
+    </p:extLst>
+  </p:cSld>
+  <p:clrMapOvr>
+    <a:masterClrMapping/>
+  </p:clrMapOvr>
+</p:sld>
+</file>
+
+<file path=ppt/slides/slide8.xml><?xml version="1.0" encoding="utf-8"?>
+<p:sld xmlns:a="http://schemas.openxmlformats.org/drawingml/2006/main" xmlns:r="http://schemas.openxmlformats.org/officeDocument/2006/relationships" xmlns:p="http://schemas.openxmlformats.org/presentationml/2006/main">
+  <p:cSld>
+    <p:spTree>
+      <p:nvGrpSpPr>
+        <p:cNvPr id="1" name=""/>
+        <p:cNvGrpSpPr/>
+        <p:nvPr/>
+      </p:nvGrpSpPr>
+      <p:grpSpPr>
+        <a:xfrm>
+          <a:off x="0" y="0"/>
+          <a:ext cx="0" cy="0"/>
+          <a:chOff x="0" y="0"/>
+          <a:chExt cx="0" cy="0"/>
+        </a:xfrm>
+      </p:grpSpPr>
+      <p:sp>
+        <p:nvSpPr>
+          <p:cNvPr id="2" name="Title 1">
+            <a:extLst>
+              <a:ext uri="{FF2B5EF4-FFF2-40B4-BE49-F238E27FC236}">
                 <a16:creationId xmlns:a16="http://schemas.microsoft.com/office/drawing/2014/main" id="{4D16881E-B9DA-4B08-801A-8F58C7668A6B}"/>
               </a:ext>
             </a:extLst>
@@ -6513,7 +6594,7 @@
 </p:sld>
 </file>
 
-<file path=ppt/slides/slide8.xml><?xml version="1.0" encoding="utf-8"?>
+<file path=ppt/slides/slide9.xml><?xml version="1.0" encoding="utf-8"?>
 <p:sld xmlns:a="http://schemas.openxmlformats.org/drawingml/2006/main" xmlns:r="http://schemas.openxmlformats.org/officeDocument/2006/relationships" xmlns:p="http://schemas.openxmlformats.org/presentationml/2006/main">
   <p:cSld>
     <p:spTree>
